--- a/submission_template/4 Project Presentation.pptx
+++ b/submission_template/4 Project Presentation.pptx
@@ -1,22 +1,37 @@
 
 <file path=ppt/presentation.xml><?xml version="1.0" encoding="utf-8"?>
-<p:presentation xmlns:a="http://schemas.openxmlformats.org/drawingml/2006/main" xmlns:r="http://schemas.openxmlformats.org/officeDocument/2006/relationships" xmlns:mc="http://schemas.openxmlformats.org/markup-compatibility/2006" xmlns:mv="urn:schemas-microsoft-com:mac:vml" xmlns:p="http://schemas.openxmlformats.org/presentationml/2006/main" xmlns:c="http://schemas.openxmlformats.org/drawingml/2006/chart" xmlns:dgm="http://schemas.openxmlformats.org/drawingml/2006/diagram" xmlns:o="urn:schemas-microsoft-com:office:office" xmlns:v="urn:schemas-microsoft-com:vml" xmlns:pvml="urn:schemas-microsoft-com:office:powerpoint" xmlns:com="http://schemas.openxmlformats.org/drawingml/2006/compatibility" xmlns:p14="http://schemas.microsoft.com/office/powerpoint/2010/main" xmlns:p15="http://schemas.microsoft.com/office/powerpoint/2012/main" xmlns:ahyp="http://schemas.microsoft.com/office/drawing/2018/hyperlinkcolor" autoCompressPictures="0" strictFirstAndLastChars="0" saveSubsetFonts="1">
+<p:presentation xmlns:a="http://schemas.openxmlformats.org/drawingml/2006/main" xmlns:r="http://schemas.openxmlformats.org/officeDocument/2006/relationships" xmlns:p="http://schemas.openxmlformats.org/presentationml/2006/main" strictFirstAndLastChars="0" saveSubsetFonts="1" autoCompressPictures="0">
   <p:sldMasterIdLst>
-    <p:sldMasterId id="2147483648" r:id="rId4"/>
+    <p:sldMasterId id="2147483648" r:id="rId1"/>
   </p:sldMasterIdLst>
   <p:notesMasterIdLst>
-    <p:notesMasterId r:id="rId5"/>
+    <p:notesMasterId r:id="rId6"/>
   </p:notesMasterIdLst>
   <p:sldIdLst>
-    <p:sldId id="256" r:id="rId6"/>
-    <p:sldId id="257" r:id="rId7"/>
-    <p:sldId id="258" r:id="rId8"/>
-    <p:sldId id="259" r:id="rId9"/>
+    <p:sldId id="256" r:id="rId2"/>
+    <p:sldId id="257" r:id="rId3"/>
+    <p:sldId id="272" r:id="rId24"/>
+    <p:sldId id="258" r:id="rId4"/>
+    <p:sldId id="260" r:id="rId9"/>
+    <p:sldId id="261" r:id="rId8"/>
+    <p:sldId id="273" r:id="rId25"/>
+    <p:sldId id="262" r:id="rId7"/>
+    <p:sldId id="263" r:id="rId15"/>
+    <p:sldId id="264" r:id="rId16"/>
+    <p:sldId id="265" r:id="rId17"/>
+    <p:sldId id="274" r:id="rId26"/>
+    <p:sldId id="266" r:id="rId18"/>
+    <p:sldId id="267" r:id="rId19"/>
+    <p:sldId id="268" r:id="rId20"/>
+    <p:sldId id="271" r:id="rId23"/>
+    <p:sldId id="269" r:id="rId21"/>
+    <p:sldId id="270" r:id="rId22"/>
+    <p:sldId id="259" r:id="rId5"/>
   </p:sldIdLst>
-  <p:sldSz cy="6858000" cx="9902825"/>
+  <p:sldSz cx="9902825" cy="6858000"/>
   <p:notesSz cx="6858000" cy="9144000"/>
   <p:defaultTextStyle>
-    <a:defPPr lvl="0" marR="0" rtl="0" algn="l">
+    <a:defPPr marR="0" lvl="0" algn="l" rtl="0">
       <a:lnSpc>
         <a:spcPct val="100000"/>
       </a:lnSpc>
@@ -27,7 +42,7 @@
         <a:spcPts val="0"/>
       </a:spcAft>
     </a:defPPr>
-    <a:lvl1pPr lvl="0" marR="0" rtl="0" algn="l">
+    <a:lvl1pPr marR="0" lvl="0" algn="l" rtl="0">
       <a:lnSpc>
         <a:spcPct val="100000"/>
       </a:lnSpc>
@@ -41,7 +56,7 @@
         <a:srgbClr val="000000"/>
       </a:buClr>
       <a:buFont typeface="Arial"/>
-      <a:defRPr b="0" i="0" sz="1400" u="none" cap="none" strike="noStrike">
+      <a:defRPr sz="1400" b="0" i="0" u="none" strike="noStrike" cap="none">
         <a:solidFill>
           <a:srgbClr val="000000"/>
         </a:solidFill>
@@ -51,7 +66,7 @@
         <a:sym typeface="Arial"/>
       </a:defRPr>
     </a:lvl1pPr>
-    <a:lvl2pPr lvl="1" marR="0" rtl="0" algn="l">
+    <a:lvl2pPr marR="0" lvl="1" algn="l" rtl="0">
       <a:lnSpc>
         <a:spcPct val="100000"/>
       </a:lnSpc>
@@ -65,7 +80,7 @@
         <a:srgbClr val="000000"/>
       </a:buClr>
       <a:buFont typeface="Arial"/>
-      <a:defRPr b="0" i="0" sz="1400" u="none" cap="none" strike="noStrike">
+      <a:defRPr sz="1400" b="0" i="0" u="none" strike="noStrike" cap="none">
         <a:solidFill>
           <a:srgbClr val="000000"/>
         </a:solidFill>
@@ -75,7 +90,7 @@
         <a:sym typeface="Arial"/>
       </a:defRPr>
     </a:lvl2pPr>
-    <a:lvl3pPr lvl="2" marR="0" rtl="0" algn="l">
+    <a:lvl3pPr marR="0" lvl="2" algn="l" rtl="0">
       <a:lnSpc>
         <a:spcPct val="100000"/>
       </a:lnSpc>
@@ -89,7 +104,7 @@
         <a:srgbClr val="000000"/>
       </a:buClr>
       <a:buFont typeface="Arial"/>
-      <a:defRPr b="0" i="0" sz="1400" u="none" cap="none" strike="noStrike">
+      <a:defRPr sz="1400" b="0" i="0" u="none" strike="noStrike" cap="none">
         <a:solidFill>
           <a:srgbClr val="000000"/>
         </a:solidFill>
@@ -99,7 +114,7 @@
         <a:sym typeface="Arial"/>
       </a:defRPr>
     </a:lvl3pPr>
-    <a:lvl4pPr lvl="3" marR="0" rtl="0" algn="l">
+    <a:lvl4pPr marR="0" lvl="3" algn="l" rtl="0">
       <a:lnSpc>
         <a:spcPct val="100000"/>
       </a:lnSpc>
@@ -113,7 +128,7 @@
         <a:srgbClr val="000000"/>
       </a:buClr>
       <a:buFont typeface="Arial"/>
-      <a:defRPr b="0" i="0" sz="1400" u="none" cap="none" strike="noStrike">
+      <a:defRPr sz="1400" b="0" i="0" u="none" strike="noStrike" cap="none">
         <a:solidFill>
           <a:srgbClr val="000000"/>
         </a:solidFill>
@@ -123,7 +138,7 @@
         <a:sym typeface="Arial"/>
       </a:defRPr>
     </a:lvl4pPr>
-    <a:lvl5pPr lvl="4" marR="0" rtl="0" algn="l">
+    <a:lvl5pPr marR="0" lvl="4" algn="l" rtl="0">
       <a:lnSpc>
         <a:spcPct val="100000"/>
       </a:lnSpc>
@@ -137,7 +152,7 @@
         <a:srgbClr val="000000"/>
       </a:buClr>
       <a:buFont typeface="Arial"/>
-      <a:defRPr b="0" i="0" sz="1400" u="none" cap="none" strike="noStrike">
+      <a:defRPr sz="1400" b="0" i="0" u="none" strike="noStrike" cap="none">
         <a:solidFill>
           <a:srgbClr val="000000"/>
         </a:solidFill>
@@ -147,7 +162,7 @@
         <a:sym typeface="Arial"/>
       </a:defRPr>
     </a:lvl5pPr>
-    <a:lvl6pPr lvl="5" marR="0" rtl="0" algn="l">
+    <a:lvl6pPr marR="0" lvl="5" algn="l" rtl="0">
       <a:lnSpc>
         <a:spcPct val="100000"/>
       </a:lnSpc>
@@ -161,7 +176,7 @@
         <a:srgbClr val="000000"/>
       </a:buClr>
       <a:buFont typeface="Arial"/>
-      <a:defRPr b="0" i="0" sz="1400" u="none" cap="none" strike="noStrike">
+      <a:defRPr sz="1400" b="0" i="0" u="none" strike="noStrike" cap="none">
         <a:solidFill>
           <a:srgbClr val="000000"/>
         </a:solidFill>
@@ -171,7 +186,7 @@
         <a:sym typeface="Arial"/>
       </a:defRPr>
     </a:lvl6pPr>
-    <a:lvl7pPr lvl="6" marR="0" rtl="0" algn="l">
+    <a:lvl7pPr marR="0" lvl="6" algn="l" rtl="0">
       <a:lnSpc>
         <a:spcPct val="100000"/>
       </a:lnSpc>
@@ -185,7 +200,7 @@
         <a:srgbClr val="000000"/>
       </a:buClr>
       <a:buFont typeface="Arial"/>
-      <a:defRPr b="0" i="0" sz="1400" u="none" cap="none" strike="noStrike">
+      <a:defRPr sz="1400" b="0" i="0" u="none" strike="noStrike" cap="none">
         <a:solidFill>
           <a:srgbClr val="000000"/>
         </a:solidFill>
@@ -195,7 +210,7 @@
         <a:sym typeface="Arial"/>
       </a:defRPr>
     </a:lvl7pPr>
-    <a:lvl8pPr lvl="7" marR="0" rtl="0" algn="l">
+    <a:lvl8pPr marR="0" lvl="7" algn="l" rtl="0">
       <a:lnSpc>
         <a:spcPct val="100000"/>
       </a:lnSpc>
@@ -209,7 +224,7 @@
         <a:srgbClr val="000000"/>
       </a:buClr>
       <a:buFont typeface="Arial"/>
-      <a:defRPr b="0" i="0" sz="1400" u="none" cap="none" strike="noStrike">
+      <a:defRPr sz="1400" b="0" i="0" u="none" strike="noStrike" cap="none">
         <a:solidFill>
           <a:srgbClr val="000000"/>
         </a:solidFill>
@@ -219,7 +234,7 @@
         <a:sym typeface="Arial"/>
       </a:defRPr>
     </a:lvl8pPr>
-    <a:lvl9pPr lvl="8" marR="0" rtl="0" algn="l">
+    <a:lvl9pPr marR="0" lvl="8" algn="l" rtl="0">
       <a:lnSpc>
         <a:spcPct val="100000"/>
       </a:lnSpc>
@@ -233,7 +248,7 @@
         <a:srgbClr val="000000"/>
       </a:buClr>
       <a:buFont typeface="Arial"/>
-      <a:defRPr b="0" i="0" sz="1400" u="none" cap="none" strike="noStrike">
+      <a:defRPr sz="1400" b="0" i="0" u="none" strike="noStrike" cap="none">
         <a:solidFill>
           <a:srgbClr val="000000"/>
         </a:solidFill>
@@ -246,7 +261,7 @@
   </p:defaultTextStyle>
   <p:extLst>
     <p:ext uri="{EFAFB233-063F-42B5-8137-9DF3F51BA10A}">
-      <p15:sldGuideLst>
+      <p15:sldGuideLst xmlns:p15="http://schemas.microsoft.com/office/powerpoint/2012/main">
         <p15:guide id="1" pos="3119">
           <p15:clr>
             <a:srgbClr val="A4A3A4"/>
@@ -260,25 +275,26 @@
       </p15:sldGuideLst>
     </p:ext>
     <p:ext uri="GoogleSlidesCustomDataVersion2">
-      <go:slidesCustomData xmlns:go="http://customooxmlschemas.google.com/" r:id="rId10" roundtripDataSignature="AMtx7miUDM6Ae9C3YrxVlldXvCL2TFIMZw=="/>
+      <go:slidesCustomData xmlns:go="http://customooxmlschemas.google.com/" xmlns:ahyp="http://schemas.microsoft.com/office/drawing/2018/hyperlinkcolor" xmlns:p15="http://schemas.microsoft.com/office/powerpoint/2012/main" xmlns:p14="http://schemas.microsoft.com/office/powerpoint/2010/main" xmlns:com="http://schemas.openxmlformats.org/drawingml/2006/compatibility" xmlns:pvml="urn:schemas-microsoft-com:office:powerpoint" xmlns:v="urn:schemas-microsoft-com:vml" xmlns:o="urn:schemas-microsoft-com:office:office" xmlns:dgm="http://schemas.openxmlformats.org/drawingml/2006/diagram" xmlns:c="http://schemas.openxmlformats.org/drawingml/2006/chart" xmlns:mv="urn:schemas-microsoft-com:mac:vml" xmlns:mc="http://schemas.openxmlformats.org/markup-compatibility/2006" xmlns="" r:id="rId10" roundtripDataSignature="AMtx7miUDM6Ae9C3YrxVlldXvCL2TFIMZw=="/>
     </p:ext>
   </p:extLst>
 </p:presentation>
 </file>
 
 <file path=ppt/notesMasters/notesMaster1.xml><?xml version="1.0" encoding="utf-8"?>
-<p:notesMaster xmlns:a="http://schemas.openxmlformats.org/drawingml/2006/main" xmlns:r="http://schemas.openxmlformats.org/officeDocument/2006/relationships" xmlns:mc="http://schemas.openxmlformats.org/markup-compatibility/2006" xmlns:mv="urn:schemas-microsoft-com:mac:vml" xmlns:p="http://schemas.openxmlformats.org/presentationml/2006/main" xmlns:c="http://schemas.openxmlformats.org/drawingml/2006/chart" xmlns:dgm="http://schemas.openxmlformats.org/drawingml/2006/diagram" xmlns:o="urn:schemas-microsoft-com:office:office" xmlns:v="urn:schemas-microsoft-com:vml" xmlns:pvml="urn:schemas-microsoft-com:office:powerpoint" xmlns:com="http://schemas.openxmlformats.org/drawingml/2006/compatibility" xmlns:p14="http://schemas.microsoft.com/office/powerpoint/2010/main" xmlns:p15="http://schemas.microsoft.com/office/powerpoint/2012/main" xmlns:ahyp="http://schemas.microsoft.com/office/drawing/2018/hyperlinkcolor">
+<p:notesMaster xmlns:a="http://schemas.openxmlformats.org/drawingml/2006/main" xmlns:r="http://schemas.openxmlformats.org/officeDocument/2006/relationships" xmlns:p="http://schemas.openxmlformats.org/presentationml/2006/main">
   <p:cSld>
     <p:bg>
       <p:bgPr>
         <a:solidFill>
           <a:schemeClr val="lt1"/>
         </a:solidFill>
+        <a:effectLst/>
       </p:bgPr>
     </p:bg>
     <p:spTree>
       <p:nvGrpSpPr>
-        <p:cNvPr id="2" name="Shape 2"/>
+        <p:cNvPr id="1" name="Shape 2"/>
         <p:cNvGrpSpPr/>
         <p:nvPr/>
       </p:nvGrpSpPr>
@@ -293,9 +309,11 @@
       <p:sp>
         <p:nvSpPr>
           <p:cNvPr id="3" name="Google Shape;3;n"/>
-          <p:cNvSpPr txBox="1"/>
+          <p:cNvSpPr txBox="1">
+            <a:spLocks noGrp="1"/>
+          </p:cNvSpPr>
           <p:nvPr>
-            <p:ph idx="2" type="hdr"/>
+            <p:ph type="hdr" idx="2"/>
           </p:nvPr>
         </p:nvSpPr>
         <p:spPr>
@@ -312,11 +330,11 @@
           </a:ln>
         </p:spPr>
         <p:txBody>
-          <a:bodyPr anchorCtr="0" anchor="t" bIns="45700" lIns="91425" spcFirstLastPara="1" rIns="91425" wrap="square" tIns="45700">
+          <a:bodyPr spcFirstLastPara="1" wrap="square" lIns="91425" tIns="45700" rIns="91425" bIns="45700" anchor="t" anchorCtr="0">
             <a:noAutofit/>
           </a:bodyPr>
           <a:lstStyle>
-            <a:lvl1pPr lvl="0" marR="0" rtl="0" algn="l">
+            <a:lvl1pPr marR="0" lvl="0" algn="l" rtl="0">
               <a:spcBef>
                 <a:spcPts val="0"/>
               </a:spcBef>
@@ -325,7 +343,7 @@
               </a:spcAft>
               <a:buSzPts val="1400"/>
               <a:buNone/>
-              <a:defRPr b="0" i="0" sz="1200" u="none" cap="none" strike="noStrike">
+              <a:defRPr sz="1200" b="0" i="0" u="none" strike="noStrike" cap="none">
                 <a:solidFill>
                   <a:schemeClr val="dk1"/>
                 </a:solidFill>
@@ -335,7 +353,7 @@
                 <a:sym typeface="Malgun Gothic"/>
               </a:defRPr>
             </a:lvl1pPr>
-            <a:lvl2pPr lvl="1" marR="0" rtl="0" algn="l">
+            <a:lvl2pPr marR="0" lvl="1" algn="l" rtl="0">
               <a:spcBef>
                 <a:spcPts val="0"/>
               </a:spcBef>
@@ -344,7 +362,7 @@
               </a:spcAft>
               <a:buSzPts val="1400"/>
               <a:buNone/>
-              <a:defRPr b="0" i="0" sz="1800" u="none" cap="none" strike="noStrike">
+              <a:defRPr sz="1800" b="0" i="0" u="none" strike="noStrike" cap="none">
                 <a:solidFill>
                   <a:schemeClr val="dk1"/>
                 </a:solidFill>
@@ -354,7 +372,7 @@
                 <a:sym typeface="Malgun Gothic"/>
               </a:defRPr>
             </a:lvl2pPr>
-            <a:lvl3pPr lvl="2" marR="0" rtl="0" algn="l">
+            <a:lvl3pPr marR="0" lvl="2" algn="l" rtl="0">
               <a:spcBef>
                 <a:spcPts val="0"/>
               </a:spcBef>
@@ -363,7 +381,7 @@
               </a:spcAft>
               <a:buSzPts val="1400"/>
               <a:buNone/>
-              <a:defRPr b="0" i="0" sz="1800" u="none" cap="none" strike="noStrike">
+              <a:defRPr sz="1800" b="0" i="0" u="none" strike="noStrike" cap="none">
                 <a:solidFill>
                   <a:schemeClr val="dk1"/>
                 </a:solidFill>
@@ -373,7 +391,7 @@
                 <a:sym typeface="Malgun Gothic"/>
               </a:defRPr>
             </a:lvl3pPr>
-            <a:lvl4pPr lvl="3" marR="0" rtl="0" algn="l">
+            <a:lvl4pPr marR="0" lvl="3" algn="l" rtl="0">
               <a:spcBef>
                 <a:spcPts val="0"/>
               </a:spcBef>
@@ -382,7 +400,7 @@
               </a:spcAft>
               <a:buSzPts val="1400"/>
               <a:buNone/>
-              <a:defRPr b="0" i="0" sz="1800" u="none" cap="none" strike="noStrike">
+              <a:defRPr sz="1800" b="0" i="0" u="none" strike="noStrike" cap="none">
                 <a:solidFill>
                   <a:schemeClr val="dk1"/>
                 </a:solidFill>
@@ -392,7 +410,7 @@
                 <a:sym typeface="Malgun Gothic"/>
               </a:defRPr>
             </a:lvl4pPr>
-            <a:lvl5pPr lvl="4" marR="0" rtl="0" algn="l">
+            <a:lvl5pPr marR="0" lvl="4" algn="l" rtl="0">
               <a:spcBef>
                 <a:spcPts val="0"/>
               </a:spcBef>
@@ -401,7 +419,7 @@
               </a:spcAft>
               <a:buSzPts val="1400"/>
               <a:buNone/>
-              <a:defRPr b="0" i="0" sz="1800" u="none" cap="none" strike="noStrike">
+              <a:defRPr sz="1800" b="0" i="0" u="none" strike="noStrike" cap="none">
                 <a:solidFill>
                   <a:schemeClr val="dk1"/>
                 </a:solidFill>
@@ -411,7 +429,7 @@
                 <a:sym typeface="Malgun Gothic"/>
               </a:defRPr>
             </a:lvl5pPr>
-            <a:lvl6pPr lvl="5" marR="0" rtl="0" algn="l">
+            <a:lvl6pPr marR="0" lvl="5" algn="l" rtl="0">
               <a:spcBef>
                 <a:spcPts val="0"/>
               </a:spcBef>
@@ -420,7 +438,7 @@
               </a:spcAft>
               <a:buSzPts val="1400"/>
               <a:buNone/>
-              <a:defRPr b="0" i="0" sz="1800" u="none" cap="none" strike="noStrike">
+              <a:defRPr sz="1800" b="0" i="0" u="none" strike="noStrike" cap="none">
                 <a:solidFill>
                   <a:schemeClr val="dk1"/>
                 </a:solidFill>
@@ -430,7 +448,7 @@
                 <a:sym typeface="Malgun Gothic"/>
               </a:defRPr>
             </a:lvl6pPr>
-            <a:lvl7pPr lvl="6" marR="0" rtl="0" algn="l">
+            <a:lvl7pPr marR="0" lvl="6" algn="l" rtl="0">
               <a:spcBef>
                 <a:spcPts val="0"/>
               </a:spcBef>
@@ -439,7 +457,7 @@
               </a:spcAft>
               <a:buSzPts val="1400"/>
               <a:buNone/>
-              <a:defRPr b="0" i="0" sz="1800" u="none" cap="none" strike="noStrike">
+              <a:defRPr sz="1800" b="0" i="0" u="none" strike="noStrike" cap="none">
                 <a:solidFill>
                   <a:schemeClr val="dk1"/>
                 </a:solidFill>
@@ -449,7 +467,7 @@
                 <a:sym typeface="Malgun Gothic"/>
               </a:defRPr>
             </a:lvl7pPr>
-            <a:lvl8pPr lvl="7" marR="0" rtl="0" algn="l">
+            <a:lvl8pPr marR="0" lvl="7" algn="l" rtl="0">
               <a:spcBef>
                 <a:spcPts val="0"/>
               </a:spcBef>
@@ -458,7 +476,7 @@
               </a:spcAft>
               <a:buSzPts val="1400"/>
               <a:buNone/>
-              <a:defRPr b="0" i="0" sz="1800" u="none" cap="none" strike="noStrike">
+              <a:defRPr sz="1800" b="0" i="0" u="none" strike="noStrike" cap="none">
                 <a:solidFill>
                   <a:schemeClr val="dk1"/>
                 </a:solidFill>
@@ -468,7 +486,7 @@
                 <a:sym typeface="Malgun Gothic"/>
               </a:defRPr>
             </a:lvl8pPr>
-            <a:lvl9pPr lvl="8" marR="0" rtl="0" algn="l">
+            <a:lvl9pPr marR="0" lvl="8" algn="l" rtl="0">
               <a:spcBef>
                 <a:spcPts val="0"/>
               </a:spcBef>
@@ -477,7 +495,7 @@
               </a:spcAft>
               <a:buSzPts val="1400"/>
               <a:buNone/>
-              <a:defRPr b="0" i="0" sz="1800" u="none" cap="none" strike="noStrike">
+              <a:defRPr sz="1800" b="0" i="0" u="none" strike="noStrike" cap="none">
                 <a:solidFill>
                   <a:schemeClr val="dk1"/>
                 </a:solidFill>
@@ -488,15 +506,19 @@
               </a:defRPr>
             </a:lvl9pPr>
           </a:lstStyle>
-          <a:p/>
+          <a:p>
+            <a:endParaRPr/>
+          </a:p>
         </p:txBody>
       </p:sp>
       <p:sp>
         <p:nvSpPr>
           <p:cNvPr id="4" name="Google Shape;4;n"/>
-          <p:cNvSpPr txBox="1"/>
+          <p:cNvSpPr txBox="1">
+            <a:spLocks noGrp="1"/>
+          </p:cNvSpPr>
           <p:nvPr>
-            <p:ph idx="10" type="dt"/>
+            <p:ph type="dt" idx="10"/>
           </p:nvPr>
         </p:nvSpPr>
         <p:spPr>
@@ -513,11 +535,11 @@
           </a:ln>
         </p:spPr>
         <p:txBody>
-          <a:bodyPr anchorCtr="0" anchor="t" bIns="45700" lIns="91425" spcFirstLastPara="1" rIns="91425" wrap="square" tIns="45700">
+          <a:bodyPr spcFirstLastPara="1" wrap="square" lIns="91425" tIns="45700" rIns="91425" bIns="45700" anchor="t" anchorCtr="0">
             <a:noAutofit/>
           </a:bodyPr>
           <a:lstStyle>
-            <a:lvl1pPr lvl="0" marR="0" rtl="0" algn="r">
+            <a:lvl1pPr marR="0" lvl="0" algn="r" rtl="0">
               <a:spcBef>
                 <a:spcPts val="0"/>
               </a:spcBef>
@@ -526,7 +548,7 @@
               </a:spcAft>
               <a:buSzPts val="1400"/>
               <a:buNone/>
-              <a:defRPr b="0" i="0" sz="1200" u="none" cap="none" strike="noStrike">
+              <a:defRPr sz="1200" b="0" i="0" u="none" strike="noStrike" cap="none">
                 <a:solidFill>
                   <a:schemeClr val="dk1"/>
                 </a:solidFill>
@@ -536,7 +558,7 @@
                 <a:sym typeface="Malgun Gothic"/>
               </a:defRPr>
             </a:lvl1pPr>
-            <a:lvl2pPr lvl="1" marR="0" rtl="0" algn="l">
+            <a:lvl2pPr marR="0" lvl="1" algn="l" rtl="0">
               <a:spcBef>
                 <a:spcPts val="0"/>
               </a:spcBef>
@@ -545,7 +567,7 @@
               </a:spcAft>
               <a:buSzPts val="1400"/>
               <a:buNone/>
-              <a:defRPr b="0" i="0" sz="1800" u="none" cap="none" strike="noStrike">
+              <a:defRPr sz="1800" b="0" i="0" u="none" strike="noStrike" cap="none">
                 <a:solidFill>
                   <a:schemeClr val="dk1"/>
                 </a:solidFill>
@@ -555,7 +577,7 @@
                 <a:sym typeface="Malgun Gothic"/>
               </a:defRPr>
             </a:lvl2pPr>
-            <a:lvl3pPr lvl="2" marR="0" rtl="0" algn="l">
+            <a:lvl3pPr marR="0" lvl="2" algn="l" rtl="0">
               <a:spcBef>
                 <a:spcPts val="0"/>
               </a:spcBef>
@@ -564,7 +586,7 @@
               </a:spcAft>
               <a:buSzPts val="1400"/>
               <a:buNone/>
-              <a:defRPr b="0" i="0" sz="1800" u="none" cap="none" strike="noStrike">
+              <a:defRPr sz="1800" b="0" i="0" u="none" strike="noStrike" cap="none">
                 <a:solidFill>
                   <a:schemeClr val="dk1"/>
                 </a:solidFill>
@@ -574,7 +596,7 @@
                 <a:sym typeface="Malgun Gothic"/>
               </a:defRPr>
             </a:lvl3pPr>
-            <a:lvl4pPr lvl="3" marR="0" rtl="0" algn="l">
+            <a:lvl4pPr marR="0" lvl="3" algn="l" rtl="0">
               <a:spcBef>
                 <a:spcPts val="0"/>
               </a:spcBef>
@@ -583,7 +605,7 @@
               </a:spcAft>
               <a:buSzPts val="1400"/>
               <a:buNone/>
-              <a:defRPr b="0" i="0" sz="1800" u="none" cap="none" strike="noStrike">
+              <a:defRPr sz="1800" b="0" i="0" u="none" strike="noStrike" cap="none">
                 <a:solidFill>
                   <a:schemeClr val="dk1"/>
                 </a:solidFill>
@@ -593,7 +615,7 @@
                 <a:sym typeface="Malgun Gothic"/>
               </a:defRPr>
             </a:lvl4pPr>
-            <a:lvl5pPr lvl="4" marR="0" rtl="0" algn="l">
+            <a:lvl5pPr marR="0" lvl="4" algn="l" rtl="0">
               <a:spcBef>
                 <a:spcPts val="0"/>
               </a:spcBef>
@@ -602,7 +624,7 @@
               </a:spcAft>
               <a:buSzPts val="1400"/>
               <a:buNone/>
-              <a:defRPr b="0" i="0" sz="1800" u="none" cap="none" strike="noStrike">
+              <a:defRPr sz="1800" b="0" i="0" u="none" strike="noStrike" cap="none">
                 <a:solidFill>
                   <a:schemeClr val="dk1"/>
                 </a:solidFill>
@@ -612,7 +634,7 @@
                 <a:sym typeface="Malgun Gothic"/>
               </a:defRPr>
             </a:lvl5pPr>
-            <a:lvl6pPr lvl="5" marR="0" rtl="0" algn="l">
+            <a:lvl6pPr marR="0" lvl="5" algn="l" rtl="0">
               <a:spcBef>
                 <a:spcPts val="0"/>
               </a:spcBef>
@@ -621,7 +643,7 @@
               </a:spcAft>
               <a:buSzPts val="1400"/>
               <a:buNone/>
-              <a:defRPr b="0" i="0" sz="1800" u="none" cap="none" strike="noStrike">
+              <a:defRPr sz="1800" b="0" i="0" u="none" strike="noStrike" cap="none">
                 <a:solidFill>
                   <a:schemeClr val="dk1"/>
                 </a:solidFill>
@@ -631,7 +653,7 @@
                 <a:sym typeface="Malgun Gothic"/>
               </a:defRPr>
             </a:lvl6pPr>
-            <a:lvl7pPr lvl="6" marR="0" rtl="0" algn="l">
+            <a:lvl7pPr marR="0" lvl="6" algn="l" rtl="0">
               <a:spcBef>
                 <a:spcPts val="0"/>
               </a:spcBef>
@@ -640,7 +662,7 @@
               </a:spcAft>
               <a:buSzPts val="1400"/>
               <a:buNone/>
-              <a:defRPr b="0" i="0" sz="1800" u="none" cap="none" strike="noStrike">
+              <a:defRPr sz="1800" b="0" i="0" u="none" strike="noStrike" cap="none">
                 <a:solidFill>
                   <a:schemeClr val="dk1"/>
                 </a:solidFill>
@@ -650,7 +672,7 @@
                 <a:sym typeface="Malgun Gothic"/>
               </a:defRPr>
             </a:lvl7pPr>
-            <a:lvl8pPr lvl="7" marR="0" rtl="0" algn="l">
+            <a:lvl8pPr marR="0" lvl="7" algn="l" rtl="0">
               <a:spcBef>
                 <a:spcPts val="0"/>
               </a:spcBef>
@@ -659,7 +681,7 @@
               </a:spcAft>
               <a:buSzPts val="1400"/>
               <a:buNone/>
-              <a:defRPr b="0" i="0" sz="1800" u="none" cap="none" strike="noStrike">
+              <a:defRPr sz="1800" b="0" i="0" u="none" strike="noStrike" cap="none">
                 <a:solidFill>
                   <a:schemeClr val="dk1"/>
                 </a:solidFill>
@@ -669,7 +691,7 @@
                 <a:sym typeface="Malgun Gothic"/>
               </a:defRPr>
             </a:lvl8pPr>
-            <a:lvl9pPr lvl="8" marR="0" rtl="0" algn="l">
+            <a:lvl9pPr marR="0" lvl="8" algn="l" rtl="0">
               <a:spcBef>
                 <a:spcPts val="0"/>
               </a:spcBef>
@@ -678,7 +700,7 @@
               </a:spcAft>
               <a:buSzPts val="1400"/>
               <a:buNone/>
-              <a:defRPr b="0" i="0" sz="1800" u="none" cap="none" strike="noStrike">
+              <a:defRPr sz="1800" b="0" i="0" u="none" strike="noStrike" cap="none">
                 <a:solidFill>
                   <a:schemeClr val="dk1"/>
                 </a:solidFill>
@@ -689,15 +711,19 @@
               </a:defRPr>
             </a:lvl9pPr>
           </a:lstStyle>
-          <a:p/>
+          <a:p>
+            <a:endParaRPr/>
+          </a:p>
         </p:txBody>
       </p:sp>
       <p:sp>
         <p:nvSpPr>
           <p:cNvPr id="5" name="Google Shape;5;n"/>
-          <p:cNvSpPr/>
+          <p:cNvSpPr>
+            <a:spLocks noGrp="1" noRot="1" noChangeAspect="1"/>
+          </p:cNvSpPr>
           <p:nvPr>
-            <p:ph idx="3" type="sldImg"/>
+            <p:ph type="sldImg" idx="3"/>
           </p:nvPr>
         </p:nvSpPr>
         <p:spPr>
@@ -706,9 +732,13 @@
             <a:ext cx="4457700" cy="3086100"/>
           </a:xfrm>
           <a:custGeom>
-            <a:rect b="b" l="l" r="r" t="t"/>
+            <a:avLst/>
+            <a:gdLst/>
+            <a:ahLst/>
+            <a:cxnLst/>
+            <a:rect l="l" t="t" r="r" b="b"/>
             <a:pathLst>
-              <a:path extrusionOk="0" h="120000" w="120000">
+              <a:path w="120000" h="120000" extrusionOk="0">
                 <a:moveTo>
                   <a:pt x="0" y="0"/>
                 </a:moveTo>
@@ -726,23 +756,25 @@
             </a:pathLst>
           </a:custGeom>
           <a:noFill/>
-          <a:ln cap="flat" cmpd="sng" w="12700">
+          <a:ln w="12700" cap="flat" cmpd="sng">
             <a:solidFill>
               <a:srgbClr val="000000"/>
             </a:solidFill>
             <a:prstDash val="solid"/>
             <a:round/>
-            <a:headEnd len="sm" w="sm" type="none"/>
-            <a:tailEnd len="sm" w="sm" type="none"/>
+            <a:headEnd type="none" w="sm" len="sm"/>
+            <a:tailEnd type="none" w="sm" len="sm"/>
           </a:ln>
         </p:spPr>
       </p:sp>
       <p:sp>
         <p:nvSpPr>
           <p:cNvPr id="6" name="Google Shape;6;n"/>
-          <p:cNvSpPr txBox="1"/>
+          <p:cNvSpPr txBox="1">
+            <a:spLocks noGrp="1"/>
+          </p:cNvSpPr>
           <p:nvPr>
-            <p:ph idx="1" type="body"/>
+            <p:ph type="body" idx="1"/>
           </p:nvPr>
         </p:nvSpPr>
         <p:spPr>
@@ -759,11 +791,11 @@
           </a:ln>
         </p:spPr>
         <p:txBody>
-          <a:bodyPr anchorCtr="0" anchor="t" bIns="45700" lIns="91425" spcFirstLastPara="1" rIns="91425" wrap="square" tIns="45700">
+          <a:bodyPr spcFirstLastPara="1" wrap="square" lIns="91425" tIns="45700" rIns="91425" bIns="45700" anchor="t" anchorCtr="0">
             <a:noAutofit/>
           </a:bodyPr>
           <a:lstStyle>
-            <a:lvl1pPr indent="-228600" lvl="0" marL="457200" marR="0" rtl="0" algn="l">
+            <a:lvl1pPr marL="457200" marR="0" lvl="0" indent="-228600" algn="l" rtl="0">
               <a:spcBef>
                 <a:spcPts val="0"/>
               </a:spcBef>
@@ -772,7 +804,7 @@
               </a:spcAft>
               <a:buSzPts val="1400"/>
               <a:buNone/>
-              <a:defRPr b="0" i="0" sz="1200" u="none" cap="none" strike="noStrike">
+              <a:defRPr sz="1200" b="0" i="0" u="none" strike="noStrike" cap="none">
                 <a:solidFill>
                   <a:schemeClr val="dk1"/>
                 </a:solidFill>
@@ -782,7 +814,7 @@
                 <a:sym typeface="Malgun Gothic"/>
               </a:defRPr>
             </a:lvl1pPr>
-            <a:lvl2pPr indent="-228600" lvl="1" marL="914400" marR="0" rtl="0" algn="l">
+            <a:lvl2pPr marL="914400" marR="0" lvl="1" indent="-228600" algn="l" rtl="0">
               <a:spcBef>
                 <a:spcPts val="0"/>
               </a:spcBef>
@@ -791,7 +823,7 @@
               </a:spcAft>
               <a:buSzPts val="1400"/>
               <a:buNone/>
-              <a:defRPr b="0" i="0" sz="1200" u="none" cap="none" strike="noStrike">
+              <a:defRPr sz="1200" b="0" i="0" u="none" strike="noStrike" cap="none">
                 <a:solidFill>
                   <a:schemeClr val="dk1"/>
                 </a:solidFill>
@@ -801,7 +833,7 @@
                 <a:sym typeface="Malgun Gothic"/>
               </a:defRPr>
             </a:lvl2pPr>
-            <a:lvl3pPr indent="-228600" lvl="2" marL="1371600" marR="0" rtl="0" algn="l">
+            <a:lvl3pPr marL="1371600" marR="0" lvl="2" indent="-228600" algn="l" rtl="0">
               <a:spcBef>
                 <a:spcPts val="0"/>
               </a:spcBef>
@@ -810,7 +842,7 @@
               </a:spcAft>
               <a:buSzPts val="1400"/>
               <a:buNone/>
-              <a:defRPr b="0" i="0" sz="1200" u="none" cap="none" strike="noStrike">
+              <a:defRPr sz="1200" b="0" i="0" u="none" strike="noStrike" cap="none">
                 <a:solidFill>
                   <a:schemeClr val="dk1"/>
                 </a:solidFill>
@@ -820,7 +852,7 @@
                 <a:sym typeface="Malgun Gothic"/>
               </a:defRPr>
             </a:lvl3pPr>
-            <a:lvl4pPr indent="-228600" lvl="3" marL="1828800" marR="0" rtl="0" algn="l">
+            <a:lvl4pPr marL="1828800" marR="0" lvl="3" indent="-228600" algn="l" rtl="0">
               <a:spcBef>
                 <a:spcPts val="0"/>
               </a:spcBef>
@@ -829,7 +861,7 @@
               </a:spcAft>
               <a:buSzPts val="1400"/>
               <a:buNone/>
-              <a:defRPr b="0" i="0" sz="1200" u="none" cap="none" strike="noStrike">
+              <a:defRPr sz="1200" b="0" i="0" u="none" strike="noStrike" cap="none">
                 <a:solidFill>
                   <a:schemeClr val="dk1"/>
                 </a:solidFill>
@@ -839,7 +871,7 @@
                 <a:sym typeface="Malgun Gothic"/>
               </a:defRPr>
             </a:lvl4pPr>
-            <a:lvl5pPr indent="-228600" lvl="4" marL="2286000" marR="0" rtl="0" algn="l">
+            <a:lvl5pPr marL="2286000" marR="0" lvl="4" indent="-228600" algn="l" rtl="0">
               <a:spcBef>
                 <a:spcPts val="0"/>
               </a:spcBef>
@@ -848,7 +880,7 @@
               </a:spcAft>
               <a:buSzPts val="1400"/>
               <a:buNone/>
-              <a:defRPr b="0" i="0" sz="1200" u="none" cap="none" strike="noStrike">
+              <a:defRPr sz="1200" b="0" i="0" u="none" strike="noStrike" cap="none">
                 <a:solidFill>
                   <a:schemeClr val="dk1"/>
                 </a:solidFill>
@@ -858,7 +890,7 @@
                 <a:sym typeface="Malgun Gothic"/>
               </a:defRPr>
             </a:lvl5pPr>
-            <a:lvl6pPr indent="-228600" lvl="5" marL="2743200" marR="0" rtl="0" algn="l">
+            <a:lvl6pPr marL="2743200" marR="0" lvl="5" indent="-228600" algn="l" rtl="0">
               <a:spcBef>
                 <a:spcPts val="0"/>
               </a:spcBef>
@@ -867,7 +899,7 @@
               </a:spcAft>
               <a:buSzPts val="1400"/>
               <a:buNone/>
-              <a:defRPr b="0" i="0" sz="1200" u="none" cap="none" strike="noStrike">
+              <a:defRPr sz="1200" b="0" i="0" u="none" strike="noStrike" cap="none">
                 <a:solidFill>
                   <a:schemeClr val="dk1"/>
                 </a:solidFill>
@@ -877,7 +909,7 @@
                 <a:sym typeface="Malgun Gothic"/>
               </a:defRPr>
             </a:lvl6pPr>
-            <a:lvl7pPr indent="-228600" lvl="6" marL="3200400" marR="0" rtl="0" algn="l">
+            <a:lvl7pPr marL="3200400" marR="0" lvl="6" indent="-228600" algn="l" rtl="0">
               <a:spcBef>
                 <a:spcPts val="0"/>
               </a:spcBef>
@@ -886,7 +918,7 @@
               </a:spcAft>
               <a:buSzPts val="1400"/>
               <a:buNone/>
-              <a:defRPr b="0" i="0" sz="1200" u="none" cap="none" strike="noStrike">
+              <a:defRPr sz="1200" b="0" i="0" u="none" strike="noStrike" cap="none">
                 <a:solidFill>
                   <a:schemeClr val="dk1"/>
                 </a:solidFill>
@@ -896,7 +928,7 @@
                 <a:sym typeface="Malgun Gothic"/>
               </a:defRPr>
             </a:lvl7pPr>
-            <a:lvl8pPr indent="-228600" lvl="7" marL="3657600" marR="0" rtl="0" algn="l">
+            <a:lvl8pPr marL="3657600" marR="0" lvl="7" indent="-228600" algn="l" rtl="0">
               <a:spcBef>
                 <a:spcPts val="0"/>
               </a:spcBef>
@@ -905,7 +937,7 @@
               </a:spcAft>
               <a:buSzPts val="1400"/>
               <a:buNone/>
-              <a:defRPr b="0" i="0" sz="1200" u="none" cap="none" strike="noStrike">
+              <a:defRPr sz="1200" b="0" i="0" u="none" strike="noStrike" cap="none">
                 <a:solidFill>
                   <a:schemeClr val="dk1"/>
                 </a:solidFill>
@@ -915,7 +947,7 @@
                 <a:sym typeface="Malgun Gothic"/>
               </a:defRPr>
             </a:lvl8pPr>
-            <a:lvl9pPr indent="-228600" lvl="8" marL="4114800" marR="0" rtl="0" algn="l">
+            <a:lvl9pPr marL="4114800" marR="0" lvl="8" indent="-228600" algn="l" rtl="0">
               <a:spcBef>
                 <a:spcPts val="0"/>
               </a:spcBef>
@@ -924,7 +956,7 @@
               </a:spcAft>
               <a:buSzPts val="1400"/>
               <a:buNone/>
-              <a:defRPr b="0" i="0" sz="1200" u="none" cap="none" strike="noStrike">
+              <a:defRPr sz="1200" b="0" i="0" u="none" strike="noStrike" cap="none">
                 <a:solidFill>
                   <a:schemeClr val="dk1"/>
                 </a:solidFill>
@@ -935,15 +967,19 @@
               </a:defRPr>
             </a:lvl9pPr>
           </a:lstStyle>
-          <a:p/>
+          <a:p>
+            <a:endParaRPr/>
+          </a:p>
         </p:txBody>
       </p:sp>
       <p:sp>
         <p:nvSpPr>
           <p:cNvPr id="7" name="Google Shape;7;n"/>
-          <p:cNvSpPr txBox="1"/>
+          <p:cNvSpPr txBox="1">
+            <a:spLocks noGrp="1"/>
+          </p:cNvSpPr>
           <p:nvPr>
-            <p:ph idx="11" type="ftr"/>
+            <p:ph type="ftr" idx="11"/>
           </p:nvPr>
         </p:nvSpPr>
         <p:spPr>
@@ -960,11 +996,11 @@
           </a:ln>
         </p:spPr>
         <p:txBody>
-          <a:bodyPr anchorCtr="0" anchor="b" bIns="45700" lIns="91425" spcFirstLastPara="1" rIns="91425" wrap="square" tIns="45700">
+          <a:bodyPr spcFirstLastPara="1" wrap="square" lIns="91425" tIns="45700" rIns="91425" bIns="45700" anchor="b" anchorCtr="0">
             <a:noAutofit/>
           </a:bodyPr>
           <a:lstStyle>
-            <a:lvl1pPr lvl="0" marR="0" rtl="0" algn="l">
+            <a:lvl1pPr marR="0" lvl="0" algn="l" rtl="0">
               <a:spcBef>
                 <a:spcPts val="0"/>
               </a:spcBef>
@@ -973,7 +1009,7 @@
               </a:spcAft>
               <a:buSzPts val="1400"/>
               <a:buNone/>
-              <a:defRPr b="0" i="0" sz="1200" u="none" cap="none" strike="noStrike">
+              <a:defRPr sz="1200" b="0" i="0" u="none" strike="noStrike" cap="none">
                 <a:solidFill>
                   <a:schemeClr val="dk1"/>
                 </a:solidFill>
@@ -983,7 +1019,7 @@
                 <a:sym typeface="Malgun Gothic"/>
               </a:defRPr>
             </a:lvl1pPr>
-            <a:lvl2pPr lvl="1" marR="0" rtl="0" algn="l">
+            <a:lvl2pPr marR="0" lvl="1" algn="l" rtl="0">
               <a:spcBef>
                 <a:spcPts val="0"/>
               </a:spcBef>
@@ -992,7 +1028,7 @@
               </a:spcAft>
               <a:buSzPts val="1400"/>
               <a:buNone/>
-              <a:defRPr b="0" i="0" sz="1800" u="none" cap="none" strike="noStrike">
+              <a:defRPr sz="1800" b="0" i="0" u="none" strike="noStrike" cap="none">
                 <a:solidFill>
                   <a:schemeClr val="dk1"/>
                 </a:solidFill>
@@ -1002,7 +1038,7 @@
                 <a:sym typeface="Malgun Gothic"/>
               </a:defRPr>
             </a:lvl2pPr>
-            <a:lvl3pPr lvl="2" marR="0" rtl="0" algn="l">
+            <a:lvl3pPr marR="0" lvl="2" algn="l" rtl="0">
               <a:spcBef>
                 <a:spcPts val="0"/>
               </a:spcBef>
@@ -1011,7 +1047,7 @@
               </a:spcAft>
               <a:buSzPts val="1400"/>
               <a:buNone/>
-              <a:defRPr b="0" i="0" sz="1800" u="none" cap="none" strike="noStrike">
+              <a:defRPr sz="1800" b="0" i="0" u="none" strike="noStrike" cap="none">
                 <a:solidFill>
                   <a:schemeClr val="dk1"/>
                 </a:solidFill>
@@ -1021,7 +1057,7 @@
                 <a:sym typeface="Malgun Gothic"/>
               </a:defRPr>
             </a:lvl3pPr>
-            <a:lvl4pPr lvl="3" marR="0" rtl="0" algn="l">
+            <a:lvl4pPr marR="0" lvl="3" algn="l" rtl="0">
               <a:spcBef>
                 <a:spcPts val="0"/>
               </a:spcBef>
@@ -1030,7 +1066,7 @@
               </a:spcAft>
               <a:buSzPts val="1400"/>
               <a:buNone/>
-              <a:defRPr b="0" i="0" sz="1800" u="none" cap="none" strike="noStrike">
+              <a:defRPr sz="1800" b="0" i="0" u="none" strike="noStrike" cap="none">
                 <a:solidFill>
                   <a:schemeClr val="dk1"/>
                 </a:solidFill>
@@ -1040,7 +1076,7 @@
                 <a:sym typeface="Malgun Gothic"/>
               </a:defRPr>
             </a:lvl4pPr>
-            <a:lvl5pPr lvl="4" marR="0" rtl="0" algn="l">
+            <a:lvl5pPr marR="0" lvl="4" algn="l" rtl="0">
               <a:spcBef>
                 <a:spcPts val="0"/>
               </a:spcBef>
@@ -1049,7 +1085,7 @@
               </a:spcAft>
               <a:buSzPts val="1400"/>
               <a:buNone/>
-              <a:defRPr b="0" i="0" sz="1800" u="none" cap="none" strike="noStrike">
+              <a:defRPr sz="1800" b="0" i="0" u="none" strike="noStrike" cap="none">
                 <a:solidFill>
                   <a:schemeClr val="dk1"/>
                 </a:solidFill>
@@ -1059,7 +1095,7 @@
                 <a:sym typeface="Malgun Gothic"/>
               </a:defRPr>
             </a:lvl5pPr>
-            <a:lvl6pPr lvl="5" marR="0" rtl="0" algn="l">
+            <a:lvl6pPr marR="0" lvl="5" algn="l" rtl="0">
               <a:spcBef>
                 <a:spcPts val="0"/>
               </a:spcBef>
@@ -1068,7 +1104,7 @@
               </a:spcAft>
               <a:buSzPts val="1400"/>
               <a:buNone/>
-              <a:defRPr b="0" i="0" sz="1800" u="none" cap="none" strike="noStrike">
+              <a:defRPr sz="1800" b="0" i="0" u="none" strike="noStrike" cap="none">
                 <a:solidFill>
                   <a:schemeClr val="dk1"/>
                 </a:solidFill>
@@ -1078,7 +1114,7 @@
                 <a:sym typeface="Malgun Gothic"/>
               </a:defRPr>
             </a:lvl6pPr>
-            <a:lvl7pPr lvl="6" marR="0" rtl="0" algn="l">
+            <a:lvl7pPr marR="0" lvl="6" algn="l" rtl="0">
               <a:spcBef>
                 <a:spcPts val="0"/>
               </a:spcBef>
@@ -1087,7 +1123,7 @@
               </a:spcAft>
               <a:buSzPts val="1400"/>
               <a:buNone/>
-              <a:defRPr b="0" i="0" sz="1800" u="none" cap="none" strike="noStrike">
+              <a:defRPr sz="1800" b="0" i="0" u="none" strike="noStrike" cap="none">
                 <a:solidFill>
                   <a:schemeClr val="dk1"/>
                 </a:solidFill>
@@ -1097,7 +1133,7 @@
                 <a:sym typeface="Malgun Gothic"/>
               </a:defRPr>
             </a:lvl7pPr>
-            <a:lvl8pPr lvl="7" marR="0" rtl="0" algn="l">
+            <a:lvl8pPr marR="0" lvl="7" algn="l" rtl="0">
               <a:spcBef>
                 <a:spcPts val="0"/>
               </a:spcBef>
@@ -1106,7 +1142,7 @@
               </a:spcAft>
               <a:buSzPts val="1400"/>
               <a:buNone/>
-              <a:defRPr b="0" i="0" sz="1800" u="none" cap="none" strike="noStrike">
+              <a:defRPr sz="1800" b="0" i="0" u="none" strike="noStrike" cap="none">
                 <a:solidFill>
                   <a:schemeClr val="dk1"/>
                 </a:solidFill>
@@ -1116,7 +1152,7 @@
                 <a:sym typeface="Malgun Gothic"/>
               </a:defRPr>
             </a:lvl8pPr>
-            <a:lvl9pPr lvl="8" marR="0" rtl="0" algn="l">
+            <a:lvl9pPr marR="0" lvl="8" algn="l" rtl="0">
               <a:spcBef>
                 <a:spcPts val="0"/>
               </a:spcBef>
@@ -1125,7 +1161,7 @@
               </a:spcAft>
               <a:buSzPts val="1400"/>
               <a:buNone/>
-              <a:defRPr b="0" i="0" sz="1800" u="none" cap="none" strike="noStrike">
+              <a:defRPr sz="1800" b="0" i="0" u="none" strike="noStrike" cap="none">
                 <a:solidFill>
                   <a:schemeClr val="dk1"/>
                 </a:solidFill>
@@ -1136,15 +1172,19 @@
               </a:defRPr>
             </a:lvl9pPr>
           </a:lstStyle>
-          <a:p/>
+          <a:p>
+            <a:endParaRPr/>
+          </a:p>
         </p:txBody>
       </p:sp>
       <p:sp>
         <p:nvSpPr>
           <p:cNvPr id="8" name="Google Shape;8;n"/>
-          <p:cNvSpPr txBox="1"/>
+          <p:cNvSpPr txBox="1">
+            <a:spLocks noGrp="1"/>
+          </p:cNvSpPr>
           <p:nvPr>
-            <p:ph idx="12" type="sldNum"/>
+            <p:ph type="sldNum" idx="12"/>
           </p:nvPr>
         </p:nvSpPr>
         <p:spPr>
@@ -1161,12 +1201,12 @@
           </a:ln>
         </p:spPr>
         <p:txBody>
-          <a:bodyPr anchorCtr="0" anchor="b" bIns="45700" lIns="91425" spcFirstLastPara="1" rIns="91425" wrap="square" tIns="45700">
+          <a:bodyPr spcFirstLastPara="1" wrap="square" lIns="91425" tIns="45700" rIns="91425" bIns="45700" anchor="b" anchorCtr="0">
             <a:noAutofit/>
           </a:bodyPr>
           <a:lstStyle/>
           <a:p>
-            <a:pPr indent="0" lvl="0" marL="0" marR="0" rtl="0" algn="r">
+            <a:pPr marL="0" marR="0" lvl="0" indent="0" algn="r" rtl="0">
               <a:spcBef>
                 <a:spcPts val="0"/>
               </a:spcBef>
@@ -1176,7 +1216,7 @@
               <a:buNone/>
             </a:pPr>
             <a:fld id="{00000000-1234-1234-1234-123412341234}" type="slidenum">
-              <a:rPr b="0" i="0" lang="en-US" sz="1200" u="none" cap="none" strike="noStrike">
+              <a:rPr lang="en-US" sz="1200" b="0" i="0" u="none" strike="noStrike" cap="none">
                 <a:solidFill>
                   <a:schemeClr val="dk1"/>
                 </a:solidFill>
@@ -1187,7 +1227,7 @@
               </a:rPr>
               <a:t>‹#›</a:t>
             </a:fld>
-            <a:endParaRPr b="0" i="0" sz="1200" u="none" cap="none" strike="noStrike">
+            <a:endParaRPr sz="1200" b="0" i="0" u="none" strike="noStrike" cap="none">
               <a:solidFill>
                 <a:schemeClr val="dk1"/>
               </a:solidFill>
@@ -1201,9 +1241,9 @@
       </p:sp>
     </p:spTree>
   </p:cSld>
-  <p:clrMap accent1="accent1" accent2="accent2" accent3="accent3" accent4="accent4" accent5="accent5" accent6="accent6" bg1="lt1" bg2="dk2" tx1="dk1" tx2="lt2" folHlink="folHlink" hlink="hlink"/>
+  <p:clrMap bg1="lt1" tx1="dk1" bg2="dk2" tx2="lt2" accent1="accent1" accent2="accent2" accent3="accent3" accent4="accent4" accent5="accent5" accent6="accent6" hlink="hlink" folHlink="folHlink"/>
   <p:notesStyle>
-    <a:defPPr lvl="0" marR="0" rtl="0" algn="l">
+    <a:defPPr marR="0" lvl="0" algn="l" rtl="0">
       <a:lnSpc>
         <a:spcPct val="100000"/>
       </a:lnSpc>
@@ -1214,7 +1254,7 @@
         <a:spcPts val="0"/>
       </a:spcAft>
     </a:defPPr>
-    <a:lvl1pPr lvl="0" marR="0" rtl="0" algn="l">
+    <a:lvl1pPr marR="0" lvl="0" algn="l" rtl="0">
       <a:lnSpc>
         <a:spcPct val="100000"/>
       </a:lnSpc>
@@ -1228,7 +1268,7 @@
         <a:srgbClr val="000000"/>
       </a:buClr>
       <a:buFont typeface="Arial"/>
-      <a:defRPr b="0" i="0" sz="1400" u="none" cap="none" strike="noStrike">
+      <a:defRPr sz="1400" b="0" i="0" u="none" strike="noStrike" cap="none">
         <a:solidFill>
           <a:srgbClr val="000000"/>
         </a:solidFill>
@@ -1238,7 +1278,7 @@
         <a:sym typeface="Arial"/>
       </a:defRPr>
     </a:lvl1pPr>
-    <a:lvl2pPr lvl="1" marR="0" rtl="0" algn="l">
+    <a:lvl2pPr marR="0" lvl="1" algn="l" rtl="0">
       <a:lnSpc>
         <a:spcPct val="100000"/>
       </a:lnSpc>
@@ -1252,7 +1292,7 @@
         <a:srgbClr val="000000"/>
       </a:buClr>
       <a:buFont typeface="Arial"/>
-      <a:defRPr b="0" i="0" sz="1400" u="none" cap="none" strike="noStrike">
+      <a:defRPr sz="1400" b="0" i="0" u="none" strike="noStrike" cap="none">
         <a:solidFill>
           <a:srgbClr val="000000"/>
         </a:solidFill>
@@ -1262,7 +1302,7 @@
         <a:sym typeface="Arial"/>
       </a:defRPr>
     </a:lvl2pPr>
-    <a:lvl3pPr lvl="2" marR="0" rtl="0" algn="l">
+    <a:lvl3pPr marR="0" lvl="2" algn="l" rtl="0">
       <a:lnSpc>
         <a:spcPct val="100000"/>
       </a:lnSpc>
@@ -1276,7 +1316,7 @@
         <a:srgbClr val="000000"/>
       </a:buClr>
       <a:buFont typeface="Arial"/>
-      <a:defRPr b="0" i="0" sz="1400" u="none" cap="none" strike="noStrike">
+      <a:defRPr sz="1400" b="0" i="0" u="none" strike="noStrike" cap="none">
         <a:solidFill>
           <a:srgbClr val="000000"/>
         </a:solidFill>
@@ -1286,7 +1326,7 @@
         <a:sym typeface="Arial"/>
       </a:defRPr>
     </a:lvl3pPr>
-    <a:lvl4pPr lvl="3" marR="0" rtl="0" algn="l">
+    <a:lvl4pPr marR="0" lvl="3" algn="l" rtl="0">
       <a:lnSpc>
         <a:spcPct val="100000"/>
       </a:lnSpc>
@@ -1300,7 +1340,7 @@
         <a:srgbClr val="000000"/>
       </a:buClr>
       <a:buFont typeface="Arial"/>
-      <a:defRPr b="0" i="0" sz="1400" u="none" cap="none" strike="noStrike">
+      <a:defRPr sz="1400" b="0" i="0" u="none" strike="noStrike" cap="none">
         <a:solidFill>
           <a:srgbClr val="000000"/>
         </a:solidFill>
@@ -1310,7 +1350,7 @@
         <a:sym typeface="Arial"/>
       </a:defRPr>
     </a:lvl4pPr>
-    <a:lvl5pPr lvl="4" marR="0" rtl="0" algn="l">
+    <a:lvl5pPr marR="0" lvl="4" algn="l" rtl="0">
       <a:lnSpc>
         <a:spcPct val="100000"/>
       </a:lnSpc>
@@ -1324,7 +1364,7 @@
         <a:srgbClr val="000000"/>
       </a:buClr>
       <a:buFont typeface="Arial"/>
-      <a:defRPr b="0" i="0" sz="1400" u="none" cap="none" strike="noStrike">
+      <a:defRPr sz="1400" b="0" i="0" u="none" strike="noStrike" cap="none">
         <a:solidFill>
           <a:srgbClr val="000000"/>
         </a:solidFill>
@@ -1334,7 +1374,7 @@
         <a:sym typeface="Arial"/>
       </a:defRPr>
     </a:lvl5pPr>
-    <a:lvl6pPr lvl="5" marR="0" rtl="0" algn="l">
+    <a:lvl6pPr marR="0" lvl="5" algn="l" rtl="0">
       <a:lnSpc>
         <a:spcPct val="100000"/>
       </a:lnSpc>
@@ -1348,7 +1388,7 @@
         <a:srgbClr val="000000"/>
       </a:buClr>
       <a:buFont typeface="Arial"/>
-      <a:defRPr b="0" i="0" sz="1400" u="none" cap="none" strike="noStrike">
+      <a:defRPr sz="1400" b="0" i="0" u="none" strike="noStrike" cap="none">
         <a:solidFill>
           <a:srgbClr val="000000"/>
         </a:solidFill>
@@ -1358,7 +1398,7 @@
         <a:sym typeface="Arial"/>
       </a:defRPr>
     </a:lvl6pPr>
-    <a:lvl7pPr lvl="6" marR="0" rtl="0" algn="l">
+    <a:lvl7pPr marR="0" lvl="6" algn="l" rtl="0">
       <a:lnSpc>
         <a:spcPct val="100000"/>
       </a:lnSpc>
@@ -1372,7 +1412,7 @@
         <a:srgbClr val="000000"/>
       </a:buClr>
       <a:buFont typeface="Arial"/>
-      <a:defRPr b="0" i="0" sz="1400" u="none" cap="none" strike="noStrike">
+      <a:defRPr sz="1400" b="0" i="0" u="none" strike="noStrike" cap="none">
         <a:solidFill>
           <a:srgbClr val="000000"/>
         </a:solidFill>
@@ -1382,7 +1422,7 @@
         <a:sym typeface="Arial"/>
       </a:defRPr>
     </a:lvl7pPr>
-    <a:lvl8pPr lvl="7" marR="0" rtl="0" algn="l">
+    <a:lvl8pPr marR="0" lvl="7" algn="l" rtl="0">
       <a:lnSpc>
         <a:spcPct val="100000"/>
       </a:lnSpc>
@@ -1396,7 +1436,7 @@
         <a:srgbClr val="000000"/>
       </a:buClr>
       <a:buFont typeface="Arial"/>
-      <a:defRPr b="0" i="0" sz="1400" u="none" cap="none" strike="noStrike">
+      <a:defRPr sz="1400" b="0" i="0" u="none" strike="noStrike" cap="none">
         <a:solidFill>
           <a:srgbClr val="000000"/>
         </a:solidFill>
@@ -1406,7 +1446,7 @@
         <a:sym typeface="Arial"/>
       </a:defRPr>
     </a:lvl8pPr>
-    <a:lvl9pPr lvl="8" marR="0" rtl="0" algn="l">
+    <a:lvl9pPr marR="0" lvl="8" algn="l" rtl="0">
       <a:lnSpc>
         <a:spcPct val="100000"/>
       </a:lnSpc>
@@ -1420,7 +1460,7 @@
         <a:srgbClr val="000000"/>
       </a:buClr>
       <a:buFont typeface="Arial"/>
-      <a:defRPr b="0" i="0" sz="1400" u="none" cap="none" strike="noStrike">
+      <a:defRPr sz="1400" b="0" i="0" u="none" strike="noStrike" cap="none">
         <a:solidFill>
           <a:srgbClr val="000000"/>
         </a:solidFill>
@@ -1435,11 +1475,11 @@
 </file>
 
 <file path=ppt/notesSlides/notesSlide1.xml><?xml version="1.0" encoding="utf-8"?>
-<p:notes xmlns:a="http://schemas.openxmlformats.org/drawingml/2006/main" xmlns:r="http://schemas.openxmlformats.org/officeDocument/2006/relationships" xmlns:mc="http://schemas.openxmlformats.org/markup-compatibility/2006" xmlns:mv="urn:schemas-microsoft-com:mac:vml" xmlns:p="http://schemas.openxmlformats.org/presentationml/2006/main" xmlns:c="http://schemas.openxmlformats.org/drawingml/2006/chart" xmlns:dgm="http://schemas.openxmlformats.org/drawingml/2006/diagram" xmlns:o="urn:schemas-microsoft-com:office:office" xmlns:v="urn:schemas-microsoft-com:vml" xmlns:pvml="urn:schemas-microsoft-com:office:powerpoint" xmlns:com="http://schemas.openxmlformats.org/drawingml/2006/compatibility" xmlns:p14="http://schemas.microsoft.com/office/powerpoint/2010/main" xmlns:p15="http://schemas.microsoft.com/office/powerpoint/2012/main" xmlns:ahyp="http://schemas.microsoft.com/office/drawing/2018/hyperlinkcolor" showMasterPhAnim="0" showMasterSp="0">
+<p:notes xmlns:a="http://schemas.openxmlformats.org/drawingml/2006/main" xmlns:r="http://schemas.openxmlformats.org/officeDocument/2006/relationships" xmlns:p="http://schemas.openxmlformats.org/presentationml/2006/main" showMasterSp="0" showMasterPhAnim="0">
   <p:cSld>
     <p:spTree>
       <p:nvGrpSpPr>
-        <p:cNvPr id="78" name="Shape 78"/>
+        <p:cNvPr id="1" name="Shape 78"/>
         <p:cNvGrpSpPr/>
         <p:nvPr/>
       </p:nvGrpSpPr>
@@ -1454,9 +1494,11 @@
       <p:sp>
         <p:nvSpPr>
           <p:cNvPr id="79" name="Google Shape;79;p1:notes"/>
-          <p:cNvSpPr txBox="1"/>
+          <p:cNvSpPr txBox="1">
+            <a:spLocks noGrp="1"/>
+          </p:cNvSpPr>
           <p:nvPr>
-            <p:ph idx="1" type="body"/>
+            <p:ph type="body" idx="1"/>
           </p:nvPr>
         </p:nvSpPr>
         <p:spPr>
@@ -1469,12 +1511,12 @@
           </a:prstGeom>
         </p:spPr>
         <p:txBody>
-          <a:bodyPr anchorCtr="0" anchor="t" bIns="45700" lIns="91425" spcFirstLastPara="1" rIns="91425" wrap="square" tIns="45700">
+          <a:bodyPr spcFirstLastPara="1" wrap="square" lIns="91425" tIns="45700" rIns="91425" bIns="45700" anchor="t" anchorCtr="0">
             <a:noAutofit/>
           </a:bodyPr>
           <a:lstStyle/>
           <a:p>
-            <a:pPr indent="0" lvl="0" marL="0" rtl="0" algn="l">
+            <a:pPr marL="0" lvl="0" indent="0" algn="l" rtl="0">
               <a:spcBef>
                 <a:spcPts val="0"/>
               </a:spcBef>
@@ -1483,9 +1525,6 @@
               </a:spcAft>
               <a:buNone/>
             </a:pPr>
-            <a:r>
-              <a:t/>
-            </a:r>
             <a:endParaRPr/>
           </a:p>
         </p:txBody>
@@ -1493,9 +1532,11 @@
       <p:sp>
         <p:nvSpPr>
           <p:cNvPr id="80" name="Google Shape;80;p1:notes"/>
-          <p:cNvSpPr/>
+          <p:cNvSpPr>
+            <a:spLocks noGrp="1" noRot="1" noChangeAspect="1"/>
+          </p:cNvSpPr>
           <p:nvPr>
-            <p:ph idx="2" type="sldImg"/>
+            <p:ph type="sldImg" idx="2"/>
           </p:nvPr>
         </p:nvSpPr>
         <p:spPr>
@@ -1504,9 +1545,13 @@
             <a:ext cx="4457700" cy="3086100"/>
           </a:xfrm>
           <a:custGeom>
-            <a:rect b="b" l="l" r="r" t="t"/>
+            <a:avLst/>
+            <a:gdLst/>
+            <a:ahLst/>
+            <a:cxnLst/>
+            <a:rect l="l" t="t" r="r" b="b"/>
             <a:pathLst>
-              <a:path extrusionOk="0" h="120000" w="120000">
+              <a:path w="120000" h="120000" extrusionOk="0">
                 <a:moveTo>
                   <a:pt x="0" y="0"/>
                 </a:moveTo>
@@ -1534,11 +1579,11 @@
 </file>
 
 <file path=ppt/notesSlides/notesSlide2.xml><?xml version="1.0" encoding="utf-8"?>
-<p:notes xmlns:a="http://schemas.openxmlformats.org/drawingml/2006/main" xmlns:r="http://schemas.openxmlformats.org/officeDocument/2006/relationships" xmlns:mc="http://schemas.openxmlformats.org/markup-compatibility/2006" xmlns:mv="urn:schemas-microsoft-com:mac:vml" xmlns:p="http://schemas.openxmlformats.org/presentationml/2006/main" xmlns:c="http://schemas.openxmlformats.org/drawingml/2006/chart" xmlns:dgm="http://schemas.openxmlformats.org/drawingml/2006/diagram" xmlns:o="urn:schemas-microsoft-com:office:office" xmlns:v="urn:schemas-microsoft-com:vml" xmlns:pvml="urn:schemas-microsoft-com:office:powerpoint" xmlns:com="http://schemas.openxmlformats.org/drawingml/2006/compatibility" xmlns:p14="http://schemas.microsoft.com/office/powerpoint/2010/main" xmlns:p15="http://schemas.microsoft.com/office/powerpoint/2012/main" xmlns:ahyp="http://schemas.microsoft.com/office/drawing/2018/hyperlinkcolor" showMasterPhAnim="0" showMasterSp="0">
+<p:notes xmlns:a="http://schemas.openxmlformats.org/drawingml/2006/main" xmlns:r="http://schemas.openxmlformats.org/officeDocument/2006/relationships" xmlns:p="http://schemas.openxmlformats.org/presentationml/2006/main" showMasterSp="0" showMasterPhAnim="0">
   <p:cSld>
     <p:spTree>
       <p:nvGrpSpPr>
-        <p:cNvPr id="84" name="Shape 84"/>
+        <p:cNvPr id="1" name="Shape 84"/>
         <p:cNvGrpSpPr/>
         <p:nvPr/>
       </p:nvGrpSpPr>
@@ -1553,9 +1598,11 @@
       <p:sp>
         <p:nvSpPr>
           <p:cNvPr id="85" name="Google Shape;85;p2:notes"/>
-          <p:cNvSpPr txBox="1"/>
+          <p:cNvSpPr txBox="1">
+            <a:spLocks noGrp="1"/>
+          </p:cNvSpPr>
           <p:nvPr>
-            <p:ph idx="1" type="body"/>
+            <p:ph type="body" idx="1"/>
           </p:nvPr>
         </p:nvSpPr>
         <p:spPr>
@@ -1568,12 +1615,12 @@
           </a:prstGeom>
         </p:spPr>
         <p:txBody>
-          <a:bodyPr anchorCtr="0" anchor="t" bIns="45700" lIns="91425" spcFirstLastPara="1" rIns="91425" wrap="square" tIns="45700">
+          <a:bodyPr spcFirstLastPara="1" wrap="square" lIns="91425" tIns="45700" rIns="91425" bIns="45700" anchor="t" anchorCtr="0">
             <a:noAutofit/>
           </a:bodyPr>
           <a:lstStyle/>
           <a:p>
-            <a:pPr indent="0" lvl="0" marL="0" rtl="0" algn="l">
+            <a:pPr marL="0" lvl="0" indent="0" algn="l" rtl="0">
               <a:spcBef>
                 <a:spcPts val="0"/>
               </a:spcBef>
@@ -1582,9 +1629,6 @@
               </a:spcAft>
               <a:buNone/>
             </a:pPr>
-            <a:r>
-              <a:t/>
-            </a:r>
             <a:endParaRPr/>
           </a:p>
         </p:txBody>
@@ -1592,9 +1636,11 @@
       <p:sp>
         <p:nvSpPr>
           <p:cNvPr id="86" name="Google Shape;86;p2:notes"/>
-          <p:cNvSpPr/>
+          <p:cNvSpPr>
+            <a:spLocks noGrp="1" noRot="1" noChangeAspect="1"/>
+          </p:cNvSpPr>
           <p:nvPr>
-            <p:ph idx="2" type="sldImg"/>
+            <p:ph type="sldImg" idx="2"/>
           </p:nvPr>
         </p:nvSpPr>
         <p:spPr>
@@ -1603,9 +1649,13 @@
             <a:ext cx="4457700" cy="3086100"/>
           </a:xfrm>
           <a:custGeom>
-            <a:rect b="b" l="l" r="r" t="t"/>
+            <a:avLst/>
+            <a:gdLst/>
+            <a:ahLst/>
+            <a:cxnLst/>
+            <a:rect l="l" t="t" r="r" b="b"/>
             <a:pathLst>
-              <a:path extrusionOk="0" h="120000" w="120000">
+              <a:path w="120000" h="120000" extrusionOk="0">
                 <a:moveTo>
                   <a:pt x="0" y="0"/>
                 </a:moveTo>
@@ -1633,11 +1683,11 @@
 </file>
 
 <file path=ppt/notesSlides/notesSlide3.xml><?xml version="1.0" encoding="utf-8"?>
-<p:notes xmlns:a="http://schemas.openxmlformats.org/drawingml/2006/main" xmlns:r="http://schemas.openxmlformats.org/officeDocument/2006/relationships" xmlns:mc="http://schemas.openxmlformats.org/markup-compatibility/2006" xmlns:mv="urn:schemas-microsoft-com:mac:vml" xmlns:p="http://schemas.openxmlformats.org/presentationml/2006/main" xmlns:c="http://schemas.openxmlformats.org/drawingml/2006/chart" xmlns:dgm="http://schemas.openxmlformats.org/drawingml/2006/diagram" xmlns:o="urn:schemas-microsoft-com:office:office" xmlns:v="urn:schemas-microsoft-com:vml" xmlns:pvml="urn:schemas-microsoft-com:office:powerpoint" xmlns:com="http://schemas.openxmlformats.org/drawingml/2006/compatibility" xmlns:p14="http://schemas.microsoft.com/office/powerpoint/2010/main" xmlns:p15="http://schemas.microsoft.com/office/powerpoint/2012/main" xmlns:ahyp="http://schemas.microsoft.com/office/drawing/2018/hyperlinkcolor" showMasterPhAnim="0" showMasterSp="0">
+<p:notes xmlns:a="http://schemas.openxmlformats.org/drawingml/2006/main" xmlns:r="http://schemas.openxmlformats.org/officeDocument/2006/relationships" xmlns:p="http://schemas.openxmlformats.org/presentationml/2006/main" showMasterSp="0" showMasterPhAnim="0">
   <p:cSld>
     <p:spTree>
       <p:nvGrpSpPr>
-        <p:cNvPr id="101" name="Shape 101"/>
+        <p:cNvPr id="1" name="Shape 101"/>
         <p:cNvGrpSpPr/>
         <p:nvPr/>
       </p:nvGrpSpPr>
@@ -1652,9 +1702,11 @@
       <p:sp>
         <p:nvSpPr>
           <p:cNvPr id="102" name="Google Shape;102;p3:notes"/>
-          <p:cNvSpPr txBox="1"/>
+          <p:cNvSpPr txBox="1">
+            <a:spLocks noGrp="1"/>
+          </p:cNvSpPr>
           <p:nvPr>
-            <p:ph idx="1" type="body"/>
+            <p:ph type="body" idx="1"/>
           </p:nvPr>
         </p:nvSpPr>
         <p:spPr>
@@ -1667,12 +1719,12 @@
           </a:prstGeom>
         </p:spPr>
         <p:txBody>
-          <a:bodyPr anchorCtr="0" anchor="t" bIns="45700" lIns="91425" spcFirstLastPara="1" rIns="91425" wrap="square" tIns="45700">
+          <a:bodyPr spcFirstLastPara="1" wrap="square" lIns="91425" tIns="45700" rIns="91425" bIns="45700" anchor="t" anchorCtr="0">
             <a:noAutofit/>
           </a:bodyPr>
           <a:lstStyle/>
           <a:p>
-            <a:pPr indent="0" lvl="0" marL="0" rtl="0" algn="l">
+            <a:pPr marL="0" lvl="0" indent="0" algn="l" rtl="0">
               <a:spcBef>
                 <a:spcPts val="0"/>
               </a:spcBef>
@@ -1681,9 +1733,6 @@
               </a:spcAft>
               <a:buNone/>
             </a:pPr>
-            <a:r>
-              <a:t/>
-            </a:r>
             <a:endParaRPr/>
           </a:p>
         </p:txBody>
@@ -1691,9 +1740,11 @@
       <p:sp>
         <p:nvSpPr>
           <p:cNvPr id="103" name="Google Shape;103;p3:notes"/>
-          <p:cNvSpPr/>
+          <p:cNvSpPr>
+            <a:spLocks noGrp="1" noRot="1" noChangeAspect="1"/>
+          </p:cNvSpPr>
           <p:nvPr>
-            <p:ph idx="2" type="sldImg"/>
+            <p:ph type="sldImg" idx="2"/>
           </p:nvPr>
         </p:nvSpPr>
         <p:spPr>
@@ -1702,9 +1753,13 @@
             <a:ext cx="4457700" cy="3086100"/>
           </a:xfrm>
           <a:custGeom>
-            <a:rect b="b" l="l" r="r" t="t"/>
+            <a:avLst/>
+            <a:gdLst/>
+            <a:ahLst/>
+            <a:cxnLst/>
+            <a:rect l="l" t="t" r="r" b="b"/>
             <a:pathLst>
-              <a:path extrusionOk="0" h="120000" w="120000">
+              <a:path w="120000" h="120000" extrusionOk="0">
                 <a:moveTo>
                   <a:pt x="0" y="0"/>
                 </a:moveTo>
@@ -1732,11 +1787,11 @@
 </file>
 
 <file path=ppt/notesSlides/notesSlide4.xml><?xml version="1.0" encoding="utf-8"?>
-<p:notes xmlns:a="http://schemas.openxmlformats.org/drawingml/2006/main" xmlns:r="http://schemas.openxmlformats.org/officeDocument/2006/relationships" xmlns:mc="http://schemas.openxmlformats.org/markup-compatibility/2006" xmlns:mv="urn:schemas-microsoft-com:mac:vml" xmlns:p="http://schemas.openxmlformats.org/presentationml/2006/main" xmlns:c="http://schemas.openxmlformats.org/drawingml/2006/chart" xmlns:dgm="http://schemas.openxmlformats.org/drawingml/2006/diagram" xmlns:o="urn:schemas-microsoft-com:office:office" xmlns:v="urn:schemas-microsoft-com:vml" xmlns:pvml="urn:schemas-microsoft-com:office:powerpoint" xmlns:com="http://schemas.openxmlformats.org/drawingml/2006/compatibility" xmlns:p14="http://schemas.microsoft.com/office/powerpoint/2010/main" xmlns:p15="http://schemas.microsoft.com/office/powerpoint/2012/main" xmlns:ahyp="http://schemas.microsoft.com/office/drawing/2018/hyperlinkcolor" showMasterPhAnim="0" showMasterSp="0">
+<p:notes xmlns:a="http://schemas.openxmlformats.org/drawingml/2006/main" xmlns:r="http://schemas.openxmlformats.org/officeDocument/2006/relationships" xmlns:p="http://schemas.openxmlformats.org/presentationml/2006/main" showMasterSp="0" showMasterPhAnim="0">
   <p:cSld>
     <p:spTree>
       <p:nvGrpSpPr>
-        <p:cNvPr id="112" name="Shape 112"/>
+        <p:cNvPr id="1" name="Shape 112"/>
         <p:cNvGrpSpPr/>
         <p:nvPr/>
       </p:nvGrpSpPr>
@@ -1751,9 +1806,11 @@
       <p:sp>
         <p:nvSpPr>
           <p:cNvPr id="113" name="Google Shape;113;p4:notes"/>
-          <p:cNvSpPr txBox="1"/>
+          <p:cNvSpPr txBox="1">
+            <a:spLocks noGrp="1"/>
+          </p:cNvSpPr>
           <p:nvPr>
-            <p:ph idx="1" type="body"/>
+            <p:ph type="body" idx="1"/>
           </p:nvPr>
         </p:nvSpPr>
         <p:spPr>
@@ -1766,12 +1823,12 @@
           </a:prstGeom>
         </p:spPr>
         <p:txBody>
-          <a:bodyPr anchorCtr="0" anchor="t" bIns="45700" lIns="91425" spcFirstLastPara="1" rIns="91425" wrap="square" tIns="45700">
+          <a:bodyPr spcFirstLastPara="1" wrap="square" lIns="91425" tIns="45700" rIns="91425" bIns="45700" anchor="t" anchorCtr="0">
             <a:noAutofit/>
           </a:bodyPr>
           <a:lstStyle/>
           <a:p>
-            <a:pPr indent="0" lvl="0" marL="0" rtl="0" algn="l">
+            <a:pPr marL="0" lvl="0" indent="0" algn="l" rtl="0">
               <a:spcBef>
                 <a:spcPts val="0"/>
               </a:spcBef>
@@ -1780,9 +1837,6 @@
               </a:spcAft>
               <a:buNone/>
             </a:pPr>
-            <a:r>
-              <a:t/>
-            </a:r>
             <a:endParaRPr/>
           </a:p>
         </p:txBody>
@@ -1790,9 +1844,11 @@
       <p:sp>
         <p:nvSpPr>
           <p:cNvPr id="114" name="Google Shape;114;p4:notes"/>
-          <p:cNvSpPr/>
+          <p:cNvSpPr>
+            <a:spLocks noGrp="1" noRot="1" noChangeAspect="1"/>
+          </p:cNvSpPr>
           <p:nvPr>
-            <p:ph idx="2" type="sldImg"/>
+            <p:ph type="sldImg" idx="2"/>
           </p:nvPr>
         </p:nvSpPr>
         <p:spPr>
@@ -1801,9 +1857,13 @@
             <a:ext cx="4457700" cy="3086100"/>
           </a:xfrm>
           <a:custGeom>
-            <a:rect b="b" l="l" r="r" t="t"/>
+            <a:avLst/>
+            <a:gdLst/>
+            <a:ahLst/>
+            <a:cxnLst/>
+            <a:rect l="l" t="t" r="r" b="b"/>
             <a:pathLst>
-              <a:path extrusionOk="0" h="120000" w="120000">
+              <a:path w="120000" h="120000" extrusionOk="0">
                 <a:moveTo>
                   <a:pt x="0" y="0"/>
                 </a:moveTo>
@@ -1831,18 +1891,19 @@
 </file>
 
 <file path=ppt/slideLayouts/slideLayout1.xml><?xml version="1.0" encoding="utf-8"?>
-<p:sldLayout xmlns:a="http://schemas.openxmlformats.org/drawingml/2006/main" xmlns:r="http://schemas.openxmlformats.org/officeDocument/2006/relationships" xmlns:mc="http://schemas.openxmlformats.org/markup-compatibility/2006" xmlns:mv="urn:schemas-microsoft-com:mac:vml" xmlns:p="http://schemas.openxmlformats.org/presentationml/2006/main" xmlns:c="http://schemas.openxmlformats.org/drawingml/2006/chart" xmlns:dgm="http://schemas.openxmlformats.org/drawingml/2006/diagram" xmlns:o="urn:schemas-microsoft-com:office:office" xmlns:v="urn:schemas-microsoft-com:vml" xmlns:pvml="urn:schemas-microsoft-com:office:powerpoint" xmlns:com="http://schemas.openxmlformats.org/drawingml/2006/compatibility" xmlns:p14="http://schemas.microsoft.com/office/powerpoint/2010/main" xmlns:p15="http://schemas.microsoft.com/office/powerpoint/2012/main" xmlns:ahyp="http://schemas.microsoft.com/office/drawing/2018/hyperlinkcolor" matchingName="Front Cover">
+<p:sldLayout xmlns:a="http://schemas.openxmlformats.org/drawingml/2006/main" xmlns:r="http://schemas.openxmlformats.org/officeDocument/2006/relationships" xmlns:p="http://schemas.openxmlformats.org/presentationml/2006/main" matchingName="Front Cover">
   <p:cSld name="Front Cover">
     <p:bg>
       <p:bgPr>
         <a:solidFill>
           <a:srgbClr val="F2F2F2"/>
         </a:solidFill>
+        <a:effectLst/>
       </p:bgPr>
     </p:bg>
     <p:spTree>
       <p:nvGrpSpPr>
-        <p:cNvPr id="10" name="Shape 10"/>
+        <p:cNvPr id="1" name="Shape 10"/>
         <p:cNvGrpSpPr/>
         <p:nvPr/>
       </p:nvGrpSpPr>
@@ -1864,7 +1925,7 @@
           <a:blip r:embed="rId2">
             <a:alphaModFix/>
           </a:blip>
-          <a:srcRect b="0" l="0" r="0" t="0"/>
+          <a:srcRect/>
           <a:stretch/>
         </p:blipFill>
         <p:spPr>
@@ -1893,9 +1954,13 @@
             <a:ext cx="1282022" cy="198000"/>
           </a:xfrm>
           <a:custGeom>
-            <a:rect b="b" l="l" r="r" t="t"/>
+            <a:avLst/>
+            <a:gdLst/>
+            <a:ahLst/>
+            <a:cxnLst/>
+            <a:rect l="l" t="t" r="r" b="b"/>
             <a:pathLst>
-              <a:path extrusionOk="0" h="334" w="2179">
+              <a:path w="2179" h="334" extrusionOk="0">
                 <a:moveTo>
                   <a:pt x="83" y="91"/>
                 </a:moveTo>
@@ -2473,12 +2538,12 @@
           </a:ln>
         </p:spPr>
         <p:txBody>
-          <a:bodyPr anchorCtr="0" anchor="t" bIns="45700" lIns="91400" spcFirstLastPara="1" rIns="91400" wrap="square" tIns="45700">
+          <a:bodyPr spcFirstLastPara="1" wrap="square" lIns="91400" tIns="45700" rIns="91400" bIns="45700" anchor="t" anchorCtr="0">
             <a:noAutofit/>
           </a:bodyPr>
           <a:lstStyle/>
           <a:p>
-            <a:pPr indent="0" lvl="0" marL="0" marR="0" rtl="0" algn="l">
+            <a:pPr marL="0" marR="0" lvl="0" indent="0" algn="l" rtl="0">
               <a:lnSpc>
                 <a:spcPct val="100000"/>
               </a:lnSpc>
@@ -2495,10 +2560,7 @@
               <a:buFont typeface="Arial"/>
               <a:buNone/>
             </a:pPr>
-            <a:r>
-              <a:t/>
-            </a:r>
-            <a:endParaRPr b="0" i="0" sz="1959" u="none" cap="none" strike="noStrike">
+            <a:endParaRPr sz="1959" b="0" i="0" u="none" strike="noStrike" cap="none">
               <a:solidFill>
                 <a:schemeClr val="dk1"/>
               </a:solidFill>
@@ -2520,7 +2582,7 @@
           <a:blip r:embed="rId3">
             <a:alphaModFix/>
           </a:blip>
-          <a:srcRect b="0" l="0" r="0" t="0"/>
+          <a:srcRect/>
           <a:stretch/>
         </p:blipFill>
         <p:spPr>
@@ -2557,12 +2619,12 @@
           </a:ln>
         </p:spPr>
         <p:txBody>
-          <a:bodyPr anchorCtr="0" anchor="ctr" bIns="0" lIns="0" spcFirstLastPara="1" rIns="0" wrap="square" tIns="0">
+          <a:bodyPr spcFirstLastPara="1" wrap="square" lIns="0" tIns="0" rIns="0" bIns="0" anchor="ctr" anchorCtr="0">
             <a:spAutoFit/>
           </a:bodyPr>
           <a:lstStyle/>
           <a:p>
-            <a:pPr indent="0" lvl="0" marL="0" marR="0" rtl="0" algn="l">
+            <a:pPr marL="0" marR="0" lvl="0" indent="0" algn="l" rtl="0">
               <a:spcBef>
                 <a:spcPts val="0"/>
               </a:spcBef>
@@ -2572,7 +2634,7 @@
               <a:buNone/>
             </a:pPr>
             <a:r>
-              <a:rPr b="0" i="0" lang="en-US" sz="2400" u="none" cap="none" strike="noStrike">
+              <a:rPr lang="en-US" sz="2400" b="0" i="0" u="none" strike="noStrike" cap="none">
                 <a:solidFill>
                   <a:srgbClr val="1428A0"/>
                 </a:solidFill>
@@ -2581,9 +2643,9 @@
                 <a:cs typeface="Arial"/>
                 <a:sym typeface="Arial"/>
               </a:rPr>
-              <a:t>Artificial Intelligence Course</a:t>
-            </a:r>
-            <a:endParaRPr b="0" i="0" sz="2400" u="none" cap="none" strike="noStrike">
+              <a:t>Big Data Course</a:t>
+            </a:r>
+            <a:endParaRPr sz="2400" b="0" i="0" u="none" strike="noStrike" cap="none">
               <a:solidFill>
                 <a:srgbClr val="1428A0"/>
               </a:solidFill>
@@ -2617,12 +2679,12 @@
           </a:ln>
         </p:spPr>
         <p:txBody>
-          <a:bodyPr anchorCtr="0" anchor="ctr" bIns="45700" lIns="91425" spcFirstLastPara="1" rIns="91425" wrap="square" tIns="45700">
+          <a:bodyPr spcFirstLastPara="1" wrap="square" lIns="91425" tIns="45700" rIns="91425" bIns="45700" anchor="ctr" anchorCtr="0">
             <a:noAutofit/>
           </a:bodyPr>
           <a:lstStyle/>
           <a:p>
-            <a:pPr indent="0" lvl="0" marL="0" marR="0" rtl="0" algn="ctr">
+            <a:pPr marL="0" marR="0" lvl="0" indent="0" algn="ctr" rtl="0">
               <a:spcBef>
                 <a:spcPts val="0"/>
               </a:spcBef>
@@ -2631,10 +2693,7 @@
               </a:spcAft>
               <a:buNone/>
             </a:pPr>
-            <a:r>
-              <a:t/>
-            </a:r>
-            <a:endParaRPr b="0" i="0" sz="1800" u="none" cap="none" strike="noStrike">
+            <a:endParaRPr sz="1800" b="0" i="0" u="none" strike="noStrike" cap="none">
               <a:solidFill>
                 <a:srgbClr val="FFFFFF"/>
               </a:solidFill>
@@ -2649,9 +2708,11 @@
       <p:sp>
         <p:nvSpPr>
           <p:cNvPr id="16" name="Google Shape;16;p6"/>
-          <p:cNvSpPr txBox="1"/>
+          <p:cNvSpPr txBox="1">
+            <a:spLocks noGrp="1"/>
+          </p:cNvSpPr>
           <p:nvPr>
-            <p:ph idx="1" type="body"/>
+            <p:ph type="body" idx="1"/>
           </p:nvPr>
         </p:nvSpPr>
         <p:spPr>
@@ -2668,11 +2729,11 @@
           </a:ln>
         </p:spPr>
         <p:txBody>
-          <a:bodyPr anchorCtr="0" anchor="t" bIns="0" lIns="0" spcFirstLastPara="1" rIns="0" wrap="square" tIns="0">
+          <a:bodyPr spcFirstLastPara="1" wrap="square" lIns="0" tIns="0" rIns="0" bIns="0" anchor="t" anchorCtr="0">
             <a:spAutoFit/>
           </a:bodyPr>
           <a:lstStyle>
-            <a:lvl1pPr indent="-228600" lvl="0" marL="457200" marR="0" rtl="0" algn="l">
+            <a:lvl1pPr marL="457200" marR="0" lvl="0" indent="-228600" algn="l" rtl="0">
               <a:lnSpc>
                 <a:spcPct val="100000"/>
               </a:lnSpc>
@@ -2688,7 +2749,7 @@
               <a:buSzPts val="1800"/>
               <a:buFont typeface="Arial"/>
               <a:buNone/>
-              <a:defRPr b="0" i="0" sz="1800" u="none" cap="none" strike="noStrike">
+              <a:defRPr sz="1800" b="0" i="0" u="none" strike="noStrike" cap="none">
                 <a:solidFill>
                   <a:srgbClr val="7F7F7F"/>
                 </a:solidFill>
@@ -2698,7 +2759,7 @@
                 <a:sym typeface="Arial"/>
               </a:defRPr>
             </a:lvl1pPr>
-            <a:lvl2pPr indent="-380936" lvl="1" marL="914400" marR="0" rtl="0" algn="l">
+            <a:lvl2pPr marL="914400" marR="0" lvl="1" indent="-380936" algn="l" rtl="0">
               <a:lnSpc>
                 <a:spcPct val="90000"/>
               </a:lnSpc>
@@ -2714,7 +2775,7 @@
               <a:buSzPts val="2399"/>
               <a:buFont typeface="Arial"/>
               <a:buChar char="•"/>
-              <a:defRPr b="0" i="0" sz="2399" u="none" cap="none" strike="noStrike">
+              <a:defRPr sz="2399" b="0" i="0" u="none" strike="noStrike" cap="none">
                 <a:solidFill>
                   <a:schemeClr val="dk1"/>
                 </a:solidFill>
@@ -2724,7 +2785,7 @@
                 <a:sym typeface="Arial"/>
               </a:defRPr>
             </a:lvl2pPr>
-            <a:lvl3pPr indent="-355536" lvl="2" marL="1371600" marR="0" rtl="0" algn="l">
+            <a:lvl3pPr marL="1371600" marR="0" lvl="2" indent="-355536" algn="l" rtl="0">
               <a:lnSpc>
                 <a:spcPct val="90000"/>
               </a:lnSpc>
@@ -2740,7 +2801,7 @@
               <a:buSzPts val="1999"/>
               <a:buFont typeface="Arial"/>
               <a:buChar char="•"/>
-              <a:defRPr b="0" i="0" sz="1999" u="none" cap="none" strike="noStrike">
+              <a:defRPr sz="1999" b="0" i="0" u="none" strike="noStrike" cap="none">
                 <a:solidFill>
                   <a:schemeClr val="dk1"/>
                 </a:solidFill>
@@ -2750,7 +2811,7 @@
                 <a:sym typeface="Arial"/>
               </a:defRPr>
             </a:lvl3pPr>
-            <a:lvl4pPr indent="-342836" lvl="3" marL="1828800" marR="0" rtl="0" algn="l">
+            <a:lvl4pPr marL="1828800" marR="0" lvl="3" indent="-342836" algn="l" rtl="0">
               <a:lnSpc>
                 <a:spcPct val="90000"/>
               </a:lnSpc>
@@ -2766,7 +2827,7 @@
               <a:buSzPts val="1799"/>
               <a:buFont typeface="Arial"/>
               <a:buChar char="•"/>
-              <a:defRPr b="0" i="0" sz="1799" u="none" cap="none" strike="noStrike">
+              <a:defRPr sz="1799" b="0" i="0" u="none" strike="noStrike" cap="none">
                 <a:solidFill>
                   <a:schemeClr val="dk1"/>
                 </a:solidFill>
@@ -2776,7 +2837,7 @@
                 <a:sym typeface="Arial"/>
               </a:defRPr>
             </a:lvl4pPr>
-            <a:lvl5pPr indent="-342836" lvl="4" marL="2286000" marR="0" rtl="0" algn="l">
+            <a:lvl5pPr marL="2286000" marR="0" lvl="4" indent="-342836" algn="l" rtl="0">
               <a:lnSpc>
                 <a:spcPct val="90000"/>
               </a:lnSpc>
@@ -2792,7 +2853,7 @@
               <a:buSzPts val="1799"/>
               <a:buFont typeface="Arial"/>
               <a:buChar char="•"/>
-              <a:defRPr b="0" i="0" sz="1799" u="none" cap="none" strike="noStrike">
+              <a:defRPr sz="1799" b="0" i="0" u="none" strike="noStrike" cap="none">
                 <a:solidFill>
                   <a:schemeClr val="dk1"/>
                 </a:solidFill>
@@ -2802,7 +2863,7 @@
                 <a:sym typeface="Arial"/>
               </a:defRPr>
             </a:lvl5pPr>
-            <a:lvl6pPr indent="-342836" lvl="5" marL="2743200" marR="0" rtl="0" algn="l">
+            <a:lvl6pPr marL="2743200" marR="0" lvl="5" indent="-342836" algn="l" rtl="0">
               <a:lnSpc>
                 <a:spcPct val="90000"/>
               </a:lnSpc>
@@ -2818,7 +2879,7 @@
               <a:buSzPts val="1799"/>
               <a:buFont typeface="Arial"/>
               <a:buChar char="•"/>
-              <a:defRPr b="0" i="0" sz="1799" u="none" cap="none" strike="noStrike">
+              <a:defRPr sz="1799" b="0" i="0" u="none" strike="noStrike" cap="none">
                 <a:solidFill>
                   <a:schemeClr val="dk1"/>
                 </a:solidFill>
@@ -2828,7 +2889,7 @@
                 <a:sym typeface="Arial"/>
               </a:defRPr>
             </a:lvl6pPr>
-            <a:lvl7pPr indent="-342836" lvl="6" marL="3200400" marR="0" rtl="0" algn="l">
+            <a:lvl7pPr marL="3200400" marR="0" lvl="6" indent="-342836" algn="l" rtl="0">
               <a:lnSpc>
                 <a:spcPct val="90000"/>
               </a:lnSpc>
@@ -2844,7 +2905,7 @@
               <a:buSzPts val="1799"/>
               <a:buFont typeface="Arial"/>
               <a:buChar char="•"/>
-              <a:defRPr b="0" i="0" sz="1799" u="none" cap="none" strike="noStrike">
+              <a:defRPr sz="1799" b="0" i="0" u="none" strike="noStrike" cap="none">
                 <a:solidFill>
                   <a:schemeClr val="dk1"/>
                 </a:solidFill>
@@ -2854,7 +2915,7 @@
                 <a:sym typeface="Arial"/>
               </a:defRPr>
             </a:lvl7pPr>
-            <a:lvl8pPr indent="-342836" lvl="7" marL="3657600" marR="0" rtl="0" algn="l">
+            <a:lvl8pPr marL="3657600" marR="0" lvl="7" indent="-342836" algn="l" rtl="0">
               <a:lnSpc>
                 <a:spcPct val="90000"/>
               </a:lnSpc>
@@ -2870,7 +2931,7 @@
               <a:buSzPts val="1799"/>
               <a:buFont typeface="Arial"/>
               <a:buChar char="•"/>
-              <a:defRPr b="0" i="0" sz="1799" u="none" cap="none" strike="noStrike">
+              <a:defRPr sz="1799" b="0" i="0" u="none" strike="noStrike" cap="none">
                 <a:solidFill>
                   <a:schemeClr val="dk1"/>
                 </a:solidFill>
@@ -2880,7 +2941,7 @@
                 <a:sym typeface="Arial"/>
               </a:defRPr>
             </a:lvl8pPr>
-            <a:lvl9pPr indent="-342836" lvl="8" marL="4114800" marR="0" rtl="0" algn="l">
+            <a:lvl9pPr marL="4114800" marR="0" lvl="8" indent="-342836" algn="l" rtl="0">
               <a:lnSpc>
                 <a:spcPct val="90000"/>
               </a:lnSpc>
@@ -2896,7 +2957,7 @@
               <a:buSzPts val="1799"/>
               <a:buFont typeface="Arial"/>
               <a:buChar char="•"/>
-              <a:defRPr b="0" i="0" sz="1799" u="none" cap="none" strike="noStrike">
+              <a:defRPr sz="1799" b="0" i="0" u="none" strike="noStrike" cap="none">
                 <a:solidFill>
                   <a:schemeClr val="dk1"/>
                 </a:solidFill>
@@ -2907,13 +2968,17 @@
               </a:defRPr>
             </a:lvl9pPr>
           </a:lstStyle>
-          <a:p/>
+          <a:p>
+            <a:endParaRPr/>
+          </a:p>
         </p:txBody>
       </p:sp>
       <p:sp>
         <p:nvSpPr>
           <p:cNvPr id="17" name="Google Shape;17;p6"/>
-          <p:cNvSpPr txBox="1"/>
+          <p:cNvSpPr txBox="1">
+            <a:spLocks noGrp="1"/>
+          </p:cNvSpPr>
           <p:nvPr>
             <p:ph type="title"/>
           </p:nvPr>
@@ -2932,11 +2997,11 @@
           </a:ln>
         </p:spPr>
         <p:txBody>
-          <a:bodyPr anchorCtr="0" anchor="t" bIns="0" lIns="0" spcFirstLastPara="1" rIns="0" wrap="square" tIns="0">
+          <a:bodyPr spcFirstLastPara="1" wrap="square" lIns="0" tIns="0" rIns="0" bIns="0" anchor="t" anchorCtr="0">
             <a:spAutoFit/>
           </a:bodyPr>
           <a:lstStyle>
-            <a:lvl1pPr lvl="0" marR="0" rtl="0" algn="l">
+            <a:lvl1pPr marR="0" lvl="0" algn="l" rtl="0">
               <a:lnSpc>
                 <a:spcPct val="100000"/>
               </a:lnSpc>
@@ -2952,7 +3017,7 @@
               <a:buSzPts val="4800"/>
               <a:buFont typeface="Arial"/>
               <a:buNone/>
-              <a:defRPr b="0" i="0" sz="4800" u="none" cap="none" strike="noStrike">
+              <a:defRPr sz="4800" b="0" i="0" u="none" strike="noStrike" cap="none">
                 <a:solidFill>
                   <a:schemeClr val="dk1"/>
                 </a:solidFill>
@@ -3115,7 +3180,9 @@
               </a:defRPr>
             </a:lvl9pPr>
           </a:lstStyle>
-          <a:p/>
+          <a:p>
+            <a:endParaRPr/>
+          </a:p>
         </p:txBody>
       </p:sp>
     </p:spTree>
@@ -3127,18 +3194,19 @@
 </file>
 
 <file path=ppt/slideLayouts/slideLayout10.xml><?xml version="1.0" encoding="utf-8"?>
-<p:sldLayout xmlns:a="http://schemas.openxmlformats.org/drawingml/2006/main" xmlns:r="http://schemas.openxmlformats.org/officeDocument/2006/relationships" xmlns:mc="http://schemas.openxmlformats.org/markup-compatibility/2006" xmlns:mv="urn:schemas-microsoft-com:mac:vml" xmlns:p="http://schemas.openxmlformats.org/presentationml/2006/main" xmlns:c="http://schemas.openxmlformats.org/drawingml/2006/chart" xmlns:dgm="http://schemas.openxmlformats.org/drawingml/2006/diagram" xmlns:o="urn:schemas-microsoft-com:office:office" xmlns:v="urn:schemas-microsoft-com:vml" xmlns:pvml="urn:schemas-microsoft-com:office:powerpoint" xmlns:com="http://schemas.openxmlformats.org/drawingml/2006/compatibility" xmlns:p14="http://schemas.microsoft.com/office/powerpoint/2010/main" xmlns:p15="http://schemas.microsoft.com/office/powerpoint/2012/main" xmlns:ahyp="http://schemas.microsoft.com/office/drawing/2018/hyperlinkcolor" matchingName="1_Body">
+<p:sldLayout xmlns:a="http://schemas.openxmlformats.org/drawingml/2006/main" xmlns:r="http://schemas.openxmlformats.org/officeDocument/2006/relationships" xmlns:p="http://schemas.openxmlformats.org/presentationml/2006/main" matchingName="1_Body">
   <p:cSld name="1_Body">
     <p:bg>
       <p:bgPr>
         <a:solidFill>
           <a:srgbClr val="F2F2F2"/>
         </a:solidFill>
+        <a:effectLst/>
       </p:bgPr>
     </p:bg>
     <p:spTree>
       <p:nvGrpSpPr>
-        <p:cNvPr id="74" name="Shape 74"/>
+        <p:cNvPr id="1" name="Shape 74"/>
         <p:cNvGrpSpPr/>
         <p:nvPr/>
       </p:nvGrpSpPr>
@@ -3160,7 +3228,7 @@
           <a:blip r:embed="rId2">
             <a:alphaModFix/>
           </a:blip>
-          <a:srcRect b="0" l="0" r="0" t="0"/>
+          <a:srcRect/>
           <a:stretch/>
         </p:blipFill>
         <p:spPr>
@@ -3189,9 +3257,13 @@
             <a:ext cx="1282022" cy="198000"/>
           </a:xfrm>
           <a:custGeom>
-            <a:rect b="b" l="l" r="r" t="t"/>
+            <a:avLst/>
+            <a:gdLst/>
+            <a:ahLst/>
+            <a:cxnLst/>
+            <a:rect l="l" t="t" r="r" b="b"/>
             <a:pathLst>
-              <a:path extrusionOk="0" h="334" w="2179">
+              <a:path w="2179" h="334" extrusionOk="0">
                 <a:moveTo>
                   <a:pt x="83" y="91"/>
                 </a:moveTo>
@@ -3769,12 +3841,12 @@
           </a:ln>
         </p:spPr>
         <p:txBody>
-          <a:bodyPr anchorCtr="0" anchor="t" bIns="45700" lIns="91400" spcFirstLastPara="1" rIns="91400" wrap="square" tIns="45700">
+          <a:bodyPr spcFirstLastPara="1" wrap="square" lIns="91400" tIns="45700" rIns="91400" bIns="45700" anchor="t" anchorCtr="0">
             <a:noAutofit/>
           </a:bodyPr>
           <a:lstStyle/>
           <a:p>
-            <a:pPr indent="0" lvl="0" marL="0" marR="0" rtl="0" algn="l">
+            <a:pPr marL="0" marR="0" lvl="0" indent="0" algn="l" rtl="0">
               <a:lnSpc>
                 <a:spcPct val="100000"/>
               </a:lnSpc>
@@ -3791,9 +3863,6 @@
               <a:buFont typeface="Arial"/>
               <a:buNone/>
             </a:pPr>
-            <a:r>
-              <a:t/>
-            </a:r>
             <a:endParaRPr sz="1959">
               <a:solidFill>
                 <a:schemeClr val="dk1"/>
@@ -3816,7 +3885,7 @@
           <a:blip r:embed="rId3">
             <a:alphaModFix/>
           </a:blip>
-          <a:srcRect b="0" l="0" r="0" t="0"/>
+          <a:srcRect/>
           <a:stretch/>
         </p:blipFill>
         <p:spPr>
@@ -3842,11 +3911,11 @@
 </file>
 
 <file path=ppt/slideLayouts/slideLayout2.xml><?xml version="1.0" encoding="utf-8"?>
-<p:sldLayout xmlns:a="http://schemas.openxmlformats.org/drawingml/2006/main" xmlns:r="http://schemas.openxmlformats.org/officeDocument/2006/relationships" xmlns:mc="http://schemas.openxmlformats.org/markup-compatibility/2006" xmlns:mv="urn:schemas-microsoft-com:mac:vml" xmlns:p="http://schemas.openxmlformats.org/presentationml/2006/main" xmlns:c="http://schemas.openxmlformats.org/drawingml/2006/chart" xmlns:dgm="http://schemas.openxmlformats.org/drawingml/2006/diagram" xmlns:o="urn:schemas-microsoft-com:office:office" xmlns:v="urn:schemas-microsoft-com:vml" xmlns:pvml="urn:schemas-microsoft-com:office:powerpoint" xmlns:com="http://schemas.openxmlformats.org/drawingml/2006/compatibility" xmlns:p14="http://schemas.microsoft.com/office/powerpoint/2010/main" xmlns:p15="http://schemas.microsoft.com/office/powerpoint/2012/main" xmlns:ahyp="http://schemas.microsoft.com/office/drawing/2018/hyperlinkcolor" matchingName="3_Table of Contents2">
+<p:sldLayout xmlns:a="http://schemas.openxmlformats.org/drawingml/2006/main" xmlns:r="http://schemas.openxmlformats.org/officeDocument/2006/relationships" xmlns:p="http://schemas.openxmlformats.org/presentationml/2006/main" matchingName="3_Table of Contents2">
   <p:cSld name="3_Table of Contents2">
     <p:spTree>
       <p:nvGrpSpPr>
-        <p:cNvPr id="18" name="Shape 18"/>
+        <p:cNvPr id="1" name="Shape 18"/>
         <p:cNvGrpSpPr/>
         <p:nvPr/>
       </p:nvGrpSpPr>
@@ -3868,7 +3937,7 @@
           <a:blip r:embed="rId2">
             <a:alphaModFix/>
           </a:blip>
-          <a:srcRect b="0" l="0" r="0" t="0"/>
+          <a:srcRect/>
           <a:stretch/>
         </p:blipFill>
         <p:spPr>
@@ -3900,14 +3969,14 @@
             <a:avLst/>
           </a:prstGeom>
           <a:noFill/>
-          <a:ln cap="flat" cmpd="sng" w="9525">
+          <a:ln w="9525" cap="flat" cmpd="sng">
             <a:solidFill>
               <a:srgbClr val="BFBFBF"/>
             </a:solidFill>
             <a:prstDash val="solid"/>
             <a:miter lim="800000"/>
-            <a:headEnd len="sm" w="sm" type="none"/>
-            <a:tailEnd len="sm" w="sm" type="none"/>
+            <a:headEnd type="none" w="sm" len="sm"/>
+            <a:tailEnd type="none" w="sm" len="sm"/>
           </a:ln>
         </p:spPr>
       </p:cxnSp>
@@ -3931,12 +4000,12 @@
           </a:ln>
         </p:spPr>
         <p:txBody>
-          <a:bodyPr anchorCtr="0" anchor="ctr" bIns="0" lIns="0" spcFirstLastPara="1" rIns="0" wrap="square" tIns="0">
+          <a:bodyPr spcFirstLastPara="1" wrap="square" lIns="0" tIns="0" rIns="0" bIns="0" anchor="ctr" anchorCtr="0">
             <a:spAutoFit/>
           </a:bodyPr>
           <a:lstStyle/>
           <a:p>
-            <a:pPr indent="0" lvl="0" marL="0" marR="0" rtl="0" algn="r">
+            <a:pPr marL="0" marR="0" lvl="0" indent="0" algn="r" rtl="0">
               <a:lnSpc>
                 <a:spcPct val="100000"/>
               </a:lnSpc>
@@ -3954,7 +4023,7 @@
               <a:buNone/>
             </a:pPr>
             <a:fld id="{00000000-1234-1234-1234-123412341234}" type="slidenum">
-              <a:rPr b="0" i="0" lang="en-US" sz="900" u="none" cap="none" strike="noStrike">
+              <a:rPr lang="en-US" sz="900" b="0" i="0" u="none" strike="noStrike" cap="none">
                 <a:solidFill>
                   <a:srgbClr val="7F7F7F"/>
                 </a:solidFill>
@@ -3965,7 +4034,7 @@
               </a:rPr>
               <a:t>‹#›</a:t>
             </a:fld>
-            <a:endParaRPr b="0" i="0" sz="900" u="none" cap="none" strike="noStrike">
+            <a:endParaRPr sz="900" b="0" i="0" u="none" strike="noStrike" cap="none">
               <a:solidFill>
                 <a:srgbClr val="7F7F7F"/>
               </a:solidFill>
@@ -3997,12 +4066,12 @@
           </a:ln>
         </p:spPr>
         <p:txBody>
-          <a:bodyPr anchorCtr="0" anchor="t" bIns="0" lIns="0" spcFirstLastPara="1" rIns="0" wrap="square" tIns="0">
+          <a:bodyPr spcFirstLastPara="1" wrap="square" lIns="0" tIns="0" rIns="0" bIns="0" anchor="t" anchorCtr="0">
             <a:spAutoFit/>
           </a:bodyPr>
           <a:lstStyle/>
           <a:p>
-            <a:pPr indent="0" lvl="0" marL="0" marR="0" rtl="0" algn="l">
+            <a:pPr marL="0" marR="0" lvl="0" indent="0" algn="l" rtl="0">
               <a:spcBef>
                 <a:spcPts val="0"/>
               </a:spcBef>
@@ -4012,7 +4081,7 @@
               <a:buNone/>
             </a:pPr>
             <a:r>
-              <a:rPr b="0" i="0" lang="en-US" sz="1100" u="none" cap="none" strike="noStrike">
+              <a:rPr lang="en-US" sz="1100" b="0" i="0" u="none" strike="noStrike" cap="none">
                 <a:solidFill>
                   <a:srgbClr val="7F7F7F"/>
                 </a:solidFill>
@@ -4034,7 +4103,7 @@
   </p:clrMapOvr>
   <p:extLst>
     <p:ext uri="{DCECCB84-F9BA-43D5-87BE-67443E8EF086}">
-      <p15:sldGuideLst>
+      <p15:sldGuideLst xmlns:p15="http://schemas.microsoft.com/office/powerpoint/2012/main">
         <p15:guide id="1" orient="horz" pos="2614">
           <p15:clr>
             <a:srgbClr val="FBAE40"/>
@@ -4062,11 +4131,11 @@
 </file>
 
 <file path=ppt/slideLayouts/slideLayout3.xml><?xml version="1.0" encoding="utf-8"?>
-<p:sldLayout xmlns:a="http://schemas.openxmlformats.org/drawingml/2006/main" xmlns:r="http://schemas.openxmlformats.org/officeDocument/2006/relationships" xmlns:mc="http://schemas.openxmlformats.org/markup-compatibility/2006" xmlns:mv="urn:schemas-microsoft-com:mac:vml" xmlns:p="http://schemas.openxmlformats.org/presentationml/2006/main" xmlns:c="http://schemas.openxmlformats.org/drawingml/2006/chart" xmlns:dgm="http://schemas.openxmlformats.org/drawingml/2006/diagram" xmlns:o="urn:schemas-microsoft-com:office:office" xmlns:v="urn:schemas-microsoft-com:vml" xmlns:pvml="urn:schemas-microsoft-com:office:powerpoint" xmlns:com="http://schemas.openxmlformats.org/drawingml/2006/compatibility" xmlns:p14="http://schemas.microsoft.com/office/powerpoint/2010/main" xmlns:p15="http://schemas.microsoft.com/office/powerpoint/2012/main" xmlns:ahyp="http://schemas.microsoft.com/office/drawing/2018/hyperlinkcolor" matchingName="2_Table of Contents">
+<p:sldLayout xmlns:a="http://schemas.openxmlformats.org/drawingml/2006/main" xmlns:r="http://schemas.openxmlformats.org/officeDocument/2006/relationships" xmlns:p="http://schemas.openxmlformats.org/presentationml/2006/main" matchingName="2_Table of Contents">
   <p:cSld name="2_Table of Contents">
     <p:spTree>
       <p:nvGrpSpPr>
-        <p:cNvPr id="23" name="Shape 23"/>
+        <p:cNvPr id="1" name="Shape 23"/>
         <p:cNvGrpSpPr/>
         <p:nvPr/>
       </p:nvGrpSpPr>
@@ -4088,7 +4157,7 @@
           <a:blip r:embed="rId2">
             <a:alphaModFix/>
           </a:blip>
-          <a:srcRect b="0" l="0" r="0" t="0"/>
+          <a:srcRect/>
           <a:stretch/>
         </p:blipFill>
         <p:spPr>
@@ -4120,14 +4189,14 @@
             <a:avLst/>
           </a:prstGeom>
           <a:noFill/>
-          <a:ln cap="flat" cmpd="sng" w="9525">
+          <a:ln w="9525" cap="flat" cmpd="sng">
             <a:solidFill>
               <a:srgbClr val="BFBFBF"/>
             </a:solidFill>
             <a:prstDash val="solid"/>
             <a:miter lim="800000"/>
-            <a:headEnd len="sm" w="sm" type="none"/>
-            <a:tailEnd len="sm" w="sm" type="none"/>
+            <a:headEnd type="none" w="sm" len="sm"/>
+            <a:tailEnd type="none" w="sm" len="sm"/>
           </a:ln>
         </p:spPr>
       </p:cxnSp>
@@ -4151,12 +4220,12 @@
           </a:ln>
         </p:spPr>
         <p:txBody>
-          <a:bodyPr anchorCtr="0" anchor="ctr" bIns="0" lIns="0" spcFirstLastPara="1" rIns="0" wrap="square" tIns="0">
+          <a:bodyPr spcFirstLastPara="1" wrap="square" lIns="0" tIns="0" rIns="0" bIns="0" anchor="ctr" anchorCtr="0">
             <a:spAutoFit/>
           </a:bodyPr>
           <a:lstStyle/>
           <a:p>
-            <a:pPr indent="0" lvl="0" marL="0" marR="0" rtl="0" algn="r">
+            <a:pPr marL="0" marR="0" lvl="0" indent="0" algn="r" rtl="0">
               <a:lnSpc>
                 <a:spcPct val="100000"/>
               </a:lnSpc>
@@ -4217,12 +4286,12 @@
           </a:ln>
         </p:spPr>
         <p:txBody>
-          <a:bodyPr anchorCtr="0" anchor="t" bIns="0" lIns="0" spcFirstLastPara="1" rIns="0" wrap="square" tIns="0">
+          <a:bodyPr spcFirstLastPara="1" wrap="square" lIns="0" tIns="0" rIns="0" bIns="0" anchor="t" anchorCtr="0">
             <a:spAutoFit/>
           </a:bodyPr>
           <a:lstStyle/>
           <a:p>
-            <a:pPr indent="0" lvl="0" marL="0" marR="0" rtl="0" algn="l">
+            <a:pPr marL="0" marR="0" lvl="0" indent="0" algn="l" rtl="0">
               <a:spcBef>
                 <a:spcPts val="0"/>
               </a:spcBef>
@@ -4232,7 +4301,7 @@
               <a:buNone/>
             </a:pPr>
             <a:r>
-              <a:rPr b="0" lang="en-US" sz="1100">
+              <a:rPr lang="en-US" sz="1100" b="0">
                 <a:solidFill>
                   <a:srgbClr val="7F7F7F"/>
                 </a:solidFill>
@@ -4250,7 +4319,9 @@
       <p:sp>
         <p:nvSpPr>
           <p:cNvPr id="28" name="Google Shape;28;p8"/>
-          <p:cNvSpPr txBox="1"/>
+          <p:cNvSpPr txBox="1">
+            <a:spLocks noGrp="1"/>
+          </p:cNvSpPr>
           <p:nvPr>
             <p:ph type="title"/>
           </p:nvPr>
@@ -4269,11 +4340,11 @@
           </a:ln>
         </p:spPr>
         <p:txBody>
-          <a:bodyPr anchorCtr="0" anchor="t" bIns="0" lIns="0" spcFirstLastPara="1" rIns="0" wrap="square" tIns="0">
+          <a:bodyPr spcFirstLastPara="1" wrap="square" lIns="0" tIns="0" rIns="0" bIns="0" anchor="t" anchorCtr="0">
             <a:spAutoFit/>
           </a:bodyPr>
           <a:lstStyle>
-            <a:lvl1pPr lvl="0" marR="0" rtl="0" algn="l">
+            <a:lvl1pPr marR="0" lvl="0" algn="l" rtl="0">
               <a:lnSpc>
                 <a:spcPct val="100000"/>
               </a:lnSpc>
@@ -4289,7 +4360,7 @@
               <a:buSzPts val="3200"/>
               <a:buFont typeface="Arial"/>
               <a:buNone/>
-              <a:defRPr b="0" i="0" sz="3200" u="none" cap="none" strike="noStrike">
+              <a:defRPr sz="3200" b="0" i="0" u="none" strike="noStrike" cap="none">
                 <a:solidFill>
                   <a:srgbClr val="0C0C0C"/>
                 </a:solidFill>
@@ -4452,15 +4523,19 @@
               </a:defRPr>
             </a:lvl9pPr>
           </a:lstStyle>
-          <a:p/>
+          <a:p>
+            <a:endParaRPr/>
+          </a:p>
         </p:txBody>
       </p:sp>
       <p:sp>
         <p:nvSpPr>
           <p:cNvPr id="29" name="Google Shape;29;p8"/>
-          <p:cNvSpPr txBox="1"/>
+          <p:cNvSpPr txBox="1">
+            <a:spLocks noGrp="1"/>
+          </p:cNvSpPr>
           <p:nvPr>
-            <p:ph idx="1" type="body"/>
+            <p:ph type="body" idx="1"/>
           </p:nvPr>
         </p:nvSpPr>
         <p:spPr>
@@ -4477,11 +4552,11 @@
           </a:ln>
         </p:spPr>
         <p:txBody>
-          <a:bodyPr anchorCtr="0" anchor="t" bIns="0" lIns="0" spcFirstLastPara="1" rIns="0" wrap="square" tIns="0">
+          <a:bodyPr spcFirstLastPara="1" wrap="square" lIns="0" tIns="0" rIns="0" bIns="0" anchor="t" anchorCtr="0">
             <a:spAutoFit/>
           </a:bodyPr>
           <a:lstStyle>
-            <a:lvl1pPr indent="-228600" lvl="0" marL="457200" marR="0" rtl="0" algn="l">
+            <a:lvl1pPr marL="457200" marR="0" lvl="0" indent="-228600" algn="l" rtl="0">
               <a:lnSpc>
                 <a:spcPct val="100000"/>
               </a:lnSpc>
@@ -4497,7 +4572,7 @@
               <a:buSzPts val="1799"/>
               <a:buFont typeface="Arial"/>
               <a:buNone/>
-              <a:defRPr b="0" i="0" sz="1799" u="none" cap="none" strike="noStrike">
+              <a:defRPr sz="1799" b="0" i="0" u="none" strike="noStrike" cap="none">
                 <a:solidFill>
                   <a:schemeClr val="lt1"/>
                 </a:solidFill>
@@ -4507,7 +4582,7 @@
                 <a:sym typeface="Arial"/>
               </a:defRPr>
             </a:lvl1pPr>
-            <a:lvl2pPr indent="-380936" lvl="1" marL="914400" marR="0" rtl="0" algn="l">
+            <a:lvl2pPr marL="914400" marR="0" lvl="1" indent="-380936" algn="l" rtl="0">
               <a:lnSpc>
                 <a:spcPct val="90000"/>
               </a:lnSpc>
@@ -4523,7 +4598,7 @@
               <a:buSzPts val="2399"/>
               <a:buFont typeface="Arial"/>
               <a:buChar char="•"/>
-              <a:defRPr b="0" i="0" sz="2399" u="none" cap="none" strike="noStrike">
+              <a:defRPr sz="2399" b="0" i="0" u="none" strike="noStrike" cap="none">
                 <a:solidFill>
                   <a:schemeClr val="dk1"/>
                 </a:solidFill>
@@ -4533,7 +4608,7 @@
                 <a:sym typeface="Arial"/>
               </a:defRPr>
             </a:lvl2pPr>
-            <a:lvl3pPr indent="-355536" lvl="2" marL="1371600" marR="0" rtl="0" algn="l">
+            <a:lvl3pPr marL="1371600" marR="0" lvl="2" indent="-355536" algn="l" rtl="0">
               <a:lnSpc>
                 <a:spcPct val="90000"/>
               </a:lnSpc>
@@ -4549,7 +4624,7 @@
               <a:buSzPts val="1999"/>
               <a:buFont typeface="Arial"/>
               <a:buChar char="•"/>
-              <a:defRPr b="0" i="0" sz="1999" u="none" cap="none" strike="noStrike">
+              <a:defRPr sz="1999" b="0" i="0" u="none" strike="noStrike" cap="none">
                 <a:solidFill>
                   <a:schemeClr val="dk1"/>
                 </a:solidFill>
@@ -4559,7 +4634,7 @@
                 <a:sym typeface="Arial"/>
               </a:defRPr>
             </a:lvl3pPr>
-            <a:lvl4pPr indent="-342836" lvl="3" marL="1828800" marR="0" rtl="0" algn="l">
+            <a:lvl4pPr marL="1828800" marR="0" lvl="3" indent="-342836" algn="l" rtl="0">
               <a:lnSpc>
                 <a:spcPct val="90000"/>
               </a:lnSpc>
@@ -4575,7 +4650,7 @@
               <a:buSzPts val="1799"/>
               <a:buFont typeface="Arial"/>
               <a:buChar char="•"/>
-              <a:defRPr b="0" i="0" sz="1799" u="none" cap="none" strike="noStrike">
+              <a:defRPr sz="1799" b="0" i="0" u="none" strike="noStrike" cap="none">
                 <a:solidFill>
                   <a:schemeClr val="dk1"/>
                 </a:solidFill>
@@ -4585,7 +4660,7 @@
                 <a:sym typeface="Arial"/>
               </a:defRPr>
             </a:lvl4pPr>
-            <a:lvl5pPr indent="-342836" lvl="4" marL="2286000" marR="0" rtl="0" algn="l">
+            <a:lvl5pPr marL="2286000" marR="0" lvl="4" indent="-342836" algn="l" rtl="0">
               <a:lnSpc>
                 <a:spcPct val="90000"/>
               </a:lnSpc>
@@ -4601,7 +4676,7 @@
               <a:buSzPts val="1799"/>
               <a:buFont typeface="Arial"/>
               <a:buChar char="•"/>
-              <a:defRPr b="0" i="0" sz="1799" u="none" cap="none" strike="noStrike">
+              <a:defRPr sz="1799" b="0" i="0" u="none" strike="noStrike" cap="none">
                 <a:solidFill>
                   <a:schemeClr val="dk1"/>
                 </a:solidFill>
@@ -4611,7 +4686,7 @@
                 <a:sym typeface="Arial"/>
               </a:defRPr>
             </a:lvl5pPr>
-            <a:lvl6pPr indent="-342836" lvl="5" marL="2743200" marR="0" rtl="0" algn="l">
+            <a:lvl6pPr marL="2743200" marR="0" lvl="5" indent="-342836" algn="l" rtl="0">
               <a:lnSpc>
                 <a:spcPct val="90000"/>
               </a:lnSpc>
@@ -4627,7 +4702,7 @@
               <a:buSzPts val="1799"/>
               <a:buFont typeface="Arial"/>
               <a:buChar char="•"/>
-              <a:defRPr b="0" i="0" sz="1799" u="none" cap="none" strike="noStrike">
+              <a:defRPr sz="1799" b="0" i="0" u="none" strike="noStrike" cap="none">
                 <a:solidFill>
                   <a:schemeClr val="dk1"/>
                 </a:solidFill>
@@ -4637,7 +4712,7 @@
                 <a:sym typeface="Arial"/>
               </a:defRPr>
             </a:lvl6pPr>
-            <a:lvl7pPr indent="-342836" lvl="6" marL="3200400" marR="0" rtl="0" algn="l">
+            <a:lvl7pPr marL="3200400" marR="0" lvl="6" indent="-342836" algn="l" rtl="0">
               <a:lnSpc>
                 <a:spcPct val="90000"/>
               </a:lnSpc>
@@ -4653,7 +4728,7 @@
               <a:buSzPts val="1799"/>
               <a:buFont typeface="Arial"/>
               <a:buChar char="•"/>
-              <a:defRPr b="0" i="0" sz="1799" u="none" cap="none" strike="noStrike">
+              <a:defRPr sz="1799" b="0" i="0" u="none" strike="noStrike" cap="none">
                 <a:solidFill>
                   <a:schemeClr val="dk1"/>
                 </a:solidFill>
@@ -4663,7 +4738,7 @@
                 <a:sym typeface="Arial"/>
               </a:defRPr>
             </a:lvl7pPr>
-            <a:lvl8pPr indent="-342836" lvl="7" marL="3657600" marR="0" rtl="0" algn="l">
+            <a:lvl8pPr marL="3657600" marR="0" lvl="7" indent="-342836" algn="l" rtl="0">
               <a:lnSpc>
                 <a:spcPct val="90000"/>
               </a:lnSpc>
@@ -4679,7 +4754,7 @@
               <a:buSzPts val="1799"/>
               <a:buFont typeface="Arial"/>
               <a:buChar char="•"/>
-              <a:defRPr b="0" i="0" sz="1799" u="none" cap="none" strike="noStrike">
+              <a:defRPr sz="1799" b="0" i="0" u="none" strike="noStrike" cap="none">
                 <a:solidFill>
                   <a:schemeClr val="dk1"/>
                 </a:solidFill>
@@ -4689,7 +4764,7 @@
                 <a:sym typeface="Arial"/>
               </a:defRPr>
             </a:lvl8pPr>
-            <a:lvl9pPr indent="-342836" lvl="8" marL="4114800" marR="0" rtl="0" algn="l">
+            <a:lvl9pPr marL="4114800" marR="0" lvl="8" indent="-342836" algn="l" rtl="0">
               <a:lnSpc>
                 <a:spcPct val="90000"/>
               </a:lnSpc>
@@ -4705,7 +4780,7 @@
               <a:buSzPts val="1799"/>
               <a:buFont typeface="Arial"/>
               <a:buChar char="•"/>
-              <a:defRPr b="0" i="0" sz="1799" u="none" cap="none" strike="noStrike">
+              <a:defRPr sz="1799" b="0" i="0" u="none" strike="noStrike" cap="none">
                 <a:solidFill>
                   <a:schemeClr val="dk1"/>
                 </a:solidFill>
@@ -4716,15 +4791,19 @@
               </a:defRPr>
             </a:lvl9pPr>
           </a:lstStyle>
-          <a:p/>
+          <a:p>
+            <a:endParaRPr/>
+          </a:p>
         </p:txBody>
       </p:sp>
       <p:sp>
         <p:nvSpPr>
           <p:cNvPr id="30" name="Google Shape;30;p8"/>
-          <p:cNvSpPr txBox="1"/>
+          <p:cNvSpPr txBox="1">
+            <a:spLocks noGrp="1"/>
+          </p:cNvSpPr>
           <p:nvPr>
-            <p:ph idx="2" type="body"/>
+            <p:ph type="body" idx="2"/>
           </p:nvPr>
         </p:nvSpPr>
         <p:spPr>
@@ -4741,11 +4820,11 @@
           </a:ln>
         </p:spPr>
         <p:txBody>
-          <a:bodyPr anchorCtr="0" anchor="t" bIns="0" lIns="0" spcFirstLastPara="1" rIns="0" wrap="square" tIns="0">
+          <a:bodyPr spcFirstLastPara="1" wrap="square" lIns="0" tIns="0" rIns="0" bIns="0" anchor="t" anchorCtr="0">
             <a:spAutoFit/>
           </a:bodyPr>
           <a:lstStyle>
-            <a:lvl1pPr indent="-228600" lvl="0" marL="457200" marR="0" rtl="0" algn="l">
+            <a:lvl1pPr marL="457200" marR="0" lvl="0" indent="-228600" algn="l" rtl="0">
               <a:lnSpc>
                 <a:spcPct val="100000"/>
               </a:lnSpc>
@@ -4761,7 +4840,7 @@
               <a:buSzPts val="1799"/>
               <a:buFont typeface="Arial"/>
               <a:buNone/>
-              <a:defRPr b="0" i="0" sz="1799" u="none" cap="none" strike="noStrike">
+              <a:defRPr sz="1799" b="0" i="0" u="none" strike="noStrike" cap="none">
                 <a:solidFill>
                   <a:schemeClr val="lt1"/>
                 </a:solidFill>
@@ -4771,7 +4850,7 @@
                 <a:sym typeface="Arial"/>
               </a:defRPr>
             </a:lvl1pPr>
-            <a:lvl2pPr indent="-380936" lvl="1" marL="914400" marR="0" rtl="0" algn="l">
+            <a:lvl2pPr marL="914400" marR="0" lvl="1" indent="-380936" algn="l" rtl="0">
               <a:lnSpc>
                 <a:spcPct val="90000"/>
               </a:lnSpc>
@@ -4787,7 +4866,7 @@
               <a:buSzPts val="2399"/>
               <a:buFont typeface="Arial"/>
               <a:buChar char="•"/>
-              <a:defRPr b="0" i="0" sz="2399" u="none" cap="none" strike="noStrike">
+              <a:defRPr sz="2399" b="0" i="0" u="none" strike="noStrike" cap="none">
                 <a:solidFill>
                   <a:schemeClr val="dk1"/>
                 </a:solidFill>
@@ -4797,7 +4876,7 @@
                 <a:sym typeface="Arial"/>
               </a:defRPr>
             </a:lvl2pPr>
-            <a:lvl3pPr indent="-355536" lvl="2" marL="1371600" marR="0" rtl="0" algn="l">
+            <a:lvl3pPr marL="1371600" marR="0" lvl="2" indent="-355536" algn="l" rtl="0">
               <a:lnSpc>
                 <a:spcPct val="90000"/>
               </a:lnSpc>
@@ -4813,7 +4892,7 @@
               <a:buSzPts val="1999"/>
               <a:buFont typeface="Arial"/>
               <a:buChar char="•"/>
-              <a:defRPr b="0" i="0" sz="1999" u="none" cap="none" strike="noStrike">
+              <a:defRPr sz="1999" b="0" i="0" u="none" strike="noStrike" cap="none">
                 <a:solidFill>
                   <a:schemeClr val="dk1"/>
                 </a:solidFill>
@@ -4823,7 +4902,7 @@
                 <a:sym typeface="Arial"/>
               </a:defRPr>
             </a:lvl3pPr>
-            <a:lvl4pPr indent="-342836" lvl="3" marL="1828800" marR="0" rtl="0" algn="l">
+            <a:lvl4pPr marL="1828800" marR="0" lvl="3" indent="-342836" algn="l" rtl="0">
               <a:lnSpc>
                 <a:spcPct val="90000"/>
               </a:lnSpc>
@@ -4839,7 +4918,7 @@
               <a:buSzPts val="1799"/>
               <a:buFont typeface="Arial"/>
               <a:buChar char="•"/>
-              <a:defRPr b="0" i="0" sz="1799" u="none" cap="none" strike="noStrike">
+              <a:defRPr sz="1799" b="0" i="0" u="none" strike="noStrike" cap="none">
                 <a:solidFill>
                   <a:schemeClr val="dk1"/>
                 </a:solidFill>
@@ -4849,7 +4928,7 @@
                 <a:sym typeface="Arial"/>
               </a:defRPr>
             </a:lvl4pPr>
-            <a:lvl5pPr indent="-342836" lvl="4" marL="2286000" marR="0" rtl="0" algn="l">
+            <a:lvl5pPr marL="2286000" marR="0" lvl="4" indent="-342836" algn="l" rtl="0">
               <a:lnSpc>
                 <a:spcPct val="90000"/>
               </a:lnSpc>
@@ -4865,7 +4944,7 @@
               <a:buSzPts val="1799"/>
               <a:buFont typeface="Arial"/>
               <a:buChar char="•"/>
-              <a:defRPr b="0" i="0" sz="1799" u="none" cap="none" strike="noStrike">
+              <a:defRPr sz="1799" b="0" i="0" u="none" strike="noStrike" cap="none">
                 <a:solidFill>
                   <a:schemeClr val="dk1"/>
                 </a:solidFill>
@@ -4875,7 +4954,7 @@
                 <a:sym typeface="Arial"/>
               </a:defRPr>
             </a:lvl5pPr>
-            <a:lvl6pPr indent="-342836" lvl="5" marL="2743200" marR="0" rtl="0" algn="l">
+            <a:lvl6pPr marL="2743200" marR="0" lvl="5" indent="-342836" algn="l" rtl="0">
               <a:lnSpc>
                 <a:spcPct val="90000"/>
               </a:lnSpc>
@@ -4891,7 +4970,7 @@
               <a:buSzPts val="1799"/>
               <a:buFont typeface="Arial"/>
               <a:buChar char="•"/>
-              <a:defRPr b="0" i="0" sz="1799" u="none" cap="none" strike="noStrike">
+              <a:defRPr sz="1799" b="0" i="0" u="none" strike="noStrike" cap="none">
                 <a:solidFill>
                   <a:schemeClr val="dk1"/>
                 </a:solidFill>
@@ -4901,7 +4980,7 @@
                 <a:sym typeface="Arial"/>
               </a:defRPr>
             </a:lvl6pPr>
-            <a:lvl7pPr indent="-342836" lvl="6" marL="3200400" marR="0" rtl="0" algn="l">
+            <a:lvl7pPr marL="3200400" marR="0" lvl="6" indent="-342836" algn="l" rtl="0">
               <a:lnSpc>
                 <a:spcPct val="90000"/>
               </a:lnSpc>
@@ -4917,7 +4996,7 @@
               <a:buSzPts val="1799"/>
               <a:buFont typeface="Arial"/>
               <a:buChar char="•"/>
-              <a:defRPr b="0" i="0" sz="1799" u="none" cap="none" strike="noStrike">
+              <a:defRPr sz="1799" b="0" i="0" u="none" strike="noStrike" cap="none">
                 <a:solidFill>
                   <a:schemeClr val="dk1"/>
                 </a:solidFill>
@@ -4927,7 +5006,7 @@
                 <a:sym typeface="Arial"/>
               </a:defRPr>
             </a:lvl7pPr>
-            <a:lvl8pPr indent="-342836" lvl="7" marL="3657600" marR="0" rtl="0" algn="l">
+            <a:lvl8pPr marL="3657600" marR="0" lvl="7" indent="-342836" algn="l" rtl="0">
               <a:lnSpc>
                 <a:spcPct val="90000"/>
               </a:lnSpc>
@@ -4943,7 +5022,7 @@
               <a:buSzPts val="1799"/>
               <a:buFont typeface="Arial"/>
               <a:buChar char="•"/>
-              <a:defRPr b="0" i="0" sz="1799" u="none" cap="none" strike="noStrike">
+              <a:defRPr sz="1799" b="0" i="0" u="none" strike="noStrike" cap="none">
                 <a:solidFill>
                   <a:schemeClr val="dk1"/>
                 </a:solidFill>
@@ -4953,7 +5032,7 @@
                 <a:sym typeface="Arial"/>
               </a:defRPr>
             </a:lvl8pPr>
-            <a:lvl9pPr indent="-342836" lvl="8" marL="4114800" marR="0" rtl="0" algn="l">
+            <a:lvl9pPr marL="4114800" marR="0" lvl="8" indent="-342836" algn="l" rtl="0">
               <a:lnSpc>
                 <a:spcPct val="90000"/>
               </a:lnSpc>
@@ -4969,7 +5048,7 @@
               <a:buSzPts val="1799"/>
               <a:buFont typeface="Arial"/>
               <a:buChar char="•"/>
-              <a:defRPr b="0" i="0" sz="1799" u="none" cap="none" strike="noStrike">
+              <a:defRPr sz="1799" b="0" i="0" u="none" strike="noStrike" cap="none">
                 <a:solidFill>
                   <a:schemeClr val="dk1"/>
                 </a:solidFill>
@@ -4980,15 +5059,19 @@
               </a:defRPr>
             </a:lvl9pPr>
           </a:lstStyle>
-          <a:p/>
+          <a:p>
+            <a:endParaRPr/>
+          </a:p>
         </p:txBody>
       </p:sp>
       <p:sp>
         <p:nvSpPr>
           <p:cNvPr id="31" name="Google Shape;31;p8"/>
-          <p:cNvSpPr txBox="1"/>
+          <p:cNvSpPr txBox="1">
+            <a:spLocks noGrp="1"/>
+          </p:cNvSpPr>
           <p:nvPr>
-            <p:ph idx="3" type="body"/>
+            <p:ph type="body" idx="3"/>
           </p:nvPr>
         </p:nvSpPr>
         <p:spPr>
@@ -5005,11 +5088,11 @@
           </a:ln>
         </p:spPr>
         <p:txBody>
-          <a:bodyPr anchorCtr="0" anchor="t" bIns="0" lIns="0" spcFirstLastPara="1" rIns="0" wrap="square" tIns="0">
+          <a:bodyPr spcFirstLastPara="1" wrap="square" lIns="0" tIns="0" rIns="0" bIns="0" anchor="t" anchorCtr="0">
             <a:spAutoFit/>
           </a:bodyPr>
           <a:lstStyle>
-            <a:lvl1pPr indent="-228600" lvl="0" marL="457200" marR="0" rtl="0" algn="r">
+            <a:lvl1pPr marL="457200" marR="0" lvl="0" indent="-228600" algn="r" rtl="0">
               <a:lnSpc>
                 <a:spcPct val="100000"/>
               </a:lnSpc>
@@ -5025,7 +5108,7 @@
               <a:buSzPts val="1600"/>
               <a:buFont typeface="Arial"/>
               <a:buNone/>
-              <a:defRPr b="0" i="0" sz="1600" u="none" cap="none" strike="noStrike">
+              <a:defRPr sz="1600" b="0" i="0" u="none" strike="noStrike" cap="none">
                 <a:solidFill>
                   <a:srgbClr val="D8D8D8"/>
                 </a:solidFill>
@@ -5035,7 +5118,7 @@
                 <a:sym typeface="Arial"/>
               </a:defRPr>
             </a:lvl1pPr>
-            <a:lvl2pPr indent="-380936" lvl="1" marL="914400" marR="0" rtl="0" algn="l">
+            <a:lvl2pPr marL="914400" marR="0" lvl="1" indent="-380936" algn="l" rtl="0">
               <a:lnSpc>
                 <a:spcPct val="90000"/>
               </a:lnSpc>
@@ -5051,7 +5134,7 @@
               <a:buSzPts val="2399"/>
               <a:buFont typeface="Arial"/>
               <a:buChar char="•"/>
-              <a:defRPr b="0" i="0" sz="2399" u="none" cap="none" strike="noStrike">
+              <a:defRPr sz="2399" b="0" i="0" u="none" strike="noStrike" cap="none">
                 <a:solidFill>
                   <a:schemeClr val="dk1"/>
                 </a:solidFill>
@@ -5061,7 +5144,7 @@
                 <a:sym typeface="Arial"/>
               </a:defRPr>
             </a:lvl2pPr>
-            <a:lvl3pPr indent="-355536" lvl="2" marL="1371600" marR="0" rtl="0" algn="l">
+            <a:lvl3pPr marL="1371600" marR="0" lvl="2" indent="-355536" algn="l" rtl="0">
               <a:lnSpc>
                 <a:spcPct val="90000"/>
               </a:lnSpc>
@@ -5077,7 +5160,7 @@
               <a:buSzPts val="1999"/>
               <a:buFont typeface="Arial"/>
               <a:buChar char="•"/>
-              <a:defRPr b="0" i="0" sz="1999" u="none" cap="none" strike="noStrike">
+              <a:defRPr sz="1999" b="0" i="0" u="none" strike="noStrike" cap="none">
                 <a:solidFill>
                   <a:schemeClr val="dk1"/>
                 </a:solidFill>
@@ -5087,7 +5170,7 @@
                 <a:sym typeface="Arial"/>
               </a:defRPr>
             </a:lvl3pPr>
-            <a:lvl4pPr indent="-342836" lvl="3" marL="1828800" marR="0" rtl="0" algn="l">
+            <a:lvl4pPr marL="1828800" marR="0" lvl="3" indent="-342836" algn="l" rtl="0">
               <a:lnSpc>
                 <a:spcPct val="90000"/>
               </a:lnSpc>
@@ -5103,7 +5186,7 @@
               <a:buSzPts val="1799"/>
               <a:buFont typeface="Arial"/>
               <a:buChar char="•"/>
-              <a:defRPr b="0" i="0" sz="1799" u="none" cap="none" strike="noStrike">
+              <a:defRPr sz="1799" b="0" i="0" u="none" strike="noStrike" cap="none">
                 <a:solidFill>
                   <a:schemeClr val="dk1"/>
                 </a:solidFill>
@@ -5113,7 +5196,7 @@
                 <a:sym typeface="Arial"/>
               </a:defRPr>
             </a:lvl4pPr>
-            <a:lvl5pPr indent="-342836" lvl="4" marL="2286000" marR="0" rtl="0" algn="l">
+            <a:lvl5pPr marL="2286000" marR="0" lvl="4" indent="-342836" algn="l" rtl="0">
               <a:lnSpc>
                 <a:spcPct val="90000"/>
               </a:lnSpc>
@@ -5129,7 +5212,7 @@
               <a:buSzPts val="1799"/>
               <a:buFont typeface="Arial"/>
               <a:buChar char="•"/>
-              <a:defRPr b="0" i="0" sz="1799" u="none" cap="none" strike="noStrike">
+              <a:defRPr sz="1799" b="0" i="0" u="none" strike="noStrike" cap="none">
                 <a:solidFill>
                   <a:schemeClr val="dk1"/>
                 </a:solidFill>
@@ -5139,7 +5222,7 @@
                 <a:sym typeface="Arial"/>
               </a:defRPr>
             </a:lvl5pPr>
-            <a:lvl6pPr indent="-342836" lvl="5" marL="2743200" marR="0" rtl="0" algn="l">
+            <a:lvl6pPr marL="2743200" marR="0" lvl="5" indent="-342836" algn="l" rtl="0">
               <a:lnSpc>
                 <a:spcPct val="90000"/>
               </a:lnSpc>
@@ -5155,7 +5238,7 @@
               <a:buSzPts val="1799"/>
               <a:buFont typeface="Arial"/>
               <a:buChar char="•"/>
-              <a:defRPr b="0" i="0" sz="1799" u="none" cap="none" strike="noStrike">
+              <a:defRPr sz="1799" b="0" i="0" u="none" strike="noStrike" cap="none">
                 <a:solidFill>
                   <a:schemeClr val="dk1"/>
                 </a:solidFill>
@@ -5165,7 +5248,7 @@
                 <a:sym typeface="Arial"/>
               </a:defRPr>
             </a:lvl6pPr>
-            <a:lvl7pPr indent="-342836" lvl="6" marL="3200400" marR="0" rtl="0" algn="l">
+            <a:lvl7pPr marL="3200400" marR="0" lvl="6" indent="-342836" algn="l" rtl="0">
               <a:lnSpc>
                 <a:spcPct val="90000"/>
               </a:lnSpc>
@@ -5181,7 +5264,7 @@
               <a:buSzPts val="1799"/>
               <a:buFont typeface="Arial"/>
               <a:buChar char="•"/>
-              <a:defRPr b="0" i="0" sz="1799" u="none" cap="none" strike="noStrike">
+              <a:defRPr sz="1799" b="0" i="0" u="none" strike="noStrike" cap="none">
                 <a:solidFill>
                   <a:schemeClr val="dk1"/>
                 </a:solidFill>
@@ -5191,7 +5274,7 @@
                 <a:sym typeface="Arial"/>
               </a:defRPr>
             </a:lvl7pPr>
-            <a:lvl8pPr indent="-342836" lvl="7" marL="3657600" marR="0" rtl="0" algn="l">
+            <a:lvl8pPr marL="3657600" marR="0" lvl="7" indent="-342836" algn="l" rtl="0">
               <a:lnSpc>
                 <a:spcPct val="90000"/>
               </a:lnSpc>
@@ -5207,7 +5290,7 @@
               <a:buSzPts val="1799"/>
               <a:buFont typeface="Arial"/>
               <a:buChar char="•"/>
-              <a:defRPr b="0" i="0" sz="1799" u="none" cap="none" strike="noStrike">
+              <a:defRPr sz="1799" b="0" i="0" u="none" strike="noStrike" cap="none">
                 <a:solidFill>
                   <a:schemeClr val="dk1"/>
                 </a:solidFill>
@@ -5217,7 +5300,7 @@
                 <a:sym typeface="Arial"/>
               </a:defRPr>
             </a:lvl8pPr>
-            <a:lvl9pPr indent="-342836" lvl="8" marL="4114800" marR="0" rtl="0" algn="l">
+            <a:lvl9pPr marL="4114800" marR="0" lvl="8" indent="-342836" algn="l" rtl="0">
               <a:lnSpc>
                 <a:spcPct val="90000"/>
               </a:lnSpc>
@@ -5233,7 +5316,7 @@
               <a:buSzPts val="1799"/>
               <a:buFont typeface="Arial"/>
               <a:buChar char="•"/>
-              <a:defRPr b="0" i="0" sz="1799" u="none" cap="none" strike="noStrike">
+              <a:defRPr sz="1799" b="0" i="0" u="none" strike="noStrike" cap="none">
                 <a:solidFill>
                   <a:schemeClr val="dk1"/>
                 </a:solidFill>
@@ -5244,15 +5327,19 @@
               </a:defRPr>
             </a:lvl9pPr>
           </a:lstStyle>
-          <a:p/>
+          <a:p>
+            <a:endParaRPr/>
+          </a:p>
         </p:txBody>
       </p:sp>
       <p:sp>
         <p:nvSpPr>
           <p:cNvPr id="32" name="Google Shape;32;p8"/>
-          <p:cNvSpPr txBox="1"/>
+          <p:cNvSpPr txBox="1">
+            <a:spLocks noGrp="1"/>
+          </p:cNvSpPr>
           <p:nvPr>
-            <p:ph idx="4" type="body"/>
+            <p:ph type="body" idx="4"/>
           </p:nvPr>
         </p:nvSpPr>
         <p:spPr>
@@ -5269,11 +5356,11 @@
           </a:ln>
         </p:spPr>
         <p:txBody>
-          <a:bodyPr anchorCtr="0" anchor="t" bIns="0" lIns="0" spcFirstLastPara="1" rIns="0" wrap="square" tIns="0">
+          <a:bodyPr spcFirstLastPara="1" wrap="square" lIns="0" tIns="0" rIns="0" bIns="0" anchor="t" anchorCtr="0">
             <a:spAutoFit/>
           </a:bodyPr>
           <a:lstStyle>
-            <a:lvl1pPr indent="-228600" lvl="0" marL="457200" marR="0" rtl="0" algn="l">
+            <a:lvl1pPr marL="457200" marR="0" lvl="0" indent="-228600" algn="l" rtl="0">
               <a:lnSpc>
                 <a:spcPct val="100000"/>
               </a:lnSpc>
@@ -5289,7 +5376,7 @@
               <a:buSzPts val="1600"/>
               <a:buFont typeface="Arial"/>
               <a:buNone/>
-              <a:defRPr b="0" i="0" sz="1600" u="none" cap="none" strike="noStrike">
+              <a:defRPr sz="1600" b="0" i="0" u="none" strike="noStrike" cap="none">
                 <a:solidFill>
                   <a:srgbClr val="D8D8D8"/>
                 </a:solidFill>
@@ -5299,7 +5386,7 @@
                 <a:sym typeface="Arial"/>
               </a:defRPr>
             </a:lvl1pPr>
-            <a:lvl2pPr indent="-380936" lvl="1" marL="914400" marR="0" rtl="0" algn="l">
+            <a:lvl2pPr marL="914400" marR="0" lvl="1" indent="-380936" algn="l" rtl="0">
               <a:lnSpc>
                 <a:spcPct val="90000"/>
               </a:lnSpc>
@@ -5315,7 +5402,7 @@
               <a:buSzPts val="2399"/>
               <a:buFont typeface="Arial"/>
               <a:buChar char="•"/>
-              <a:defRPr b="0" i="0" sz="2399" u="none" cap="none" strike="noStrike">
+              <a:defRPr sz="2399" b="0" i="0" u="none" strike="noStrike" cap="none">
                 <a:solidFill>
                   <a:schemeClr val="dk1"/>
                 </a:solidFill>
@@ -5325,7 +5412,7 @@
                 <a:sym typeface="Arial"/>
               </a:defRPr>
             </a:lvl2pPr>
-            <a:lvl3pPr indent="-355536" lvl="2" marL="1371600" marR="0" rtl="0" algn="l">
+            <a:lvl3pPr marL="1371600" marR="0" lvl="2" indent="-355536" algn="l" rtl="0">
               <a:lnSpc>
                 <a:spcPct val="90000"/>
               </a:lnSpc>
@@ -5341,7 +5428,7 @@
               <a:buSzPts val="1999"/>
               <a:buFont typeface="Arial"/>
               <a:buChar char="•"/>
-              <a:defRPr b="0" i="0" sz="1999" u="none" cap="none" strike="noStrike">
+              <a:defRPr sz="1999" b="0" i="0" u="none" strike="noStrike" cap="none">
                 <a:solidFill>
                   <a:schemeClr val="dk1"/>
                 </a:solidFill>
@@ -5351,7 +5438,7 @@
                 <a:sym typeface="Arial"/>
               </a:defRPr>
             </a:lvl3pPr>
-            <a:lvl4pPr indent="-342836" lvl="3" marL="1828800" marR="0" rtl="0" algn="l">
+            <a:lvl4pPr marL="1828800" marR="0" lvl="3" indent="-342836" algn="l" rtl="0">
               <a:lnSpc>
                 <a:spcPct val="90000"/>
               </a:lnSpc>
@@ -5367,7 +5454,7 @@
               <a:buSzPts val="1799"/>
               <a:buFont typeface="Arial"/>
               <a:buChar char="•"/>
-              <a:defRPr b="0" i="0" sz="1799" u="none" cap="none" strike="noStrike">
+              <a:defRPr sz="1799" b="0" i="0" u="none" strike="noStrike" cap="none">
                 <a:solidFill>
                   <a:schemeClr val="dk1"/>
                 </a:solidFill>
@@ -5377,7 +5464,7 @@
                 <a:sym typeface="Arial"/>
               </a:defRPr>
             </a:lvl4pPr>
-            <a:lvl5pPr indent="-342836" lvl="4" marL="2286000" marR="0" rtl="0" algn="l">
+            <a:lvl5pPr marL="2286000" marR="0" lvl="4" indent="-342836" algn="l" rtl="0">
               <a:lnSpc>
                 <a:spcPct val="90000"/>
               </a:lnSpc>
@@ -5393,7 +5480,7 @@
               <a:buSzPts val="1799"/>
               <a:buFont typeface="Arial"/>
               <a:buChar char="•"/>
-              <a:defRPr b="0" i="0" sz="1799" u="none" cap="none" strike="noStrike">
+              <a:defRPr sz="1799" b="0" i="0" u="none" strike="noStrike" cap="none">
                 <a:solidFill>
                   <a:schemeClr val="dk1"/>
                 </a:solidFill>
@@ -5403,7 +5490,7 @@
                 <a:sym typeface="Arial"/>
               </a:defRPr>
             </a:lvl5pPr>
-            <a:lvl6pPr indent="-342836" lvl="5" marL="2743200" marR="0" rtl="0" algn="l">
+            <a:lvl6pPr marL="2743200" marR="0" lvl="5" indent="-342836" algn="l" rtl="0">
               <a:lnSpc>
                 <a:spcPct val="90000"/>
               </a:lnSpc>
@@ -5419,7 +5506,7 @@
               <a:buSzPts val="1799"/>
               <a:buFont typeface="Arial"/>
               <a:buChar char="•"/>
-              <a:defRPr b="0" i="0" sz="1799" u="none" cap="none" strike="noStrike">
+              <a:defRPr sz="1799" b="0" i="0" u="none" strike="noStrike" cap="none">
                 <a:solidFill>
                   <a:schemeClr val="dk1"/>
                 </a:solidFill>
@@ -5429,7 +5516,7 @@
                 <a:sym typeface="Arial"/>
               </a:defRPr>
             </a:lvl6pPr>
-            <a:lvl7pPr indent="-342836" lvl="6" marL="3200400" marR="0" rtl="0" algn="l">
+            <a:lvl7pPr marL="3200400" marR="0" lvl="6" indent="-342836" algn="l" rtl="0">
               <a:lnSpc>
                 <a:spcPct val="90000"/>
               </a:lnSpc>
@@ -5445,7 +5532,7 @@
               <a:buSzPts val="1799"/>
               <a:buFont typeface="Arial"/>
               <a:buChar char="•"/>
-              <a:defRPr b="0" i="0" sz="1799" u="none" cap="none" strike="noStrike">
+              <a:defRPr sz="1799" b="0" i="0" u="none" strike="noStrike" cap="none">
                 <a:solidFill>
                   <a:schemeClr val="dk1"/>
                 </a:solidFill>
@@ -5455,7 +5542,7 @@
                 <a:sym typeface="Arial"/>
               </a:defRPr>
             </a:lvl7pPr>
-            <a:lvl8pPr indent="-342836" lvl="7" marL="3657600" marR="0" rtl="0" algn="l">
+            <a:lvl8pPr marL="3657600" marR="0" lvl="7" indent="-342836" algn="l" rtl="0">
               <a:lnSpc>
                 <a:spcPct val="90000"/>
               </a:lnSpc>
@@ -5471,7 +5558,7 @@
               <a:buSzPts val="1799"/>
               <a:buFont typeface="Arial"/>
               <a:buChar char="•"/>
-              <a:defRPr b="0" i="0" sz="1799" u="none" cap="none" strike="noStrike">
+              <a:defRPr sz="1799" b="0" i="0" u="none" strike="noStrike" cap="none">
                 <a:solidFill>
                   <a:schemeClr val="dk1"/>
                 </a:solidFill>
@@ -5481,7 +5568,7 @@
                 <a:sym typeface="Arial"/>
               </a:defRPr>
             </a:lvl8pPr>
-            <a:lvl9pPr indent="-342836" lvl="8" marL="4114800" marR="0" rtl="0" algn="l">
+            <a:lvl9pPr marL="4114800" marR="0" lvl="8" indent="-342836" algn="l" rtl="0">
               <a:lnSpc>
                 <a:spcPct val="90000"/>
               </a:lnSpc>
@@ -5497,7 +5584,7 @@
               <a:buSzPts val="1799"/>
               <a:buFont typeface="Arial"/>
               <a:buChar char="•"/>
-              <a:defRPr b="0" i="0" sz="1799" u="none" cap="none" strike="noStrike">
+              <a:defRPr sz="1799" b="0" i="0" u="none" strike="noStrike" cap="none">
                 <a:solidFill>
                   <a:schemeClr val="dk1"/>
                 </a:solidFill>
@@ -5508,15 +5595,19 @@
               </a:defRPr>
             </a:lvl9pPr>
           </a:lstStyle>
-          <a:p/>
+          <a:p>
+            <a:endParaRPr/>
+          </a:p>
         </p:txBody>
       </p:sp>
       <p:sp>
         <p:nvSpPr>
           <p:cNvPr id="33" name="Google Shape;33;p8"/>
-          <p:cNvSpPr txBox="1"/>
+          <p:cNvSpPr txBox="1">
+            <a:spLocks noGrp="1"/>
+          </p:cNvSpPr>
           <p:nvPr>
-            <p:ph idx="5" type="body"/>
+            <p:ph type="body" idx="5"/>
           </p:nvPr>
         </p:nvSpPr>
         <p:spPr>
@@ -5533,11 +5624,11 @@
           </a:ln>
         </p:spPr>
         <p:txBody>
-          <a:bodyPr anchorCtr="0" anchor="t" bIns="0" lIns="0" spcFirstLastPara="1" rIns="0" wrap="square" tIns="0">
+          <a:bodyPr spcFirstLastPara="1" wrap="square" lIns="0" tIns="0" rIns="0" bIns="0" anchor="t" anchorCtr="0">
             <a:noAutofit/>
           </a:bodyPr>
           <a:lstStyle>
-            <a:lvl1pPr indent="-321945" lvl="0" marL="457200" marR="0" rtl="0" algn="l">
+            <a:lvl1pPr marL="457200" marR="0" lvl="0" indent="-321945" algn="l" rtl="0">
               <a:lnSpc>
                 <a:spcPct val="128571"/>
               </a:lnSpc>
@@ -5553,7 +5644,7 @@
               <a:buSzPts val="1470"/>
               <a:buFont typeface="Arial"/>
               <a:buChar char="•"/>
-              <a:defRPr b="0" i="0" sz="1400" u="none" cap="none" strike="noStrike">
+              <a:defRPr sz="1400" b="0" i="0" u="none" strike="noStrike" cap="none">
                 <a:solidFill>
                   <a:srgbClr val="262626"/>
                 </a:solidFill>
@@ -5563,7 +5654,7 @@
                 <a:sym typeface="Arial"/>
               </a:defRPr>
             </a:lvl1pPr>
-            <a:lvl2pPr indent="-294640" lvl="1" marL="914400" marR="0" rtl="0" algn="l">
+            <a:lvl2pPr marL="914400" marR="0" lvl="1" indent="-294640" algn="l" rtl="0">
               <a:lnSpc>
                 <a:spcPct val="138461"/>
               </a:lnSpc>
@@ -5579,7 +5670,7 @@
               <a:buSzPts val="1040"/>
               <a:buFont typeface="Arial"/>
               <a:buChar char="•"/>
-              <a:defRPr b="0" i="0" sz="1300" u="none" cap="none" strike="noStrike">
+              <a:defRPr sz="1300" b="0" i="0" u="none" strike="noStrike" cap="none">
                 <a:solidFill>
                   <a:srgbClr val="262626"/>
                 </a:solidFill>
@@ -5589,7 +5680,7 @@
                 <a:sym typeface="Arial"/>
               </a:defRPr>
             </a:lvl2pPr>
-            <a:lvl3pPr indent="-355536" lvl="2" marL="1371600" marR="0" rtl="0" algn="l">
+            <a:lvl3pPr marL="1371600" marR="0" lvl="2" indent="-355536" algn="l" rtl="0">
               <a:lnSpc>
                 <a:spcPct val="90000"/>
               </a:lnSpc>
@@ -5605,7 +5696,7 @@
               <a:buSzPts val="1999"/>
               <a:buFont typeface="Arial"/>
               <a:buChar char="•"/>
-              <a:defRPr b="0" i="0" sz="1999" u="none" cap="none" strike="noStrike">
+              <a:defRPr sz="1999" b="0" i="0" u="none" strike="noStrike" cap="none">
                 <a:solidFill>
                   <a:schemeClr val="dk1"/>
                 </a:solidFill>
@@ -5615,7 +5706,7 @@
                 <a:sym typeface="Arial"/>
               </a:defRPr>
             </a:lvl3pPr>
-            <a:lvl4pPr indent="-342836" lvl="3" marL="1828800" marR="0" rtl="0" algn="l">
+            <a:lvl4pPr marL="1828800" marR="0" lvl="3" indent="-342836" algn="l" rtl="0">
               <a:lnSpc>
                 <a:spcPct val="90000"/>
               </a:lnSpc>
@@ -5631,7 +5722,7 @@
               <a:buSzPts val="1799"/>
               <a:buFont typeface="Arial"/>
               <a:buChar char="•"/>
-              <a:defRPr b="0" i="0" sz="1799" u="none" cap="none" strike="noStrike">
+              <a:defRPr sz="1799" b="0" i="0" u="none" strike="noStrike" cap="none">
                 <a:solidFill>
                   <a:schemeClr val="dk1"/>
                 </a:solidFill>
@@ -5641,7 +5732,7 @@
                 <a:sym typeface="Arial"/>
               </a:defRPr>
             </a:lvl4pPr>
-            <a:lvl5pPr indent="-342836" lvl="4" marL="2286000" marR="0" rtl="0" algn="l">
+            <a:lvl5pPr marL="2286000" marR="0" lvl="4" indent="-342836" algn="l" rtl="0">
               <a:lnSpc>
                 <a:spcPct val="90000"/>
               </a:lnSpc>
@@ -5657,7 +5748,7 @@
               <a:buSzPts val="1799"/>
               <a:buFont typeface="Arial"/>
               <a:buChar char="•"/>
-              <a:defRPr b="0" i="0" sz="1799" u="none" cap="none" strike="noStrike">
+              <a:defRPr sz="1799" b="0" i="0" u="none" strike="noStrike" cap="none">
                 <a:solidFill>
                   <a:schemeClr val="dk1"/>
                 </a:solidFill>
@@ -5667,7 +5758,7 @@
                 <a:sym typeface="Arial"/>
               </a:defRPr>
             </a:lvl5pPr>
-            <a:lvl6pPr indent="-342836" lvl="5" marL="2743200" marR="0" rtl="0" algn="l">
+            <a:lvl6pPr marL="2743200" marR="0" lvl="5" indent="-342836" algn="l" rtl="0">
               <a:lnSpc>
                 <a:spcPct val="90000"/>
               </a:lnSpc>
@@ -5683,7 +5774,7 @@
               <a:buSzPts val="1799"/>
               <a:buFont typeface="Arial"/>
               <a:buChar char="•"/>
-              <a:defRPr b="0" i="0" sz="1799" u="none" cap="none" strike="noStrike">
+              <a:defRPr sz="1799" b="0" i="0" u="none" strike="noStrike" cap="none">
                 <a:solidFill>
                   <a:schemeClr val="dk1"/>
                 </a:solidFill>
@@ -5693,7 +5784,7 @@
                 <a:sym typeface="Arial"/>
               </a:defRPr>
             </a:lvl6pPr>
-            <a:lvl7pPr indent="-342836" lvl="6" marL="3200400" marR="0" rtl="0" algn="l">
+            <a:lvl7pPr marL="3200400" marR="0" lvl="6" indent="-342836" algn="l" rtl="0">
               <a:lnSpc>
                 <a:spcPct val="90000"/>
               </a:lnSpc>
@@ -5709,7 +5800,7 @@
               <a:buSzPts val="1799"/>
               <a:buFont typeface="Arial"/>
               <a:buChar char="•"/>
-              <a:defRPr b="0" i="0" sz="1799" u="none" cap="none" strike="noStrike">
+              <a:defRPr sz="1799" b="0" i="0" u="none" strike="noStrike" cap="none">
                 <a:solidFill>
                   <a:schemeClr val="dk1"/>
                 </a:solidFill>
@@ -5719,7 +5810,7 @@
                 <a:sym typeface="Arial"/>
               </a:defRPr>
             </a:lvl7pPr>
-            <a:lvl8pPr indent="-342836" lvl="7" marL="3657600" marR="0" rtl="0" algn="l">
+            <a:lvl8pPr marL="3657600" marR="0" lvl="7" indent="-342836" algn="l" rtl="0">
               <a:lnSpc>
                 <a:spcPct val="90000"/>
               </a:lnSpc>
@@ -5735,7 +5826,7 @@
               <a:buSzPts val="1799"/>
               <a:buFont typeface="Arial"/>
               <a:buChar char="•"/>
-              <a:defRPr b="0" i="0" sz="1799" u="none" cap="none" strike="noStrike">
+              <a:defRPr sz="1799" b="0" i="0" u="none" strike="noStrike" cap="none">
                 <a:solidFill>
                   <a:schemeClr val="dk1"/>
                 </a:solidFill>
@@ -5745,7 +5836,7 @@
                 <a:sym typeface="Arial"/>
               </a:defRPr>
             </a:lvl8pPr>
-            <a:lvl9pPr indent="-342836" lvl="8" marL="4114800" marR="0" rtl="0" algn="l">
+            <a:lvl9pPr marL="4114800" marR="0" lvl="8" indent="-342836" algn="l" rtl="0">
               <a:lnSpc>
                 <a:spcPct val="90000"/>
               </a:lnSpc>
@@ -5761,7 +5852,7 @@
               <a:buSzPts val="1799"/>
               <a:buFont typeface="Arial"/>
               <a:buChar char="•"/>
-              <a:defRPr b="0" i="0" sz="1799" u="none" cap="none" strike="noStrike">
+              <a:defRPr sz="1799" b="0" i="0" u="none" strike="noStrike" cap="none">
                 <a:solidFill>
                   <a:schemeClr val="dk1"/>
                 </a:solidFill>
@@ -5772,7 +5863,9 @@
               </a:defRPr>
             </a:lvl9pPr>
           </a:lstStyle>
-          <a:p/>
+          <a:p>
+            <a:endParaRPr/>
+          </a:p>
         </p:txBody>
       </p:sp>
       <p:sp>
@@ -5795,12 +5888,12 @@
           </a:ln>
         </p:spPr>
         <p:txBody>
-          <a:bodyPr anchorCtr="0" anchor="ctr" bIns="0" lIns="0" spcFirstLastPara="1" rIns="0" wrap="square" tIns="0">
+          <a:bodyPr spcFirstLastPara="1" wrap="square" lIns="0" tIns="0" rIns="0" bIns="0" anchor="ctr" anchorCtr="0">
             <a:spAutoFit/>
           </a:bodyPr>
           <a:lstStyle/>
           <a:p>
-            <a:pPr indent="0" lvl="0" marL="0" marR="0" rtl="0" algn="r">
+            <a:pPr marL="0" marR="0" lvl="0" indent="0" algn="r" rtl="0">
               <a:spcBef>
                 <a:spcPts val="0"/>
               </a:spcBef>
@@ -5819,7 +5912,7 @@
                 <a:cs typeface="Arial"/>
                 <a:sym typeface="Arial"/>
               </a:rPr>
-              <a:t>Project Name</a:t>
+              <a:t>Covid Data Analysis</a:t>
             </a:r>
             <a:endParaRPr/>
           </a:p>
@@ -5832,7 +5925,7 @@
   </p:clrMapOvr>
   <p:extLst>
     <p:ext uri="{DCECCB84-F9BA-43D5-87BE-67443E8EF086}">
-      <p15:sldGuideLst>
+      <p15:sldGuideLst xmlns:p15="http://schemas.microsoft.com/office/powerpoint/2012/main">
         <p15:guide id="1" orient="horz" pos="902">
           <p15:clr>
             <a:srgbClr val="FBAE40"/>
@@ -5860,11 +5953,11 @@
 </file>
 
 <file path=ppt/slideLayouts/slideLayout4.xml><?xml version="1.0" encoding="utf-8"?>
-<p:sldLayout xmlns:a="http://schemas.openxmlformats.org/drawingml/2006/main" xmlns:r="http://schemas.openxmlformats.org/officeDocument/2006/relationships" xmlns:mc="http://schemas.openxmlformats.org/markup-compatibility/2006" xmlns:mv="urn:schemas-microsoft-com:mac:vml" xmlns:p="http://schemas.openxmlformats.org/presentationml/2006/main" xmlns:c="http://schemas.openxmlformats.org/drawingml/2006/chart" xmlns:dgm="http://schemas.openxmlformats.org/drawingml/2006/diagram" xmlns:o="urn:schemas-microsoft-com:office:office" xmlns:v="urn:schemas-microsoft-com:vml" xmlns:pvml="urn:schemas-microsoft-com:office:powerpoint" xmlns:com="http://schemas.openxmlformats.org/drawingml/2006/compatibility" xmlns:p14="http://schemas.microsoft.com/office/powerpoint/2010/main" xmlns:p15="http://schemas.microsoft.com/office/powerpoint/2012/main" xmlns:ahyp="http://schemas.microsoft.com/office/drawing/2018/hyperlinkcolor" matchingName="last" type="blank">
+<p:sldLayout xmlns:a="http://schemas.openxmlformats.org/drawingml/2006/main" xmlns:r="http://schemas.openxmlformats.org/officeDocument/2006/relationships" xmlns:p="http://schemas.openxmlformats.org/presentationml/2006/main" matchingName="last" type="blank">
   <p:cSld name="BLANK">
     <p:spTree>
       <p:nvGrpSpPr>
-        <p:cNvPr id="35" name="Shape 35"/>
+        <p:cNvPr id="1" name="Shape 35"/>
         <p:cNvGrpSpPr/>
         <p:nvPr/>
       </p:nvGrpSpPr>
@@ -5886,7 +5979,7 @@
           <a:blip r:embed="rId2">
             <a:alphaModFix/>
           </a:blip>
-          <a:srcRect b="0" l="0" r="0" t="0"/>
+          <a:srcRect/>
           <a:stretch/>
         </p:blipFill>
         <p:spPr>
@@ -5927,12 +6020,12 @@
           </a:ln>
         </p:spPr>
         <p:txBody>
-          <a:bodyPr anchorCtr="0" anchor="ctr" bIns="45700" lIns="91425" spcFirstLastPara="1" rIns="91425" wrap="square" tIns="45700">
+          <a:bodyPr spcFirstLastPara="1" wrap="square" lIns="91425" tIns="45700" rIns="91425" bIns="45700" anchor="ctr" anchorCtr="0">
             <a:noAutofit/>
           </a:bodyPr>
           <a:lstStyle/>
           <a:p>
-            <a:pPr indent="0" lvl="0" marL="0" marR="0" rtl="0" algn="ctr">
+            <a:pPr marL="0" marR="0" lvl="0" indent="0" algn="ctr" rtl="0">
               <a:spcBef>
                 <a:spcPts val="0"/>
               </a:spcBef>
@@ -5941,9 +6034,6 @@
               </a:spcAft>
               <a:buNone/>
             </a:pPr>
-            <a:r>
-              <a:t/>
-            </a:r>
             <a:endParaRPr sz="1959">
               <a:solidFill>
                 <a:schemeClr val="lt1"/>
@@ -5976,12 +6066,12 @@
           </a:ln>
         </p:spPr>
         <p:txBody>
-          <a:bodyPr anchorCtr="0" anchor="t" bIns="0" lIns="0" spcFirstLastPara="1" rIns="0" wrap="square" tIns="0">
+          <a:bodyPr spcFirstLastPara="1" wrap="square" lIns="0" tIns="0" rIns="0" bIns="0" anchor="t" anchorCtr="0">
             <a:spAutoFit/>
           </a:bodyPr>
           <a:lstStyle/>
           <a:p>
-            <a:pPr indent="0" lvl="0" marL="0" marR="0" rtl="0" algn="l">
+            <a:pPr marL="0" marR="0" lvl="0" indent="0" algn="l" rtl="0">
               <a:lnSpc>
                 <a:spcPct val="100000"/>
               </a:lnSpc>
@@ -5999,7 +6089,7 @@
               <a:buNone/>
             </a:pPr>
             <a:r>
-              <a:rPr b="0" i="0" lang="en-US" sz="1000" u="none" cap="none" strike="noStrike">
+              <a:rPr lang="en-US" sz="1000" b="0" i="0" u="none" strike="noStrike" cap="none">
                 <a:solidFill>
                   <a:srgbClr val="FFFFFF"/>
                 </a:solidFill>
@@ -6013,7 +6103,7 @@
             <a:endParaRPr/>
           </a:p>
           <a:p>
-            <a:pPr indent="0" lvl="0" marL="0" marR="0" rtl="0" algn="l">
+            <a:pPr marL="0" marR="0" lvl="0" indent="0" algn="l" rtl="0">
               <a:lnSpc>
                 <a:spcPct val="100000"/>
               </a:lnSpc>
@@ -6031,7 +6121,7 @@
               <a:buNone/>
             </a:pPr>
             <a:r>
-              <a:rPr b="0" i="0" lang="en-US" sz="1000" u="none" cap="none" strike="noStrike">
+              <a:rPr lang="en-US" sz="1000" b="0" i="0" u="none" strike="noStrike" cap="none">
                 <a:solidFill>
                   <a:srgbClr val="FFFFFF"/>
                 </a:solidFill>
@@ -6045,7 +6135,7 @@
             <a:endParaRPr/>
           </a:p>
           <a:p>
-            <a:pPr indent="0" lvl="0" marL="0" marR="0" rtl="0" algn="l">
+            <a:pPr marL="0" marR="0" lvl="0" indent="0" algn="l" rtl="0">
               <a:lnSpc>
                 <a:spcPct val="100000"/>
               </a:lnSpc>
@@ -6063,7 +6153,7 @@
               <a:buNone/>
             </a:pPr>
             <a:r>
-              <a:rPr b="0" i="0" lang="en-US" sz="1000" u="none" cap="none" strike="noStrike">
+              <a:rPr lang="en-US" sz="1000" b="0" i="0" u="none" strike="noStrike" cap="none">
                 <a:solidFill>
                   <a:srgbClr val="FFFFFF"/>
                 </a:solidFill>
@@ -6077,7 +6167,7 @@
             <a:endParaRPr/>
           </a:p>
           <a:p>
-            <a:pPr indent="0" lvl="0" marL="0" marR="0" rtl="0" algn="l">
+            <a:pPr marL="0" marR="0" lvl="0" indent="0" algn="l" rtl="0">
               <a:lnSpc>
                 <a:spcPct val="100000"/>
               </a:lnSpc>
@@ -6095,7 +6185,7 @@
               <a:buNone/>
             </a:pPr>
             <a:r>
-              <a:rPr b="0" i="0" lang="en-US" sz="1000" u="none" cap="none" strike="noStrike">
+              <a:rPr lang="en-US" sz="1000" b="0" i="0" u="none" strike="noStrike" cap="none">
                 <a:solidFill>
                   <a:srgbClr val="FFFFFF"/>
                 </a:solidFill>
@@ -6120,7 +6210,7 @@
           <a:blip r:embed="rId3">
             <a:alphaModFix/>
           </a:blip>
-          <a:srcRect b="0" l="0" r="0" t="0"/>
+          <a:srcRect/>
           <a:stretch/>
         </p:blipFill>
         <p:spPr>
@@ -6149,9 +6239,13 @@
             <a:ext cx="1290568" cy="198000"/>
           </a:xfrm>
           <a:custGeom>
-            <a:rect b="b" l="l" r="r" t="t"/>
+            <a:avLst/>
+            <a:gdLst/>
+            <a:ahLst/>
+            <a:cxnLst/>
+            <a:rect l="l" t="t" r="r" b="b"/>
             <a:pathLst>
-              <a:path extrusionOk="0" h="334" w="2179">
+              <a:path w="2179" h="334" extrusionOk="0">
                 <a:moveTo>
                   <a:pt x="83" y="91"/>
                 </a:moveTo>
@@ -6729,12 +6823,12 @@
           </a:ln>
         </p:spPr>
         <p:txBody>
-          <a:bodyPr anchorCtr="0" anchor="t" bIns="45700" lIns="91400" spcFirstLastPara="1" rIns="91400" wrap="square" tIns="45700">
+          <a:bodyPr spcFirstLastPara="1" wrap="square" lIns="91400" tIns="45700" rIns="91400" bIns="45700" anchor="t" anchorCtr="0">
             <a:noAutofit/>
           </a:bodyPr>
           <a:lstStyle/>
           <a:p>
-            <a:pPr indent="0" lvl="0" marL="0" marR="0" rtl="0" algn="l">
+            <a:pPr marL="0" marR="0" lvl="0" indent="0" algn="l" rtl="0">
               <a:lnSpc>
                 <a:spcPct val="100000"/>
               </a:lnSpc>
@@ -6751,9 +6845,6 @@
               <a:buFont typeface="Arial"/>
               <a:buNone/>
             </a:pPr>
-            <a:r>
-              <a:t/>
-            </a:r>
             <a:endParaRPr sz="1959">
               <a:solidFill>
                 <a:schemeClr val="dk1"/>
@@ -6775,11 +6866,11 @@
 </file>
 
 <file path=ppt/slideLayouts/slideLayout5.xml><?xml version="1.0" encoding="utf-8"?>
-<p:sldLayout xmlns:a="http://schemas.openxmlformats.org/drawingml/2006/main" xmlns:r="http://schemas.openxmlformats.org/officeDocument/2006/relationships" xmlns:mc="http://schemas.openxmlformats.org/markup-compatibility/2006" xmlns:mv="urn:schemas-microsoft-com:mac:vml" xmlns:p="http://schemas.openxmlformats.org/presentationml/2006/main" xmlns:c="http://schemas.openxmlformats.org/drawingml/2006/chart" xmlns:dgm="http://schemas.openxmlformats.org/drawingml/2006/diagram" xmlns:o="urn:schemas-microsoft-com:office:office" xmlns:v="urn:schemas-microsoft-com:vml" xmlns:pvml="urn:schemas-microsoft-com:office:powerpoint" xmlns:com="http://schemas.openxmlformats.org/drawingml/2006/compatibility" xmlns:p14="http://schemas.microsoft.com/office/powerpoint/2010/main" xmlns:p15="http://schemas.microsoft.com/office/powerpoint/2012/main" xmlns:ahyp="http://schemas.microsoft.com/office/drawing/2018/hyperlinkcolor" matchingName="Table of Contents">
+<p:sldLayout xmlns:a="http://schemas.openxmlformats.org/drawingml/2006/main" xmlns:r="http://schemas.openxmlformats.org/officeDocument/2006/relationships" xmlns:p="http://schemas.openxmlformats.org/presentationml/2006/main" matchingName="Table of Contents">
   <p:cSld name="Table of Contents">
     <p:spTree>
       <p:nvGrpSpPr>
-        <p:cNvPr id="41" name="Shape 41"/>
+        <p:cNvPr id="1" name="Shape 41"/>
         <p:cNvGrpSpPr/>
         <p:nvPr/>
       </p:nvGrpSpPr>
@@ -6806,14 +6897,14 @@
             <a:avLst/>
           </a:prstGeom>
           <a:noFill/>
-          <a:ln cap="flat" cmpd="sng" w="9525">
+          <a:ln w="9525" cap="flat" cmpd="sng">
             <a:solidFill>
               <a:srgbClr val="BFBFBF"/>
             </a:solidFill>
             <a:prstDash val="solid"/>
             <a:miter lim="800000"/>
-            <a:headEnd len="sm" w="sm" type="none"/>
-            <a:tailEnd len="sm" w="sm" type="none"/>
+            <a:headEnd type="none" w="sm" len="sm"/>
+            <a:tailEnd type="none" w="sm" len="sm"/>
           </a:ln>
         </p:spPr>
       </p:cxnSp>
@@ -6837,12 +6928,12 @@
           </a:ln>
         </p:spPr>
         <p:txBody>
-          <a:bodyPr anchorCtr="0" anchor="ctr" bIns="0" lIns="0" spcFirstLastPara="1" rIns="0" wrap="square" tIns="0">
+          <a:bodyPr spcFirstLastPara="1" wrap="square" lIns="0" tIns="0" rIns="0" bIns="0" anchor="ctr" anchorCtr="0">
             <a:spAutoFit/>
           </a:bodyPr>
           <a:lstStyle/>
           <a:p>
-            <a:pPr indent="0" lvl="0" marL="0" marR="0" rtl="0" algn="r">
+            <a:pPr marL="0" marR="0" lvl="0" indent="0" algn="r" rtl="0">
               <a:lnSpc>
                 <a:spcPct val="100000"/>
               </a:lnSpc>
@@ -6903,12 +6994,12 @@
           </a:ln>
         </p:spPr>
         <p:txBody>
-          <a:bodyPr anchorCtr="0" anchor="t" bIns="0" lIns="0" spcFirstLastPara="1" rIns="0" wrap="square" tIns="0">
+          <a:bodyPr spcFirstLastPara="1" wrap="square" lIns="0" tIns="0" rIns="0" bIns="0" anchor="t" anchorCtr="0">
             <a:spAutoFit/>
           </a:bodyPr>
           <a:lstStyle/>
           <a:p>
-            <a:pPr indent="0" lvl="0" marL="0" marR="0" rtl="0" algn="l">
+            <a:pPr marL="0" marR="0" lvl="0" indent="0" algn="l" rtl="0">
               <a:spcBef>
                 <a:spcPts val="0"/>
               </a:spcBef>
@@ -6918,7 +7009,7 @@
               <a:buNone/>
             </a:pPr>
             <a:r>
-              <a:rPr b="0" lang="en-US" sz="1100">
+              <a:rPr lang="en-US" sz="1100" b="0">
                 <a:solidFill>
                   <a:srgbClr val="7F7F7F"/>
                 </a:solidFill>
@@ -6953,12 +7044,12 @@
           </a:ln>
         </p:spPr>
         <p:txBody>
-          <a:bodyPr anchorCtr="0" anchor="ctr" bIns="0" lIns="0" spcFirstLastPara="1" rIns="0" wrap="square" tIns="0">
+          <a:bodyPr spcFirstLastPara="1" wrap="square" lIns="0" tIns="0" rIns="0" bIns="0" anchor="ctr" anchorCtr="0">
             <a:spAutoFit/>
           </a:bodyPr>
           <a:lstStyle/>
           <a:p>
-            <a:pPr indent="0" lvl="0" marL="0" marR="0" rtl="0" algn="r">
+            <a:pPr marL="0" marR="0" lvl="0" indent="0" algn="r" rtl="0">
               <a:spcBef>
                 <a:spcPts val="0"/>
               </a:spcBef>
@@ -6977,7 +7068,7 @@
                 <a:cs typeface="Arial"/>
                 <a:sym typeface="Arial"/>
               </a:rPr>
-              <a:t>Project Name</a:t>
+              <a:t>Covid Data Analysis</a:t>
             </a:r>
             <a:endParaRPr/>
           </a:p>
@@ -6990,7 +7081,7 @@
   </p:clrMapOvr>
   <p:extLst>
     <p:ext uri="{DCECCB84-F9BA-43D5-87BE-67443E8EF086}">
-      <p15:sldGuideLst>
+      <p15:sldGuideLst xmlns:p15="http://schemas.microsoft.com/office/powerpoint/2012/main">
         <p15:guide id="1" pos="285">
           <p15:clr>
             <a:srgbClr val="FBAE40"/>
@@ -7008,11 +7099,11 @@
 </file>
 
 <file path=ppt/slideLayouts/slideLayout6.xml><?xml version="1.0" encoding="utf-8"?>
-<p:sldLayout xmlns:a="http://schemas.openxmlformats.org/drawingml/2006/main" xmlns:r="http://schemas.openxmlformats.org/officeDocument/2006/relationships" xmlns:mc="http://schemas.openxmlformats.org/markup-compatibility/2006" xmlns:mv="urn:schemas-microsoft-com:mac:vml" xmlns:p="http://schemas.openxmlformats.org/presentationml/2006/main" xmlns:c="http://schemas.openxmlformats.org/drawingml/2006/chart" xmlns:dgm="http://schemas.openxmlformats.org/drawingml/2006/diagram" xmlns:o="urn:schemas-microsoft-com:office:office" xmlns:v="urn:schemas-microsoft-com:vml" xmlns:pvml="urn:schemas-microsoft-com:office:powerpoint" xmlns:com="http://schemas.openxmlformats.org/drawingml/2006/compatibility" xmlns:p14="http://schemas.microsoft.com/office/powerpoint/2010/main" xmlns:p15="http://schemas.microsoft.com/office/powerpoint/2012/main" xmlns:ahyp="http://schemas.microsoft.com/office/drawing/2018/hyperlinkcolor" matchingName="2_Table of Contents2">
+<p:sldLayout xmlns:a="http://schemas.openxmlformats.org/drawingml/2006/main" xmlns:r="http://schemas.openxmlformats.org/officeDocument/2006/relationships" xmlns:p="http://schemas.openxmlformats.org/presentationml/2006/main" matchingName="2_Table of Contents2">
   <p:cSld name="2_Table of Contents2">
     <p:spTree>
       <p:nvGrpSpPr>
-        <p:cNvPr id="46" name="Shape 46"/>
+        <p:cNvPr id="1" name="Shape 46"/>
         <p:cNvGrpSpPr/>
         <p:nvPr/>
       </p:nvGrpSpPr>
@@ -7034,7 +7125,7 @@
           <a:blip r:embed="rId2">
             <a:alphaModFix/>
           </a:blip>
-          <a:srcRect b="0" l="0" r="0" t="0"/>
+          <a:srcRect/>
           <a:stretch/>
         </p:blipFill>
         <p:spPr>
@@ -7066,14 +7157,14 @@
             <a:avLst/>
           </a:prstGeom>
           <a:noFill/>
-          <a:ln cap="flat" cmpd="sng" w="9525">
+          <a:ln w="9525" cap="flat" cmpd="sng">
             <a:solidFill>
               <a:srgbClr val="BFBFBF"/>
             </a:solidFill>
             <a:prstDash val="solid"/>
             <a:miter lim="800000"/>
-            <a:headEnd len="sm" w="sm" type="none"/>
-            <a:tailEnd len="sm" w="sm" type="none"/>
+            <a:headEnd type="none" w="sm" len="sm"/>
+            <a:tailEnd type="none" w="sm" len="sm"/>
           </a:ln>
         </p:spPr>
       </p:cxnSp>
@@ -7097,12 +7188,12 @@
           </a:ln>
         </p:spPr>
         <p:txBody>
-          <a:bodyPr anchorCtr="0" anchor="ctr" bIns="0" lIns="0" spcFirstLastPara="1" rIns="0" wrap="square" tIns="0">
+          <a:bodyPr spcFirstLastPara="1" wrap="square" lIns="0" tIns="0" rIns="0" bIns="0" anchor="ctr" anchorCtr="0">
             <a:spAutoFit/>
           </a:bodyPr>
           <a:lstStyle/>
           <a:p>
-            <a:pPr indent="0" lvl="0" marL="0" marR="0" rtl="0" algn="r">
+            <a:pPr marL="0" marR="0" lvl="0" indent="0" algn="r" rtl="0">
               <a:lnSpc>
                 <a:spcPct val="100000"/>
               </a:lnSpc>
@@ -7163,12 +7254,12 @@
           </a:ln>
         </p:spPr>
         <p:txBody>
-          <a:bodyPr anchorCtr="0" anchor="t" bIns="0" lIns="0" spcFirstLastPara="1" rIns="0" wrap="square" tIns="0">
+          <a:bodyPr spcFirstLastPara="1" wrap="square" lIns="0" tIns="0" rIns="0" bIns="0" anchor="t" anchorCtr="0">
             <a:spAutoFit/>
           </a:bodyPr>
           <a:lstStyle/>
           <a:p>
-            <a:pPr indent="0" lvl="0" marL="0" marR="0" rtl="0" algn="l">
+            <a:pPr marL="0" marR="0" lvl="0" indent="0" algn="l" rtl="0">
               <a:spcBef>
                 <a:spcPts val="0"/>
               </a:spcBef>
@@ -7178,7 +7269,7 @@
               <a:buNone/>
             </a:pPr>
             <a:r>
-              <a:rPr b="0" lang="en-US" sz="1100">
+              <a:rPr lang="en-US" sz="1100" b="0">
                 <a:solidFill>
                   <a:srgbClr val="7F7F7F"/>
                 </a:solidFill>
@@ -7195,168 +7286,10 @@
       </p:sp>
       <p:sp>
         <p:nvSpPr>
-          <p:cNvPr id="51" name="Google Shape;51;p11"/>
-          <p:cNvSpPr/>
-          <p:nvPr/>
-        </p:nvSpPr>
-        <p:spPr>
-          <a:xfrm>
-            <a:off x="990000" y="4157757"/>
-            <a:ext cx="3563339" cy="323165"/>
-          </a:xfrm>
-          <a:prstGeom prst="rect">
-            <a:avLst/>
-          </a:prstGeom>
-          <a:noFill/>
-          <a:ln>
-            <a:noFill/>
-          </a:ln>
-        </p:spPr>
-        <p:txBody>
-          <a:bodyPr anchorCtr="0" anchor="ctr" bIns="0" lIns="0" spcFirstLastPara="1" rIns="0" wrap="square" tIns="0">
-            <a:spAutoFit/>
-          </a:bodyPr>
-          <a:lstStyle/>
-          <a:p>
-            <a:pPr indent="0" lvl="0" marL="0" marR="0" rtl="0" algn="l">
-              <a:spcBef>
-                <a:spcPts val="0"/>
-              </a:spcBef>
-              <a:spcAft>
-                <a:spcPts val="0"/>
-              </a:spcAft>
-              <a:buNone/>
-            </a:pPr>
-            <a:r>
-              <a:rPr lang="en-US" sz="2100">
-                <a:solidFill>
-                  <a:srgbClr val="1428A0"/>
-                </a:solidFill>
-                <a:latin typeface="Arial"/>
-                <a:ea typeface="Arial"/>
-                <a:cs typeface="Arial"/>
-                <a:sym typeface="Arial"/>
-              </a:rPr>
-              <a:t>AI Course</a:t>
-            </a:r>
-            <a:endParaRPr sz="2100">
-              <a:solidFill>
-                <a:srgbClr val="1428A0"/>
-              </a:solidFill>
-              <a:latin typeface="Arial"/>
-              <a:ea typeface="Arial"/>
-              <a:cs typeface="Arial"/>
-              <a:sym typeface="Arial"/>
-            </a:endParaRPr>
-          </a:p>
-        </p:txBody>
-      </p:sp>
-      <p:sp>
-        <p:nvSpPr>
-          <p:cNvPr id="52" name="Google Shape;52;p11"/>
-          <p:cNvSpPr/>
-          <p:nvPr/>
-        </p:nvSpPr>
-        <p:spPr>
-          <a:xfrm>
-            <a:off x="720000" y="2095275"/>
-            <a:ext cx="60008" cy="1759369"/>
-          </a:xfrm>
-          <a:prstGeom prst="rect">
-            <a:avLst/>
-          </a:prstGeom>
-          <a:solidFill>
-            <a:srgbClr val="1428A0"/>
-          </a:solidFill>
-          <a:ln>
-            <a:noFill/>
-          </a:ln>
-        </p:spPr>
-        <p:txBody>
-          <a:bodyPr anchorCtr="0" anchor="ctr" bIns="45700" lIns="91425" spcFirstLastPara="1" rIns="91425" wrap="square" tIns="45700">
-            <a:noAutofit/>
-          </a:bodyPr>
-          <a:lstStyle/>
-          <a:p>
-            <a:pPr indent="0" lvl="0" marL="0" marR="0" rtl="0" algn="ctr">
-              <a:spcBef>
-                <a:spcPts val="0"/>
-              </a:spcBef>
-              <a:spcAft>
-                <a:spcPts val="0"/>
-              </a:spcAft>
-              <a:buNone/>
-            </a:pPr>
-            <a:r>
-              <a:t/>
-            </a:r>
-            <a:endParaRPr sz="1800">
-              <a:solidFill>
-                <a:srgbClr val="FFFFFF"/>
-              </a:solidFill>
-              <a:latin typeface="Calibri"/>
-              <a:ea typeface="Calibri"/>
-              <a:cs typeface="Calibri"/>
-              <a:sym typeface="Calibri"/>
-            </a:endParaRPr>
-          </a:p>
-        </p:txBody>
-      </p:sp>
-      <p:sp>
-        <p:nvSpPr>
-          <p:cNvPr id="53" name="Google Shape;53;p11"/>
-          <p:cNvSpPr/>
-          <p:nvPr/>
-        </p:nvSpPr>
-        <p:spPr>
-          <a:xfrm>
-            <a:off x="720000" y="4157757"/>
-            <a:ext cx="60008" cy="323165"/>
-          </a:xfrm>
-          <a:prstGeom prst="rect">
-            <a:avLst/>
-          </a:prstGeom>
-          <a:solidFill>
-            <a:srgbClr val="1428A0"/>
-          </a:solidFill>
-          <a:ln>
-            <a:noFill/>
-          </a:ln>
-        </p:spPr>
-        <p:txBody>
-          <a:bodyPr anchorCtr="0" anchor="ctr" bIns="45700" lIns="91425" spcFirstLastPara="1" rIns="91425" wrap="square" tIns="45700">
-            <a:noAutofit/>
-          </a:bodyPr>
-          <a:lstStyle/>
-          <a:p>
-            <a:pPr indent="0" lvl="0" marL="0" marR="0" rtl="0" algn="ctr">
-              <a:spcBef>
-                <a:spcPts val="0"/>
-              </a:spcBef>
-              <a:spcAft>
-                <a:spcPts val="0"/>
-              </a:spcAft>
-              <a:buNone/>
-            </a:pPr>
-            <a:r>
-              <a:t/>
-            </a:r>
-            <a:endParaRPr sz="1800">
-              <a:solidFill>
-                <a:srgbClr val="FFFFFF"/>
-              </a:solidFill>
-              <a:latin typeface="Calibri"/>
-              <a:ea typeface="Calibri"/>
-              <a:cs typeface="Calibri"/>
-              <a:sym typeface="Calibri"/>
-            </a:endParaRPr>
-          </a:p>
-        </p:txBody>
-      </p:sp>
-      <p:sp>
-        <p:nvSpPr>
           <p:cNvPr id="54" name="Google Shape;54;p11"/>
-          <p:cNvSpPr txBox="1"/>
+          <p:cNvSpPr txBox="1">
+            <a:spLocks noGrp="1"/>
+          </p:cNvSpPr>
           <p:nvPr>
             <p:ph type="title"/>
           </p:nvPr>
@@ -7375,11 +7308,11 @@
           </a:ln>
         </p:spPr>
         <p:txBody>
-          <a:bodyPr anchorCtr="0" anchor="t" bIns="0" lIns="0" spcFirstLastPara="1" rIns="0" wrap="square" tIns="0">
+          <a:bodyPr spcFirstLastPara="1" wrap="square" lIns="0" tIns="0" rIns="0" bIns="0" anchor="t" anchorCtr="0">
             <a:spAutoFit/>
           </a:bodyPr>
           <a:lstStyle>
-            <a:lvl1pPr lvl="0" marR="0" rtl="0" algn="l">
+            <a:lvl1pPr marR="0" lvl="0" algn="l" rtl="0">
               <a:lnSpc>
                 <a:spcPct val="100000"/>
               </a:lnSpc>
@@ -7395,7 +7328,7 @@
               <a:buSzPts val="4400"/>
               <a:buFont typeface="Arial"/>
               <a:buNone/>
-              <a:defRPr b="0" i="0" sz="4400" u="none" cap="none" strike="noStrike">
+              <a:defRPr sz="4400" b="0" i="0" u="none" strike="noStrike" cap="none">
                 <a:solidFill>
                   <a:schemeClr val="dk1"/>
                 </a:solidFill>
@@ -7558,15 +7491,19 @@
               </a:defRPr>
             </a:lvl9pPr>
           </a:lstStyle>
-          <a:p/>
+          <a:p>
+            <a:endParaRPr/>
+          </a:p>
         </p:txBody>
       </p:sp>
       <p:sp>
         <p:nvSpPr>
           <p:cNvPr id="55" name="Google Shape;55;p11"/>
-          <p:cNvSpPr txBox="1"/>
+          <p:cNvSpPr txBox="1">
+            <a:spLocks noGrp="1"/>
+          </p:cNvSpPr>
           <p:nvPr>
-            <p:ph idx="1" type="body"/>
+            <p:ph type="body" idx="1"/>
           </p:nvPr>
         </p:nvSpPr>
         <p:spPr>
@@ -7583,11 +7520,11 @@
           </a:ln>
         </p:spPr>
         <p:txBody>
-          <a:bodyPr anchorCtr="0" anchor="t" bIns="0" lIns="0" spcFirstLastPara="1" rIns="0" wrap="square" tIns="0">
+          <a:bodyPr spcFirstLastPara="1" wrap="square" lIns="0" tIns="0" rIns="0" bIns="0" anchor="t" anchorCtr="0">
             <a:spAutoFit/>
           </a:bodyPr>
           <a:lstStyle>
-            <a:lvl1pPr indent="-228600" lvl="0" marL="457200" marR="0" rtl="0" algn="l">
+            <a:lvl1pPr marL="457200" marR="0" lvl="0" indent="-228600" algn="l" rtl="0">
               <a:lnSpc>
                 <a:spcPct val="100000"/>
               </a:lnSpc>
@@ -7603,7 +7540,7 @@
               <a:buSzPts val="1800"/>
               <a:buFont typeface="Arial"/>
               <a:buNone/>
-              <a:defRPr b="0" i="0" sz="1800" u="none" cap="none" strike="noStrike">
+              <a:defRPr sz="1800" b="0" i="0" u="none" strike="noStrike" cap="none">
                 <a:solidFill>
                   <a:srgbClr val="7F7F7F"/>
                 </a:solidFill>
@@ -7613,7 +7550,7 @@
                 <a:sym typeface="Arial"/>
               </a:defRPr>
             </a:lvl1pPr>
-            <a:lvl2pPr indent="-380936" lvl="1" marL="914400" marR="0" rtl="0" algn="l">
+            <a:lvl2pPr marL="914400" marR="0" lvl="1" indent="-380936" algn="l" rtl="0">
               <a:lnSpc>
                 <a:spcPct val="90000"/>
               </a:lnSpc>
@@ -7629,7 +7566,7 @@
               <a:buSzPts val="2399"/>
               <a:buFont typeface="Arial"/>
               <a:buChar char="•"/>
-              <a:defRPr b="0" i="0" sz="2399" u="none" cap="none" strike="noStrike">
+              <a:defRPr sz="2399" b="0" i="0" u="none" strike="noStrike" cap="none">
                 <a:solidFill>
                   <a:schemeClr val="dk1"/>
                 </a:solidFill>
@@ -7639,7 +7576,7 @@
                 <a:sym typeface="Arial"/>
               </a:defRPr>
             </a:lvl2pPr>
-            <a:lvl3pPr indent="-355536" lvl="2" marL="1371600" marR="0" rtl="0" algn="l">
+            <a:lvl3pPr marL="1371600" marR="0" lvl="2" indent="-355536" algn="l" rtl="0">
               <a:lnSpc>
                 <a:spcPct val="90000"/>
               </a:lnSpc>
@@ -7655,7 +7592,7 @@
               <a:buSzPts val="1999"/>
               <a:buFont typeface="Arial"/>
               <a:buChar char="•"/>
-              <a:defRPr b="0" i="0" sz="1999" u="none" cap="none" strike="noStrike">
+              <a:defRPr sz="1999" b="0" i="0" u="none" strike="noStrike" cap="none">
                 <a:solidFill>
                   <a:schemeClr val="dk1"/>
                 </a:solidFill>
@@ -7665,7 +7602,7 @@
                 <a:sym typeface="Arial"/>
               </a:defRPr>
             </a:lvl3pPr>
-            <a:lvl4pPr indent="-342836" lvl="3" marL="1828800" marR="0" rtl="0" algn="l">
+            <a:lvl4pPr marL="1828800" marR="0" lvl="3" indent="-342836" algn="l" rtl="0">
               <a:lnSpc>
                 <a:spcPct val="90000"/>
               </a:lnSpc>
@@ -7681,7 +7618,7 @@
               <a:buSzPts val="1799"/>
               <a:buFont typeface="Arial"/>
               <a:buChar char="•"/>
-              <a:defRPr b="0" i="0" sz="1799" u="none" cap="none" strike="noStrike">
+              <a:defRPr sz="1799" b="0" i="0" u="none" strike="noStrike" cap="none">
                 <a:solidFill>
                   <a:schemeClr val="dk1"/>
                 </a:solidFill>
@@ -7691,7 +7628,7 @@
                 <a:sym typeface="Arial"/>
               </a:defRPr>
             </a:lvl4pPr>
-            <a:lvl5pPr indent="-342836" lvl="4" marL="2286000" marR="0" rtl="0" algn="l">
+            <a:lvl5pPr marL="2286000" marR="0" lvl="4" indent="-342836" algn="l" rtl="0">
               <a:lnSpc>
                 <a:spcPct val="90000"/>
               </a:lnSpc>
@@ -7707,7 +7644,7 @@
               <a:buSzPts val="1799"/>
               <a:buFont typeface="Arial"/>
               <a:buChar char="•"/>
-              <a:defRPr b="0" i="0" sz="1799" u="none" cap="none" strike="noStrike">
+              <a:defRPr sz="1799" b="0" i="0" u="none" strike="noStrike" cap="none">
                 <a:solidFill>
                   <a:schemeClr val="dk1"/>
                 </a:solidFill>
@@ -7717,7 +7654,7 @@
                 <a:sym typeface="Arial"/>
               </a:defRPr>
             </a:lvl5pPr>
-            <a:lvl6pPr indent="-342836" lvl="5" marL="2743200" marR="0" rtl="0" algn="l">
+            <a:lvl6pPr marL="2743200" marR="0" lvl="5" indent="-342836" algn="l" rtl="0">
               <a:lnSpc>
                 <a:spcPct val="90000"/>
               </a:lnSpc>
@@ -7733,7 +7670,7 @@
               <a:buSzPts val="1799"/>
               <a:buFont typeface="Arial"/>
               <a:buChar char="•"/>
-              <a:defRPr b="0" i="0" sz="1799" u="none" cap="none" strike="noStrike">
+              <a:defRPr sz="1799" b="0" i="0" u="none" strike="noStrike" cap="none">
                 <a:solidFill>
                   <a:schemeClr val="dk1"/>
                 </a:solidFill>
@@ -7743,7 +7680,7 @@
                 <a:sym typeface="Arial"/>
               </a:defRPr>
             </a:lvl6pPr>
-            <a:lvl7pPr indent="-342836" lvl="6" marL="3200400" marR="0" rtl="0" algn="l">
+            <a:lvl7pPr marL="3200400" marR="0" lvl="6" indent="-342836" algn="l" rtl="0">
               <a:lnSpc>
                 <a:spcPct val="90000"/>
               </a:lnSpc>
@@ -7759,7 +7696,7 @@
               <a:buSzPts val="1799"/>
               <a:buFont typeface="Arial"/>
               <a:buChar char="•"/>
-              <a:defRPr b="0" i="0" sz="1799" u="none" cap="none" strike="noStrike">
+              <a:defRPr sz="1799" b="0" i="0" u="none" strike="noStrike" cap="none">
                 <a:solidFill>
                   <a:schemeClr val="dk1"/>
                 </a:solidFill>
@@ -7769,7 +7706,7 @@
                 <a:sym typeface="Arial"/>
               </a:defRPr>
             </a:lvl7pPr>
-            <a:lvl8pPr indent="-342836" lvl="7" marL="3657600" marR="0" rtl="0" algn="l">
+            <a:lvl8pPr marL="3657600" marR="0" lvl="7" indent="-342836" algn="l" rtl="0">
               <a:lnSpc>
                 <a:spcPct val="90000"/>
               </a:lnSpc>
@@ -7785,7 +7722,7 @@
               <a:buSzPts val="1799"/>
               <a:buFont typeface="Arial"/>
               <a:buChar char="•"/>
-              <a:defRPr b="0" i="0" sz="1799" u="none" cap="none" strike="noStrike">
+              <a:defRPr sz="1799" b="0" i="0" u="none" strike="noStrike" cap="none">
                 <a:solidFill>
                   <a:schemeClr val="dk1"/>
                 </a:solidFill>
@@ -7795,7 +7732,7 @@
                 <a:sym typeface="Arial"/>
               </a:defRPr>
             </a:lvl8pPr>
-            <a:lvl9pPr indent="-342836" lvl="8" marL="4114800" marR="0" rtl="0" algn="l">
+            <a:lvl9pPr marL="4114800" marR="0" lvl="8" indent="-342836" algn="l" rtl="0">
               <a:lnSpc>
                 <a:spcPct val="90000"/>
               </a:lnSpc>
@@ -7811,7 +7748,7 @@
               <a:buSzPts val="1799"/>
               <a:buFont typeface="Arial"/>
               <a:buChar char="•"/>
-              <a:defRPr b="0" i="0" sz="1799" u="none" cap="none" strike="noStrike">
+              <a:defRPr sz="1799" b="0" i="0" u="none" strike="noStrike" cap="none">
                 <a:solidFill>
                   <a:schemeClr val="dk1"/>
                 </a:solidFill>
@@ -7822,7 +7759,9 @@
               </a:defRPr>
             </a:lvl9pPr>
           </a:lstStyle>
-          <a:p/>
+          <a:p>
+            <a:endParaRPr/>
+          </a:p>
         </p:txBody>
       </p:sp>
     </p:spTree>
@@ -7832,7 +7771,7 @@
   </p:clrMapOvr>
   <p:extLst>
     <p:ext uri="{DCECCB84-F9BA-43D5-87BE-67443E8EF086}">
-      <p15:sldGuideLst>
+      <p15:sldGuideLst xmlns:p15="http://schemas.microsoft.com/office/powerpoint/2012/main">
         <p15:guide id="1" orient="horz" pos="2614">
           <p15:clr>
             <a:srgbClr val="FBAE40"/>
@@ -7860,11 +7799,11 @@
 </file>
 
 <file path=ppt/slideLayouts/slideLayout7.xml><?xml version="1.0" encoding="utf-8"?>
-<p:sldLayout xmlns:a="http://schemas.openxmlformats.org/drawingml/2006/main" xmlns:r="http://schemas.openxmlformats.org/officeDocument/2006/relationships" xmlns:mc="http://schemas.openxmlformats.org/markup-compatibility/2006" xmlns:mv="urn:schemas-microsoft-com:mac:vml" xmlns:p="http://schemas.openxmlformats.org/presentationml/2006/main" xmlns:c="http://schemas.openxmlformats.org/drawingml/2006/chart" xmlns:dgm="http://schemas.openxmlformats.org/drawingml/2006/diagram" xmlns:o="urn:schemas-microsoft-com:office:office" xmlns:v="urn:schemas-microsoft-com:vml" xmlns:pvml="urn:schemas-microsoft-com:office:powerpoint" xmlns:com="http://schemas.openxmlformats.org/drawingml/2006/compatibility" xmlns:p14="http://schemas.microsoft.com/office/powerpoint/2010/main" xmlns:p15="http://schemas.microsoft.com/office/powerpoint/2012/main" xmlns:ahyp="http://schemas.microsoft.com/office/drawing/2018/hyperlinkcolor" matchingName="3_Table of Contents">
+<p:sldLayout xmlns:a="http://schemas.openxmlformats.org/drawingml/2006/main" xmlns:r="http://schemas.openxmlformats.org/officeDocument/2006/relationships" xmlns:p="http://schemas.openxmlformats.org/presentationml/2006/main" matchingName="3_Table of Contents">
   <p:cSld name="3_Table of Contents">
     <p:spTree>
       <p:nvGrpSpPr>
-        <p:cNvPr id="56" name="Shape 56"/>
+        <p:cNvPr id="1" name="Shape 56"/>
         <p:cNvGrpSpPr/>
         <p:nvPr/>
       </p:nvGrpSpPr>
@@ -7886,7 +7825,7 @@
           <a:blip r:embed="rId2">
             <a:alphaModFix/>
           </a:blip>
-          <a:srcRect b="0" l="0" r="0" t="0"/>
+          <a:srcRect/>
           <a:stretch/>
         </p:blipFill>
         <p:spPr>
@@ -7918,14 +7857,14 @@
             <a:avLst/>
           </a:prstGeom>
           <a:noFill/>
-          <a:ln cap="flat" cmpd="sng" w="9525">
+          <a:ln w="9525" cap="flat" cmpd="sng">
             <a:solidFill>
               <a:srgbClr val="BFBFBF"/>
             </a:solidFill>
             <a:prstDash val="solid"/>
             <a:miter lim="800000"/>
-            <a:headEnd len="sm" w="sm" type="none"/>
-            <a:tailEnd len="sm" w="sm" type="none"/>
+            <a:headEnd type="none" w="sm" len="sm"/>
+            <a:tailEnd type="none" w="sm" len="sm"/>
           </a:ln>
         </p:spPr>
       </p:cxnSp>
@@ -7949,12 +7888,12 @@
           </a:ln>
         </p:spPr>
         <p:txBody>
-          <a:bodyPr anchorCtr="0" anchor="ctr" bIns="0" lIns="0" spcFirstLastPara="1" rIns="0" wrap="square" tIns="0">
+          <a:bodyPr spcFirstLastPara="1" wrap="square" lIns="0" tIns="0" rIns="0" bIns="0" anchor="ctr" anchorCtr="0">
             <a:spAutoFit/>
           </a:bodyPr>
           <a:lstStyle/>
           <a:p>
-            <a:pPr indent="0" lvl="0" marL="0" marR="0" rtl="0" algn="r">
+            <a:pPr marL="0" marR="0" lvl="0" indent="0" algn="r" rtl="0">
               <a:lnSpc>
                 <a:spcPct val="100000"/>
               </a:lnSpc>
@@ -8015,12 +7954,12 @@
           </a:ln>
         </p:spPr>
         <p:txBody>
-          <a:bodyPr anchorCtr="0" anchor="t" bIns="0" lIns="0" spcFirstLastPara="1" rIns="0" wrap="square" tIns="0">
+          <a:bodyPr spcFirstLastPara="1" wrap="square" lIns="0" tIns="0" rIns="0" bIns="0" anchor="t" anchorCtr="0">
             <a:spAutoFit/>
           </a:bodyPr>
           <a:lstStyle/>
           <a:p>
-            <a:pPr indent="0" lvl="0" marL="0" marR="0" rtl="0" algn="l">
+            <a:pPr marL="0" marR="0" lvl="0" indent="0" algn="l" rtl="0">
               <a:spcBef>
                 <a:spcPts val="0"/>
               </a:spcBef>
@@ -8030,7 +7969,7 @@
               <a:buNone/>
             </a:pPr>
             <a:r>
-              <a:rPr b="0" lang="en-US" sz="1100">
+              <a:rPr lang="en-US" sz="1100" b="0">
                 <a:solidFill>
                   <a:srgbClr val="7F7F7F"/>
                 </a:solidFill>
@@ -8065,12 +8004,12 @@
           </a:ln>
         </p:spPr>
         <p:txBody>
-          <a:bodyPr anchorCtr="0" anchor="ctr" bIns="0" lIns="0" spcFirstLastPara="1" rIns="0" wrap="square" tIns="0">
+          <a:bodyPr spcFirstLastPara="1" wrap="square" lIns="0" tIns="0" rIns="0" bIns="0" anchor="ctr" anchorCtr="0">
             <a:spAutoFit/>
           </a:bodyPr>
           <a:lstStyle/>
           <a:p>
-            <a:pPr indent="0" lvl="0" marL="0" marR="0" rtl="0" algn="r">
+            <a:pPr marL="0" marR="0" lvl="0" indent="0" algn="r" rtl="0">
               <a:spcBef>
                 <a:spcPts val="0"/>
               </a:spcBef>
@@ -8089,7 +8028,7 @@
                 <a:cs typeface="Arial"/>
                 <a:sym typeface="Arial"/>
               </a:rPr>
-              <a:t>Project Name</a:t>
+              <a:t>Covid Data Analysis</a:t>
             </a:r>
             <a:endParaRPr/>
           </a:p>
@@ -8102,7 +8041,7 @@
   </p:clrMapOvr>
   <p:extLst>
     <p:ext uri="{DCECCB84-F9BA-43D5-87BE-67443E8EF086}">
-      <p15:sldGuideLst>
+      <p15:sldGuideLst xmlns:p15="http://schemas.microsoft.com/office/powerpoint/2012/main">
         <p15:guide id="1" orient="horz" pos="902">
           <p15:clr>
             <a:srgbClr val="FBAE40"/>
@@ -8130,11 +8069,11 @@
 </file>
 
 <file path=ppt/slideLayouts/slideLayout8.xml><?xml version="1.0" encoding="utf-8"?>
-<p:sldLayout xmlns:a="http://schemas.openxmlformats.org/drawingml/2006/main" xmlns:r="http://schemas.openxmlformats.org/officeDocument/2006/relationships" xmlns:mc="http://schemas.openxmlformats.org/markup-compatibility/2006" xmlns:mv="urn:schemas-microsoft-com:mac:vml" xmlns:p="http://schemas.openxmlformats.org/presentationml/2006/main" xmlns:c="http://schemas.openxmlformats.org/drawingml/2006/chart" xmlns:dgm="http://schemas.openxmlformats.org/drawingml/2006/diagram" xmlns:o="urn:schemas-microsoft-com:office:office" xmlns:v="urn:schemas-microsoft-com:vml" xmlns:pvml="urn:schemas-microsoft-com:office:powerpoint" xmlns:com="http://schemas.openxmlformats.org/drawingml/2006/compatibility" xmlns:p14="http://schemas.microsoft.com/office/powerpoint/2010/main" xmlns:p15="http://schemas.microsoft.com/office/powerpoint/2012/main" xmlns:ahyp="http://schemas.microsoft.com/office/drawing/2018/hyperlinkcolor" matchingName="1_Table of Contents">
+<p:sldLayout xmlns:a="http://schemas.openxmlformats.org/drawingml/2006/main" xmlns:r="http://schemas.openxmlformats.org/officeDocument/2006/relationships" xmlns:p="http://schemas.openxmlformats.org/presentationml/2006/main" matchingName="1_Table of Contents">
   <p:cSld name="1_Table of Contents">
     <p:spTree>
       <p:nvGrpSpPr>
-        <p:cNvPr id="62" name="Shape 62"/>
+        <p:cNvPr id="1" name="Shape 62"/>
         <p:cNvGrpSpPr/>
         <p:nvPr/>
       </p:nvGrpSpPr>
@@ -8156,7 +8095,7 @@
           <a:blip r:embed="rId2">
             <a:alphaModFix/>
           </a:blip>
-          <a:srcRect b="0" l="0" r="0" t="0"/>
+          <a:srcRect/>
           <a:stretch/>
         </p:blipFill>
         <p:spPr>
@@ -8188,14 +8127,14 @@
             <a:avLst/>
           </a:prstGeom>
           <a:noFill/>
-          <a:ln cap="flat" cmpd="sng" w="9525">
+          <a:ln w="9525" cap="flat" cmpd="sng">
             <a:solidFill>
               <a:srgbClr val="BFBFBF"/>
             </a:solidFill>
             <a:prstDash val="solid"/>
             <a:miter lim="800000"/>
-            <a:headEnd len="sm" w="sm" type="none"/>
-            <a:tailEnd len="sm" w="sm" type="none"/>
+            <a:headEnd type="none" w="sm" len="sm"/>
+            <a:tailEnd type="none" w="sm" len="sm"/>
           </a:ln>
         </p:spPr>
       </p:cxnSp>
@@ -8219,12 +8158,12 @@
           </a:ln>
         </p:spPr>
         <p:txBody>
-          <a:bodyPr anchorCtr="0" anchor="ctr" bIns="0" lIns="0" spcFirstLastPara="1" rIns="0" wrap="square" tIns="0">
+          <a:bodyPr spcFirstLastPara="1" wrap="square" lIns="0" tIns="0" rIns="0" bIns="0" anchor="ctr" anchorCtr="0">
             <a:spAutoFit/>
           </a:bodyPr>
           <a:lstStyle/>
           <a:p>
-            <a:pPr indent="0" lvl="0" marL="0" marR="0" rtl="0" algn="r">
+            <a:pPr marL="0" marR="0" lvl="0" indent="0" algn="r" rtl="0">
               <a:lnSpc>
                 <a:spcPct val="100000"/>
               </a:lnSpc>
@@ -8285,12 +8224,12 @@
           </a:ln>
         </p:spPr>
         <p:txBody>
-          <a:bodyPr anchorCtr="0" anchor="t" bIns="0" lIns="0" spcFirstLastPara="1" rIns="0" wrap="square" tIns="0">
+          <a:bodyPr spcFirstLastPara="1" wrap="square" lIns="0" tIns="0" rIns="0" bIns="0" anchor="t" anchorCtr="0">
             <a:spAutoFit/>
           </a:bodyPr>
           <a:lstStyle/>
           <a:p>
-            <a:pPr indent="0" lvl="0" marL="0" marR="0" rtl="0" algn="l">
+            <a:pPr marL="0" marR="0" lvl="0" indent="0" algn="l" rtl="0">
               <a:spcBef>
                 <a:spcPts val="0"/>
               </a:spcBef>
@@ -8300,7 +8239,7 @@
               <a:buNone/>
             </a:pPr>
             <a:r>
-              <a:rPr b="0" lang="en-US" sz="1100">
+              <a:rPr lang="en-US" sz="1100" b="0">
                 <a:solidFill>
                   <a:srgbClr val="7F7F7F"/>
                 </a:solidFill>
@@ -8335,12 +8274,12 @@
           </a:ln>
         </p:spPr>
         <p:txBody>
-          <a:bodyPr anchorCtr="0" anchor="ctr" bIns="0" lIns="0" spcFirstLastPara="1" rIns="0" wrap="square" tIns="0">
+          <a:bodyPr spcFirstLastPara="1" wrap="square" lIns="0" tIns="0" rIns="0" bIns="0" anchor="ctr" anchorCtr="0">
             <a:spAutoFit/>
           </a:bodyPr>
           <a:lstStyle/>
           <a:p>
-            <a:pPr indent="0" lvl="0" marL="0" marR="0" rtl="0" algn="r">
+            <a:pPr marL="0" marR="0" lvl="0" indent="0" algn="r" rtl="0">
               <a:spcBef>
                 <a:spcPts val="0"/>
               </a:spcBef>
@@ -8359,7 +8298,7 @@
                 <a:cs typeface="Arial"/>
                 <a:sym typeface="Arial"/>
               </a:rPr>
-              <a:t>Project Name</a:t>
+              <a:t>Covid Data Analysis</a:t>
             </a:r>
             <a:endParaRPr/>
           </a:p>
@@ -8372,7 +8311,7 @@
   </p:clrMapOvr>
   <p:extLst>
     <p:ext uri="{DCECCB84-F9BA-43D5-87BE-67443E8EF086}">
-      <p15:sldGuideLst>
+      <p15:sldGuideLst xmlns:p15="http://schemas.microsoft.com/office/powerpoint/2012/main">
         <p15:guide id="1" orient="horz" pos="2160">
           <p15:clr>
             <a:srgbClr val="FBAE40"/>
@@ -8395,11 +8334,11 @@
 </file>
 
 <file path=ppt/slideLayouts/slideLayout9.xml><?xml version="1.0" encoding="utf-8"?>
-<p:sldLayout xmlns:a="http://schemas.openxmlformats.org/drawingml/2006/main" xmlns:r="http://schemas.openxmlformats.org/officeDocument/2006/relationships" xmlns:mc="http://schemas.openxmlformats.org/markup-compatibility/2006" xmlns:mv="urn:schemas-microsoft-com:mac:vml" xmlns:p="http://schemas.openxmlformats.org/presentationml/2006/main" xmlns:c="http://schemas.openxmlformats.org/drawingml/2006/chart" xmlns:dgm="http://schemas.openxmlformats.org/drawingml/2006/diagram" xmlns:o="urn:schemas-microsoft-com:office:office" xmlns:v="urn:schemas-microsoft-com:vml" xmlns:pvml="urn:schemas-microsoft-com:office:powerpoint" xmlns:com="http://schemas.openxmlformats.org/drawingml/2006/compatibility" xmlns:p14="http://schemas.microsoft.com/office/powerpoint/2010/main" xmlns:p15="http://schemas.microsoft.com/office/powerpoint/2012/main" xmlns:ahyp="http://schemas.microsoft.com/office/drawing/2018/hyperlinkcolor" matchingName="Body">
+<p:sldLayout xmlns:a="http://schemas.openxmlformats.org/drawingml/2006/main" xmlns:r="http://schemas.openxmlformats.org/officeDocument/2006/relationships" xmlns:p="http://schemas.openxmlformats.org/presentationml/2006/main" matchingName="Body">
   <p:cSld name="Body">
     <p:spTree>
       <p:nvGrpSpPr>
-        <p:cNvPr id="68" name="Shape 68"/>
+        <p:cNvPr id="1" name="Shape 68"/>
         <p:cNvGrpSpPr/>
         <p:nvPr/>
       </p:nvGrpSpPr>
@@ -8426,14 +8365,14 @@
             <a:avLst/>
           </a:prstGeom>
           <a:noFill/>
-          <a:ln cap="flat" cmpd="sng" w="9525">
+          <a:ln w="9525" cap="flat" cmpd="sng">
             <a:solidFill>
               <a:srgbClr val="BFBFBF"/>
             </a:solidFill>
             <a:prstDash val="solid"/>
             <a:miter lim="800000"/>
-            <a:headEnd len="sm" w="sm" type="none"/>
-            <a:tailEnd len="sm" w="sm" type="none"/>
+            <a:headEnd type="none" w="sm" len="sm"/>
+            <a:tailEnd type="none" w="sm" len="sm"/>
           </a:ln>
         </p:spPr>
       </p:cxnSp>
@@ -8457,12 +8396,12 @@
           </a:ln>
         </p:spPr>
         <p:txBody>
-          <a:bodyPr anchorCtr="0" anchor="ctr" bIns="0" lIns="0" spcFirstLastPara="1" rIns="0" wrap="square" tIns="0">
+          <a:bodyPr spcFirstLastPara="1" wrap="square" lIns="0" tIns="0" rIns="0" bIns="0" anchor="ctr" anchorCtr="0">
             <a:spAutoFit/>
           </a:bodyPr>
           <a:lstStyle/>
           <a:p>
-            <a:pPr indent="0" lvl="0" marL="0" marR="0" rtl="0" algn="r">
+            <a:pPr marL="0" marR="0" lvl="0" indent="0" algn="r" rtl="0">
               <a:lnSpc>
                 <a:spcPct val="100000"/>
               </a:lnSpc>
@@ -8523,12 +8462,12 @@
           </a:ln>
         </p:spPr>
         <p:txBody>
-          <a:bodyPr anchorCtr="0" anchor="t" bIns="0" lIns="0" spcFirstLastPara="1" rIns="0" wrap="square" tIns="0">
+          <a:bodyPr spcFirstLastPara="1" wrap="square" lIns="0" tIns="0" rIns="0" bIns="0" anchor="t" anchorCtr="0">
             <a:spAutoFit/>
           </a:bodyPr>
           <a:lstStyle/>
           <a:p>
-            <a:pPr indent="0" lvl="0" marL="0" marR="0" rtl="0" algn="l">
+            <a:pPr marL="0" marR="0" lvl="0" indent="0" algn="l" rtl="0">
               <a:spcBef>
                 <a:spcPts val="0"/>
               </a:spcBef>
@@ -8538,7 +8477,7 @@
               <a:buNone/>
             </a:pPr>
             <a:r>
-              <a:rPr b="0" lang="en-US" sz="1100">
+              <a:rPr lang="en-US" sz="1100" b="0">
                 <a:solidFill>
                   <a:srgbClr val="7F7F7F"/>
                 </a:solidFill>
@@ -8568,14 +8507,14 @@
             <a:avLst/>
           </a:prstGeom>
           <a:noFill/>
-          <a:ln cap="flat" cmpd="sng" w="15875">
+          <a:ln w="15875" cap="flat" cmpd="sng">
             <a:solidFill>
               <a:srgbClr val="0924A5"/>
             </a:solidFill>
             <a:prstDash val="solid"/>
             <a:miter lim="800000"/>
-            <a:headEnd len="sm" w="sm" type="none"/>
-            <a:tailEnd len="sm" w="sm" type="none"/>
+            <a:headEnd type="none" w="sm" len="sm"/>
+            <a:tailEnd type="none" w="sm" len="sm"/>
           </a:ln>
         </p:spPr>
       </p:cxnSp>
@@ -8599,12 +8538,12 @@
           </a:ln>
         </p:spPr>
         <p:txBody>
-          <a:bodyPr anchorCtr="0" anchor="ctr" bIns="0" lIns="0" spcFirstLastPara="1" rIns="0" wrap="square" tIns="0">
+          <a:bodyPr spcFirstLastPara="1" wrap="square" lIns="0" tIns="0" rIns="0" bIns="0" anchor="ctr" anchorCtr="0">
             <a:spAutoFit/>
           </a:bodyPr>
           <a:lstStyle/>
           <a:p>
-            <a:pPr indent="0" lvl="0" marL="0" marR="0" rtl="0" algn="r">
+            <a:pPr marL="0" marR="0" lvl="0" indent="0" algn="r" rtl="0">
               <a:spcBef>
                 <a:spcPts val="0"/>
               </a:spcBef>
@@ -8623,7 +8562,7 @@
                 <a:cs typeface="Arial"/>
                 <a:sym typeface="Arial"/>
               </a:rPr>
-              <a:t>Project Name</a:t>
+              <a:t>Covid Data Analysis</a:t>
             </a:r>
             <a:endParaRPr/>
           </a:p>
@@ -8636,7 +8575,7 @@
   </p:clrMapOvr>
   <p:extLst>
     <p:ext uri="{DCECCB84-F9BA-43D5-87BE-67443E8EF086}">
-      <p15:sldGuideLst>
+      <p15:sldGuideLst xmlns:p15="http://schemas.microsoft.com/office/powerpoint/2012/main">
         <p15:guide id="1" orient="horz" pos="2160">
           <p15:clr>
             <a:srgbClr val="FBAE40"/>
@@ -8659,18 +8598,19 @@
 </file>
 
 <file path=ppt/slideMasters/slideMaster1.xml><?xml version="1.0" encoding="utf-8"?>
-<p:sldMaster xmlns:a="http://schemas.openxmlformats.org/drawingml/2006/main" xmlns:r="http://schemas.openxmlformats.org/officeDocument/2006/relationships" xmlns:mc="http://schemas.openxmlformats.org/markup-compatibility/2006" xmlns:mv="urn:schemas-microsoft-com:mac:vml" xmlns:p="http://schemas.openxmlformats.org/presentationml/2006/main" xmlns:c="http://schemas.openxmlformats.org/drawingml/2006/chart" xmlns:dgm="http://schemas.openxmlformats.org/drawingml/2006/diagram" xmlns:o="urn:schemas-microsoft-com:office:office" xmlns:v="urn:schemas-microsoft-com:vml" xmlns:pvml="urn:schemas-microsoft-com:office:powerpoint" xmlns:com="http://schemas.openxmlformats.org/drawingml/2006/compatibility" xmlns:p14="http://schemas.microsoft.com/office/powerpoint/2010/main" xmlns:p15="http://schemas.microsoft.com/office/powerpoint/2012/main" xmlns:ahyp="http://schemas.microsoft.com/office/drawing/2018/hyperlinkcolor">
+<p:sldMaster xmlns:a="http://schemas.openxmlformats.org/drawingml/2006/main" xmlns:r="http://schemas.openxmlformats.org/officeDocument/2006/relationships" xmlns:p="http://schemas.openxmlformats.org/presentationml/2006/main">
   <p:cSld>
     <p:bg>
       <p:bgPr>
         <a:solidFill>
           <a:schemeClr val="lt1"/>
         </a:solidFill>
+        <a:effectLst/>
       </p:bgPr>
     </p:bg>
     <p:spTree>
       <p:nvGrpSpPr>
-        <p:cNvPr id="9" name="Shape 9"/>
+        <p:cNvPr id="1" name="Shape 9"/>
         <p:cNvGrpSpPr/>
         <p:nvPr/>
       </p:nvGrpSpPr>
@@ -8684,7 +8624,7 @@
       </p:grpSpPr>
     </p:spTree>
   </p:cSld>
-  <p:clrMap accent1="accent1" accent2="accent2" accent3="accent3" accent4="accent4" accent5="accent5" accent6="accent6" bg1="lt1" bg2="dk2" tx1="dk1" tx2="lt2" folHlink="folHlink" hlink="hlink"/>
+  <p:clrMap bg1="lt1" tx1="dk1" bg2="dk2" tx2="lt2" accent1="accent1" accent2="accent2" accent3="accent3" accent4="accent4" accent5="accent5" accent6="accent6" hlink="hlink" folHlink="folHlink"/>
   <p:sldLayoutIdLst>
     <p:sldLayoutId id="2147483649" r:id="rId1"/>
     <p:sldLayoutId id="2147483650" r:id="rId2"/>
@@ -8697,10 +8637,10 @@
     <p:sldLayoutId id="2147483657" r:id="rId9"/>
     <p:sldLayoutId id="2147483658" r:id="rId10"/>
   </p:sldLayoutIdLst>
-  <p:hf dt="0" ftr="0" hdr="0" sldNum="0"/>
+  <p:hf sldNum="0" hdr="0" ftr="0" dt="0"/>
   <p:txStyles>
     <p:titleStyle>
-      <a:defPPr lvl="0" marR="0" rtl="0" algn="l">
+      <a:defPPr marR="0" lvl="0" algn="l" rtl="0">
         <a:lnSpc>
           <a:spcPct val="100000"/>
         </a:lnSpc>
@@ -8711,7 +8651,7 @@
           <a:spcPts val="0"/>
         </a:spcAft>
       </a:defPPr>
-      <a:lvl1pPr lvl="0" marR="0" rtl="0" algn="l">
+      <a:lvl1pPr marR="0" lvl="0" algn="l" rtl="0">
         <a:lnSpc>
           <a:spcPct val="100000"/>
         </a:lnSpc>
@@ -8725,7 +8665,7 @@
           <a:srgbClr val="000000"/>
         </a:buClr>
         <a:buFont typeface="Arial"/>
-        <a:defRPr b="0" i="0" sz="1400" u="none" cap="none" strike="noStrike">
+        <a:defRPr sz="1400" b="0" i="0" u="none" strike="noStrike" cap="none">
           <a:solidFill>
             <a:srgbClr val="000000"/>
           </a:solidFill>
@@ -8735,7 +8675,7 @@
           <a:sym typeface="Arial"/>
         </a:defRPr>
       </a:lvl1pPr>
-      <a:lvl2pPr lvl="1" marR="0" rtl="0" algn="l">
+      <a:lvl2pPr marR="0" lvl="1" algn="l" rtl="0">
         <a:lnSpc>
           <a:spcPct val="100000"/>
         </a:lnSpc>
@@ -8749,7 +8689,7 @@
           <a:srgbClr val="000000"/>
         </a:buClr>
         <a:buFont typeface="Arial"/>
-        <a:defRPr b="0" i="0" sz="1400" u="none" cap="none" strike="noStrike">
+        <a:defRPr sz="1400" b="0" i="0" u="none" strike="noStrike" cap="none">
           <a:solidFill>
             <a:srgbClr val="000000"/>
           </a:solidFill>
@@ -8759,7 +8699,7 @@
           <a:sym typeface="Arial"/>
         </a:defRPr>
       </a:lvl2pPr>
-      <a:lvl3pPr lvl="2" marR="0" rtl="0" algn="l">
+      <a:lvl3pPr marR="0" lvl="2" algn="l" rtl="0">
         <a:lnSpc>
           <a:spcPct val="100000"/>
         </a:lnSpc>
@@ -8773,7 +8713,7 @@
           <a:srgbClr val="000000"/>
         </a:buClr>
         <a:buFont typeface="Arial"/>
-        <a:defRPr b="0" i="0" sz="1400" u="none" cap="none" strike="noStrike">
+        <a:defRPr sz="1400" b="0" i="0" u="none" strike="noStrike" cap="none">
           <a:solidFill>
             <a:srgbClr val="000000"/>
           </a:solidFill>
@@ -8783,7 +8723,7 @@
           <a:sym typeface="Arial"/>
         </a:defRPr>
       </a:lvl3pPr>
-      <a:lvl4pPr lvl="3" marR="0" rtl="0" algn="l">
+      <a:lvl4pPr marR="0" lvl="3" algn="l" rtl="0">
         <a:lnSpc>
           <a:spcPct val="100000"/>
         </a:lnSpc>
@@ -8797,7 +8737,7 @@
           <a:srgbClr val="000000"/>
         </a:buClr>
         <a:buFont typeface="Arial"/>
-        <a:defRPr b="0" i="0" sz="1400" u="none" cap="none" strike="noStrike">
+        <a:defRPr sz="1400" b="0" i="0" u="none" strike="noStrike" cap="none">
           <a:solidFill>
             <a:srgbClr val="000000"/>
           </a:solidFill>
@@ -8807,7 +8747,7 @@
           <a:sym typeface="Arial"/>
         </a:defRPr>
       </a:lvl4pPr>
-      <a:lvl5pPr lvl="4" marR="0" rtl="0" algn="l">
+      <a:lvl5pPr marR="0" lvl="4" algn="l" rtl="0">
         <a:lnSpc>
           <a:spcPct val="100000"/>
         </a:lnSpc>
@@ -8821,7 +8761,7 @@
           <a:srgbClr val="000000"/>
         </a:buClr>
         <a:buFont typeface="Arial"/>
-        <a:defRPr b="0" i="0" sz="1400" u="none" cap="none" strike="noStrike">
+        <a:defRPr sz="1400" b="0" i="0" u="none" strike="noStrike" cap="none">
           <a:solidFill>
             <a:srgbClr val="000000"/>
           </a:solidFill>
@@ -8831,7 +8771,7 @@
           <a:sym typeface="Arial"/>
         </a:defRPr>
       </a:lvl5pPr>
-      <a:lvl6pPr lvl="5" marR="0" rtl="0" algn="l">
+      <a:lvl6pPr marR="0" lvl="5" algn="l" rtl="0">
         <a:lnSpc>
           <a:spcPct val="100000"/>
         </a:lnSpc>
@@ -8845,7 +8785,7 @@
           <a:srgbClr val="000000"/>
         </a:buClr>
         <a:buFont typeface="Arial"/>
-        <a:defRPr b="0" i="0" sz="1400" u="none" cap="none" strike="noStrike">
+        <a:defRPr sz="1400" b="0" i="0" u="none" strike="noStrike" cap="none">
           <a:solidFill>
             <a:srgbClr val="000000"/>
           </a:solidFill>
@@ -8855,7 +8795,7 @@
           <a:sym typeface="Arial"/>
         </a:defRPr>
       </a:lvl6pPr>
-      <a:lvl7pPr lvl="6" marR="0" rtl="0" algn="l">
+      <a:lvl7pPr marR="0" lvl="6" algn="l" rtl="0">
         <a:lnSpc>
           <a:spcPct val="100000"/>
         </a:lnSpc>
@@ -8869,7 +8809,7 @@
           <a:srgbClr val="000000"/>
         </a:buClr>
         <a:buFont typeface="Arial"/>
-        <a:defRPr b="0" i="0" sz="1400" u="none" cap="none" strike="noStrike">
+        <a:defRPr sz="1400" b="0" i="0" u="none" strike="noStrike" cap="none">
           <a:solidFill>
             <a:srgbClr val="000000"/>
           </a:solidFill>
@@ -8879,7 +8819,7 @@
           <a:sym typeface="Arial"/>
         </a:defRPr>
       </a:lvl7pPr>
-      <a:lvl8pPr lvl="7" marR="0" rtl="0" algn="l">
+      <a:lvl8pPr marR="0" lvl="7" algn="l" rtl="0">
         <a:lnSpc>
           <a:spcPct val="100000"/>
         </a:lnSpc>
@@ -8893,7 +8833,7 @@
           <a:srgbClr val="000000"/>
         </a:buClr>
         <a:buFont typeface="Arial"/>
-        <a:defRPr b="0" i="0" sz="1400" u="none" cap="none" strike="noStrike">
+        <a:defRPr sz="1400" b="0" i="0" u="none" strike="noStrike" cap="none">
           <a:solidFill>
             <a:srgbClr val="000000"/>
           </a:solidFill>
@@ -8903,7 +8843,7 @@
           <a:sym typeface="Arial"/>
         </a:defRPr>
       </a:lvl8pPr>
-      <a:lvl9pPr lvl="8" marR="0" rtl="0" algn="l">
+      <a:lvl9pPr marR="0" lvl="8" algn="l" rtl="0">
         <a:lnSpc>
           <a:spcPct val="100000"/>
         </a:lnSpc>
@@ -8917,7 +8857,7 @@
           <a:srgbClr val="000000"/>
         </a:buClr>
         <a:buFont typeface="Arial"/>
-        <a:defRPr b="0" i="0" sz="1400" u="none" cap="none" strike="noStrike">
+        <a:defRPr sz="1400" b="0" i="0" u="none" strike="noStrike" cap="none">
           <a:solidFill>
             <a:srgbClr val="000000"/>
           </a:solidFill>
@@ -8929,7 +8869,7 @@
       </a:lvl9pPr>
     </p:titleStyle>
     <p:bodyStyle>
-      <a:defPPr lvl="0" marR="0" rtl="0" algn="l">
+      <a:defPPr marR="0" lvl="0" algn="l" rtl="0">
         <a:lnSpc>
           <a:spcPct val="100000"/>
         </a:lnSpc>
@@ -8940,7 +8880,7 @@
           <a:spcPts val="0"/>
         </a:spcAft>
       </a:defPPr>
-      <a:lvl1pPr lvl="0" marR="0" rtl="0" algn="l">
+      <a:lvl1pPr marR="0" lvl="0" algn="l" rtl="0">
         <a:lnSpc>
           <a:spcPct val="100000"/>
         </a:lnSpc>
@@ -8954,7 +8894,7 @@
           <a:srgbClr val="000000"/>
         </a:buClr>
         <a:buFont typeface="Arial"/>
-        <a:defRPr b="0" i="0" sz="1400" u="none" cap="none" strike="noStrike">
+        <a:defRPr sz="1400" b="0" i="0" u="none" strike="noStrike" cap="none">
           <a:solidFill>
             <a:srgbClr val="000000"/>
           </a:solidFill>
@@ -8964,7 +8904,7 @@
           <a:sym typeface="Arial"/>
         </a:defRPr>
       </a:lvl1pPr>
-      <a:lvl2pPr lvl="1" marR="0" rtl="0" algn="l">
+      <a:lvl2pPr marR="0" lvl="1" algn="l" rtl="0">
         <a:lnSpc>
           <a:spcPct val="100000"/>
         </a:lnSpc>
@@ -8978,7 +8918,7 @@
           <a:srgbClr val="000000"/>
         </a:buClr>
         <a:buFont typeface="Arial"/>
-        <a:defRPr b="0" i="0" sz="1400" u="none" cap="none" strike="noStrike">
+        <a:defRPr sz="1400" b="0" i="0" u="none" strike="noStrike" cap="none">
           <a:solidFill>
             <a:srgbClr val="000000"/>
           </a:solidFill>
@@ -8988,7 +8928,7 @@
           <a:sym typeface="Arial"/>
         </a:defRPr>
       </a:lvl2pPr>
-      <a:lvl3pPr lvl="2" marR="0" rtl="0" algn="l">
+      <a:lvl3pPr marR="0" lvl="2" algn="l" rtl="0">
         <a:lnSpc>
           <a:spcPct val="100000"/>
         </a:lnSpc>
@@ -9002,7 +8942,7 @@
           <a:srgbClr val="000000"/>
         </a:buClr>
         <a:buFont typeface="Arial"/>
-        <a:defRPr b="0" i="0" sz="1400" u="none" cap="none" strike="noStrike">
+        <a:defRPr sz="1400" b="0" i="0" u="none" strike="noStrike" cap="none">
           <a:solidFill>
             <a:srgbClr val="000000"/>
           </a:solidFill>
@@ -9012,7 +8952,7 @@
           <a:sym typeface="Arial"/>
         </a:defRPr>
       </a:lvl3pPr>
-      <a:lvl4pPr lvl="3" marR="0" rtl="0" algn="l">
+      <a:lvl4pPr marR="0" lvl="3" algn="l" rtl="0">
         <a:lnSpc>
           <a:spcPct val="100000"/>
         </a:lnSpc>
@@ -9026,7 +8966,7 @@
           <a:srgbClr val="000000"/>
         </a:buClr>
         <a:buFont typeface="Arial"/>
-        <a:defRPr b="0" i="0" sz="1400" u="none" cap="none" strike="noStrike">
+        <a:defRPr sz="1400" b="0" i="0" u="none" strike="noStrike" cap="none">
           <a:solidFill>
             <a:srgbClr val="000000"/>
           </a:solidFill>
@@ -9036,7 +8976,7 @@
           <a:sym typeface="Arial"/>
         </a:defRPr>
       </a:lvl4pPr>
-      <a:lvl5pPr lvl="4" marR="0" rtl="0" algn="l">
+      <a:lvl5pPr marR="0" lvl="4" algn="l" rtl="0">
         <a:lnSpc>
           <a:spcPct val="100000"/>
         </a:lnSpc>
@@ -9050,7 +8990,7 @@
           <a:srgbClr val="000000"/>
         </a:buClr>
         <a:buFont typeface="Arial"/>
-        <a:defRPr b="0" i="0" sz="1400" u="none" cap="none" strike="noStrike">
+        <a:defRPr sz="1400" b="0" i="0" u="none" strike="noStrike" cap="none">
           <a:solidFill>
             <a:srgbClr val="000000"/>
           </a:solidFill>
@@ -9060,7 +9000,7 @@
           <a:sym typeface="Arial"/>
         </a:defRPr>
       </a:lvl5pPr>
-      <a:lvl6pPr lvl="5" marR="0" rtl="0" algn="l">
+      <a:lvl6pPr marR="0" lvl="5" algn="l" rtl="0">
         <a:lnSpc>
           <a:spcPct val="100000"/>
         </a:lnSpc>
@@ -9074,7 +9014,7 @@
           <a:srgbClr val="000000"/>
         </a:buClr>
         <a:buFont typeface="Arial"/>
-        <a:defRPr b="0" i="0" sz="1400" u="none" cap="none" strike="noStrike">
+        <a:defRPr sz="1400" b="0" i="0" u="none" strike="noStrike" cap="none">
           <a:solidFill>
             <a:srgbClr val="000000"/>
           </a:solidFill>
@@ -9084,7 +9024,7 @@
           <a:sym typeface="Arial"/>
         </a:defRPr>
       </a:lvl6pPr>
-      <a:lvl7pPr lvl="6" marR="0" rtl="0" algn="l">
+      <a:lvl7pPr marR="0" lvl="6" algn="l" rtl="0">
         <a:lnSpc>
           <a:spcPct val="100000"/>
         </a:lnSpc>
@@ -9098,7 +9038,7 @@
           <a:srgbClr val="000000"/>
         </a:buClr>
         <a:buFont typeface="Arial"/>
-        <a:defRPr b="0" i="0" sz="1400" u="none" cap="none" strike="noStrike">
+        <a:defRPr sz="1400" b="0" i="0" u="none" strike="noStrike" cap="none">
           <a:solidFill>
             <a:srgbClr val="000000"/>
           </a:solidFill>
@@ -9108,7 +9048,7 @@
           <a:sym typeface="Arial"/>
         </a:defRPr>
       </a:lvl7pPr>
-      <a:lvl8pPr lvl="7" marR="0" rtl="0" algn="l">
+      <a:lvl8pPr marR="0" lvl="7" algn="l" rtl="0">
         <a:lnSpc>
           <a:spcPct val="100000"/>
         </a:lnSpc>
@@ -9122,7 +9062,7 @@
           <a:srgbClr val="000000"/>
         </a:buClr>
         <a:buFont typeface="Arial"/>
-        <a:defRPr b="0" i="0" sz="1400" u="none" cap="none" strike="noStrike">
+        <a:defRPr sz="1400" b="0" i="0" u="none" strike="noStrike" cap="none">
           <a:solidFill>
             <a:srgbClr val="000000"/>
           </a:solidFill>
@@ -9132,7 +9072,7 @@
           <a:sym typeface="Arial"/>
         </a:defRPr>
       </a:lvl8pPr>
-      <a:lvl9pPr lvl="8" marR="0" rtl="0" algn="l">
+      <a:lvl9pPr marR="0" lvl="8" algn="l" rtl="0">
         <a:lnSpc>
           <a:spcPct val="100000"/>
         </a:lnSpc>
@@ -9146,7 +9086,7 @@
           <a:srgbClr val="000000"/>
         </a:buClr>
         <a:buFont typeface="Arial"/>
-        <a:defRPr b="0" i="0" sz="1400" u="none" cap="none" strike="noStrike">
+        <a:defRPr sz="1400" b="0" i="0" u="none" strike="noStrike" cap="none">
           <a:solidFill>
             <a:srgbClr val="000000"/>
           </a:solidFill>
@@ -9158,7 +9098,7 @@
       </a:lvl9pPr>
     </p:bodyStyle>
     <p:otherStyle>
-      <a:defPPr lvl="0" marR="0" rtl="0" algn="l">
+      <a:defPPr marR="0" lvl="0" algn="l" rtl="0">
         <a:lnSpc>
           <a:spcPct val="100000"/>
         </a:lnSpc>
@@ -9169,7 +9109,7 @@
           <a:spcPts val="0"/>
         </a:spcAft>
       </a:defPPr>
-      <a:lvl1pPr lvl="0" marR="0" rtl="0" algn="l">
+      <a:lvl1pPr marR="0" lvl="0" algn="l" rtl="0">
         <a:lnSpc>
           <a:spcPct val="100000"/>
         </a:lnSpc>
@@ -9183,7 +9123,7 @@
           <a:srgbClr val="000000"/>
         </a:buClr>
         <a:buFont typeface="Arial"/>
-        <a:defRPr b="0" i="0" sz="1400" u="none" cap="none" strike="noStrike">
+        <a:defRPr sz="1400" b="0" i="0" u="none" strike="noStrike" cap="none">
           <a:solidFill>
             <a:srgbClr val="000000"/>
           </a:solidFill>
@@ -9193,7 +9133,7 @@
           <a:sym typeface="Arial"/>
         </a:defRPr>
       </a:lvl1pPr>
-      <a:lvl2pPr lvl="1" marR="0" rtl="0" algn="l">
+      <a:lvl2pPr marR="0" lvl="1" algn="l" rtl="0">
         <a:lnSpc>
           <a:spcPct val="100000"/>
         </a:lnSpc>
@@ -9207,7 +9147,7 @@
           <a:srgbClr val="000000"/>
         </a:buClr>
         <a:buFont typeface="Arial"/>
-        <a:defRPr b="0" i="0" sz="1400" u="none" cap="none" strike="noStrike">
+        <a:defRPr sz="1400" b="0" i="0" u="none" strike="noStrike" cap="none">
           <a:solidFill>
             <a:srgbClr val="000000"/>
           </a:solidFill>
@@ -9217,7 +9157,7 @@
           <a:sym typeface="Arial"/>
         </a:defRPr>
       </a:lvl2pPr>
-      <a:lvl3pPr lvl="2" marR="0" rtl="0" algn="l">
+      <a:lvl3pPr marR="0" lvl="2" algn="l" rtl="0">
         <a:lnSpc>
           <a:spcPct val="100000"/>
         </a:lnSpc>
@@ -9231,7 +9171,7 @@
           <a:srgbClr val="000000"/>
         </a:buClr>
         <a:buFont typeface="Arial"/>
-        <a:defRPr b="0" i="0" sz="1400" u="none" cap="none" strike="noStrike">
+        <a:defRPr sz="1400" b="0" i="0" u="none" strike="noStrike" cap="none">
           <a:solidFill>
             <a:srgbClr val="000000"/>
           </a:solidFill>
@@ -9241,7 +9181,7 @@
           <a:sym typeface="Arial"/>
         </a:defRPr>
       </a:lvl3pPr>
-      <a:lvl4pPr lvl="3" marR="0" rtl="0" algn="l">
+      <a:lvl4pPr marR="0" lvl="3" algn="l" rtl="0">
         <a:lnSpc>
           <a:spcPct val="100000"/>
         </a:lnSpc>
@@ -9255,7 +9195,7 @@
           <a:srgbClr val="000000"/>
         </a:buClr>
         <a:buFont typeface="Arial"/>
-        <a:defRPr b="0" i="0" sz="1400" u="none" cap="none" strike="noStrike">
+        <a:defRPr sz="1400" b="0" i="0" u="none" strike="noStrike" cap="none">
           <a:solidFill>
             <a:srgbClr val="000000"/>
           </a:solidFill>
@@ -9265,7 +9205,7 @@
           <a:sym typeface="Arial"/>
         </a:defRPr>
       </a:lvl4pPr>
-      <a:lvl5pPr lvl="4" marR="0" rtl="0" algn="l">
+      <a:lvl5pPr marR="0" lvl="4" algn="l" rtl="0">
         <a:lnSpc>
           <a:spcPct val="100000"/>
         </a:lnSpc>
@@ -9279,7 +9219,7 @@
           <a:srgbClr val="000000"/>
         </a:buClr>
         <a:buFont typeface="Arial"/>
-        <a:defRPr b="0" i="0" sz="1400" u="none" cap="none" strike="noStrike">
+        <a:defRPr sz="1400" b="0" i="0" u="none" strike="noStrike" cap="none">
           <a:solidFill>
             <a:srgbClr val="000000"/>
           </a:solidFill>
@@ -9289,7 +9229,7 @@
           <a:sym typeface="Arial"/>
         </a:defRPr>
       </a:lvl5pPr>
-      <a:lvl6pPr lvl="5" marR="0" rtl="0" algn="l">
+      <a:lvl6pPr marR="0" lvl="5" algn="l" rtl="0">
         <a:lnSpc>
           <a:spcPct val="100000"/>
         </a:lnSpc>
@@ -9303,7 +9243,7 @@
           <a:srgbClr val="000000"/>
         </a:buClr>
         <a:buFont typeface="Arial"/>
-        <a:defRPr b="0" i="0" sz="1400" u="none" cap="none" strike="noStrike">
+        <a:defRPr sz="1400" b="0" i="0" u="none" strike="noStrike" cap="none">
           <a:solidFill>
             <a:srgbClr val="000000"/>
           </a:solidFill>
@@ -9313,7 +9253,7 @@
           <a:sym typeface="Arial"/>
         </a:defRPr>
       </a:lvl6pPr>
-      <a:lvl7pPr lvl="6" marR="0" rtl="0" algn="l">
+      <a:lvl7pPr marR="0" lvl="6" algn="l" rtl="0">
         <a:lnSpc>
           <a:spcPct val="100000"/>
         </a:lnSpc>
@@ -9327,7 +9267,7 @@
           <a:srgbClr val="000000"/>
         </a:buClr>
         <a:buFont typeface="Arial"/>
-        <a:defRPr b="0" i="0" sz="1400" u="none" cap="none" strike="noStrike">
+        <a:defRPr sz="1400" b="0" i="0" u="none" strike="noStrike" cap="none">
           <a:solidFill>
             <a:srgbClr val="000000"/>
           </a:solidFill>
@@ -9337,7 +9277,7 @@
           <a:sym typeface="Arial"/>
         </a:defRPr>
       </a:lvl7pPr>
-      <a:lvl8pPr lvl="7" marR="0" rtl="0" algn="l">
+      <a:lvl8pPr marR="0" lvl="7" algn="l" rtl="0">
         <a:lnSpc>
           <a:spcPct val="100000"/>
         </a:lnSpc>
@@ -9351,7 +9291,7 @@
           <a:srgbClr val="000000"/>
         </a:buClr>
         <a:buFont typeface="Arial"/>
-        <a:defRPr b="0" i="0" sz="1400" u="none" cap="none" strike="noStrike">
+        <a:defRPr sz="1400" b="0" i="0" u="none" strike="noStrike" cap="none">
           <a:solidFill>
             <a:srgbClr val="000000"/>
           </a:solidFill>
@@ -9361,7 +9301,7 @@
           <a:sym typeface="Arial"/>
         </a:defRPr>
       </a:lvl8pPr>
-      <a:lvl9pPr lvl="8" marR="0" rtl="0" algn="l">
+      <a:lvl9pPr marR="0" lvl="8" algn="l" rtl="0">
         <a:lnSpc>
           <a:spcPct val="100000"/>
         </a:lnSpc>
@@ -9375,7 +9315,7 @@
           <a:srgbClr val="000000"/>
         </a:buClr>
         <a:buFont typeface="Arial"/>
-        <a:defRPr b="0" i="0" sz="1400" u="none" cap="none" strike="noStrike">
+        <a:defRPr sz="1400" b="0" i="0" u="none" strike="noStrike" cap="none">
           <a:solidFill>
             <a:srgbClr val="000000"/>
           </a:solidFill>
@@ -9391,11 +9331,11 @@
 </file>
 
 <file path=ppt/slides/slide1.xml><?xml version="1.0" encoding="utf-8"?>
-<p:sld xmlns:a="http://schemas.openxmlformats.org/drawingml/2006/main" xmlns:r="http://schemas.openxmlformats.org/officeDocument/2006/relationships" xmlns:mc="http://schemas.openxmlformats.org/markup-compatibility/2006" xmlns:mv="urn:schemas-microsoft-com:mac:vml" xmlns:p="http://schemas.openxmlformats.org/presentationml/2006/main" xmlns:c="http://schemas.openxmlformats.org/drawingml/2006/chart" xmlns:dgm="http://schemas.openxmlformats.org/drawingml/2006/diagram" xmlns:o="urn:schemas-microsoft-com:office:office" xmlns:v="urn:schemas-microsoft-com:vml" xmlns:pvml="urn:schemas-microsoft-com:office:powerpoint" xmlns:com="http://schemas.openxmlformats.org/drawingml/2006/compatibility" xmlns:p14="http://schemas.microsoft.com/office/powerpoint/2010/main" xmlns:p15="http://schemas.microsoft.com/office/powerpoint/2012/main" xmlns:ahyp="http://schemas.microsoft.com/office/drawing/2018/hyperlinkcolor">
+<p:sld xmlns:a="http://schemas.openxmlformats.org/drawingml/2006/main" xmlns:r="http://schemas.openxmlformats.org/officeDocument/2006/relationships" xmlns:p="http://schemas.openxmlformats.org/presentationml/2006/main">
   <p:cSld>
     <p:spTree>
       <p:nvGrpSpPr>
-        <p:cNvPr id="81" name="Shape 81"/>
+        <p:cNvPr id="1" name="Shape 81"/>
         <p:cNvGrpSpPr/>
         <p:nvPr/>
       </p:nvGrpSpPr>
@@ -9410,9 +9350,11 @@
       <p:sp>
         <p:nvSpPr>
           <p:cNvPr id="82" name="Google Shape;82;p1"/>
-          <p:cNvSpPr txBox="1"/>
+          <p:cNvSpPr txBox="1">
+            <a:spLocks noGrp="1"/>
+          </p:cNvSpPr>
           <p:nvPr>
-            <p:ph idx="1" type="body"/>
+            <p:ph type="body" idx="1"/>
           </p:nvPr>
         </p:nvSpPr>
         <p:spPr>
@@ -9429,12 +9371,12 @@
           </a:ln>
         </p:spPr>
         <p:txBody>
-          <a:bodyPr anchorCtr="0" anchor="t" bIns="0" lIns="0" spcFirstLastPara="1" rIns="0" wrap="square" tIns="0">
+          <a:bodyPr spcFirstLastPara="1" wrap="square" lIns="0" tIns="0" rIns="0" bIns="0" anchor="t" anchorCtr="0">
             <a:spAutoFit/>
           </a:bodyPr>
           <a:lstStyle/>
           <a:p>
-            <a:pPr indent="0" lvl="0" marL="0" rtl="0" algn="l">
+            <a:pPr marL="0" lvl="0" indent="0" algn="l" rtl="0">
               <a:lnSpc>
                 <a:spcPct val="100000"/>
               </a:lnSpc>
@@ -9452,7 +9394,7 @@
             </a:pPr>
             <a:r>
               <a:rPr lang="en-US"/>
-              <a:t>Team Name</a:t>
+              <a:t>SIC-25-26-Team 462</a:t>
             </a:r>
             <a:endParaRPr/>
           </a:p>
@@ -9461,7 +9403,9 @@
       <p:sp>
         <p:nvSpPr>
           <p:cNvPr id="83" name="Google Shape;83;p1"/>
-          <p:cNvSpPr txBox="1"/>
+          <p:cNvSpPr txBox="1">
+            <a:spLocks noGrp="1"/>
+          </p:cNvSpPr>
           <p:nvPr>
             <p:ph type="title"/>
           </p:nvPr>
@@ -9480,12 +9424,12 @@
           </a:ln>
         </p:spPr>
         <p:txBody>
-          <a:bodyPr anchorCtr="0" anchor="t" bIns="0" lIns="0" spcFirstLastPara="1" rIns="0" wrap="square" tIns="0">
+          <a:bodyPr spcFirstLastPara="1" wrap="square" lIns="0" tIns="0" rIns="0" bIns="0" anchor="t" anchorCtr="0">
             <a:spAutoFit/>
           </a:bodyPr>
           <a:lstStyle/>
           <a:p>
-            <a:pPr indent="0" lvl="0" marL="0" rtl="0" algn="l">
+            <a:pPr marL="0" lvl="0" indent="0" algn="l" rtl="0">
               <a:lnSpc>
                 <a:spcPct val="100000"/>
               </a:lnSpc>
@@ -9503,17 +9447,1224 @@
               <a:buNone/>
             </a:pPr>
             <a:r>
-              <a:rPr lang="en-US"/>
-              <a:t>Project</a:t>
-            </a:r>
-            <a:br>
-              <a:rPr lang="en-US"/>
-            </a:br>
-            <a:r>
-              <a:rPr lang="en-US"/>
-              <a:t>Name</a:t>
+              <a:rPr sz="2800" b="1"/>
+              <a:t>COVID-19 Pandemic Data Analysis &amp; Trend Prediction</a:t>
             </a:r>
             <a:endParaRPr/>
+          </a:p>
+        </p:txBody>
+      </p:sp>
+    </p:spTree>
+  </p:cSld>
+  <p:clrMapOvr>
+    <a:masterClrMapping/>
+  </p:clrMapOvr>
+</p:sld>
+</file>
+
+<file path=ppt/slides/slide10.xml><?xml version="1.0" encoding="utf-8"?>
+<p:sld xmlns:a="http://schemas.openxmlformats.org/drawingml/2006/main" xmlns:p="http://schemas.openxmlformats.org/presentationml/2006/main" xmlns:r="http://schemas.openxmlformats.org/officeDocument/2006/relationships">
+  <p:cSld>
+    <p:spTree>
+      <p:nvGrpSpPr>
+        <p:cNvPr id="1" name=""/>
+        <p:cNvGrpSpPr/>
+        <p:nvPr/>
+      </p:nvGrpSpPr>
+      <p:grpSpPr/>
+      <p:sp>
+        <p:nvSpPr>
+          <p:cNvPr id="2" name="Title 1"/>
+          <p:cNvSpPr>
+            <a:spLocks noGrp="1"/>
+          </p:cNvSpPr>
+          <p:nvPr>
+            <p:ph type="title"/>
+          </p:nvPr>
+        </p:nvSpPr>
+        <p:spPr/>
+        <p:txBody>
+          <a:bodyPr/>
+          <a:lstStyle/>
+          <a:p>
+            <a:r>
+              <a:t>Pandemic Waves &amp; Trends</a:t>
+            </a:r>
+          </a:p>
+        </p:txBody>
+      </p:sp>
+      <p:sp>
+        <p:nvSpPr>
+          <p:cNvPr id="4" name="Text Placeholder 3"/>
+          <p:cNvSpPr>
+            <a:spLocks noGrp="1"/>
+          </p:cNvSpPr>
+          <p:nvPr>
+            <p:ph type="body" idx="2"/>
+          </p:nvPr>
+        </p:nvSpPr>
+        <p:spPr/>
+        <p:txBody>
+          <a:bodyPr/>
+          <a:lstStyle/>
+          <a:p>
+            <a:r>
+              <a:t>2.3 Exploratory Data Analysis</a:t>
+            </a:r>
+          </a:p>
+        </p:txBody>
+      </p:sp>
+      <p:sp>
+        <p:nvSpPr>
+          <p:cNvPr id="7" name="Text Placeholder 6"/>
+          <p:cNvSpPr>
+            <a:spLocks noGrp="1"/>
+          </p:cNvSpPr>
+          <p:nvPr>
+            <p:ph type="body" idx="5"/>
+          </p:nvPr>
+        </p:nvSpPr>
+        <p:spPr/>
+        <p:txBody>
+          <a:bodyPr/>
+          <a:lstStyle/>
+          <a:p>
+            <a:pPr/>
+            <a:r>
+              <a:t>Wave 1: March to May 2020</a:t>
+            </a:r>
+          </a:p>
+          <a:p>
+            <a:pPr lvl="1"/>
+            <a:r>
+              <a:t>The first global outbreak. Strict lockdowns went into effect and daily case numbers were still relatively low compared to what came later</a:t>
+            </a:r>
+          </a:p>
+          <a:p>
+            <a:pPr/>
+            <a:r>
+              <a:t>Wave 2: November 2020 to February 2021</a:t>
+            </a:r>
+          </a:p>
+          <a:p>
+            <a:pPr lvl="1"/>
+            <a:r>
+              <a:t>The winter surge hit hard. Daily case volumes jumped well above Wave 1 levels across multiple continents</a:t>
+            </a:r>
+          </a:p>
+          <a:p>
+            <a:pPr/>
+            <a:r>
+              <a:t>Wave 3: December 2021 to March 2022</a:t>
+            </a:r>
+          </a:p>
+          <a:p>
+            <a:pPr lvl="1"/>
+            <a:r>
+              <a:t>Driven by the Omicron variant. This wave had the highest peak daily case counts we observed in the entire dataset</a:t>
+            </a:r>
+          </a:p>
+          <a:p>
+            <a:pPr/>
+            <a:r>
+              <a:t>Other Patterns</a:t>
+            </a:r>
+          </a:p>
+          <a:p>
+            <a:pPr lvl="1"/>
+            <a:r>
+              <a:t>A small number of countries accounted for most of the total cases globally. We also noticed weekday/weekend differences in reporting, which matters when reading short-term fluctuations</a:t>
+            </a:r>
+          </a:p>
+        </p:txBody>
+      </p:sp>
+    </p:spTree>
+  </p:cSld>
+  <p:clrMapOvr>
+    <a:masterClrMapping/>
+  </p:clrMapOvr>
+</p:sld>
+</file>
+
+<file path=ppt/slides/slide11.xml><?xml version="1.0" encoding="utf-8"?>
+<p:sld xmlns:a="http://schemas.openxmlformats.org/drawingml/2006/main" xmlns:p="http://schemas.openxmlformats.org/presentationml/2006/main" xmlns:r="http://schemas.openxmlformats.org/officeDocument/2006/relationships">
+  <p:cSld>
+    <p:spTree>
+      <p:nvGrpSpPr>
+        <p:cNvPr id="1" name=""/>
+        <p:cNvGrpSpPr/>
+        <p:nvPr/>
+      </p:nvGrpSpPr>
+      <p:grpSpPr/>
+      <p:sp>
+        <p:nvSpPr>
+          <p:cNvPr id="2" name="Title 1"/>
+          <p:cNvSpPr>
+            <a:spLocks noGrp="1"/>
+          </p:cNvSpPr>
+          <p:nvPr>
+            <p:ph type="title"/>
+          </p:nvPr>
+        </p:nvSpPr>
+        <p:spPr/>
+        <p:txBody>
+          <a:bodyPr/>
+          <a:lstStyle/>
+          <a:p>
+            <a:r>
+              <a:t>Model Training &amp; Selection</a:t>
+            </a:r>
+          </a:p>
+        </p:txBody>
+      </p:sp>
+      <p:sp>
+        <p:nvSpPr>
+          <p:cNvPr id="4" name="Text Placeholder 3"/>
+          <p:cNvSpPr>
+            <a:spLocks noGrp="1"/>
+          </p:cNvSpPr>
+          <p:nvPr>
+            <p:ph type="body" idx="2"/>
+          </p:nvPr>
+        </p:nvSpPr>
+        <p:spPr/>
+        <p:txBody>
+          <a:bodyPr/>
+          <a:lstStyle/>
+          <a:p>
+            <a:r>
+              <a:t>3.1 Feature Engineering &amp; Modeling</a:t>
+            </a:r>
+          </a:p>
+        </p:txBody>
+      </p:sp>
+      <p:sp>
+        <p:nvSpPr>
+          <p:cNvPr id="7" name="Text Placeholder 6"/>
+          <p:cNvSpPr>
+            <a:spLocks noGrp="1"/>
+          </p:cNvSpPr>
+          <p:nvPr>
+            <p:ph type="body" idx="5"/>
+          </p:nvPr>
+        </p:nvSpPr>
+        <p:spPr/>
+        <p:txBody>
+          <a:bodyPr/>
+          <a:lstStyle/>
+          <a:p>
+            <a:pPr/>
+            <a:r>
+              <a:t>Feature Vector</a:t>
+            </a:r>
+          </a:p>
+          <a:p>
+            <a:pPr lvl="1"/>
+            <a:r>
+              <a:t>We used DaysSinceStart, DayOfWeek, Month, and TotalCases as input features. The target variable was DailyNewCases</a:t>
+            </a:r>
+          </a:p>
+          <a:p>
+            <a:pPr/>
+            <a:r>
+              <a:t>Data Split</a:t>
+            </a:r>
+          </a:p>
+          <a:p>
+            <a:pPr lvl="1"/>
+            <a:r>
+              <a:t>80% of the data went to training, 20% to testing. This gave us a fair read on how well each model would generalize</a:t>
+            </a:r>
+          </a:p>
+          <a:p>
+            <a:pPr/>
+            <a:r>
+              <a:t>Linear Regression</a:t>
+            </a:r>
+          </a:p>
+          <a:p>
+            <a:pPr lvl="1"/>
+            <a:r>
+              <a:t>Our baseline model. Simple, interpretable, and it turned out to perform better than expected on this dataset</a:t>
+            </a:r>
+          </a:p>
+          <a:p>
+            <a:pPr/>
+            <a:r>
+              <a:t>Random Forest Regressor</a:t>
+            </a:r>
+          </a:p>
+          <a:p>
+            <a:pPr lvl="1"/>
+            <a:r>
+              <a:t>The non-linear alternative. It can capture more complex patterns but ended up not beating Linear Regression here</a:t>
+            </a:r>
+          </a:p>
+        </p:txBody>
+      </p:sp>
+    </p:spTree>
+  </p:cSld>
+  <p:clrMapOvr>
+    <a:masterClrMapping/>
+  </p:clrMapOvr>
+</p:sld>
+</file>
+
+<file path=ppt/slides/slide12.xml><?xml version="1.0" encoding="utf-8"?>
+<p:sld xmlns:a="http://schemas.openxmlformats.org/drawingml/2006/main" xmlns:p="http://schemas.openxmlformats.org/presentationml/2006/main" xmlns:r="http://schemas.openxmlformats.org/officeDocument/2006/relationships">
+  <p:cSld>
+    <p:spTree>
+      <p:nvGrpSpPr>
+        <p:cNvPr id="1" name=""/>
+        <p:cNvGrpSpPr/>
+        <p:nvPr/>
+      </p:nvGrpSpPr>
+      <p:grpSpPr/>
+      <p:sp>
+        <p:nvSpPr>
+          <p:cNvPr id="2" name="Title 1"/>
+          <p:cNvSpPr>
+            <a:spLocks noGrp="1"/>
+          </p:cNvSpPr>
+          <p:nvPr>
+            <p:ph type="title"/>
+          </p:nvPr>
+        </p:nvSpPr>
+        <p:spPr/>
+        <p:txBody>
+          <a:bodyPr/>
+          <a:lstStyle/>
+          <a:p>
+            <a:r>
+              <a:t>Results</a:t>
+            </a:r>
+          </a:p>
+          <a:p>
+            <a:r>
+              <a:t>&amp; Conclusion</a:t>
+            </a:r>
+          </a:p>
+        </p:txBody>
+      </p:sp>
+      <p:sp>
+        <p:nvSpPr>
+          <p:cNvPr id="3" name="Text Placeholder 2"/>
+          <p:cNvSpPr>
+            <a:spLocks noGrp="1"/>
+          </p:cNvSpPr>
+          <p:nvPr>
+            <p:ph type="body" idx="1"/>
+          </p:nvPr>
+        </p:nvSpPr>
+        <p:spPr>
+          <a:xfrm>
+            <a:off x="990000" y="3550000"/>
+            <a:ext cx="7800000" cy="2800000"/>
+          </a:xfrm>
+        </p:spPr>
+        <p:txBody>
+          <a:bodyPr wrap="square"/>
+          <a:lstStyle/>
+          <a:p>
+            <a:pPr algn="l">
+              <a:spcAft>
+                <a:spcPts val="300"/>
+              </a:spcAft>
+            </a:pPr>
+            <a:r>
+              <a:rPr sz="1400" b="1">
+                <a:solidFill>
+                  <a:srgbClr val="1A1A2E"/>
+                </a:solidFill>
+              </a:rPr>
+              <a:t>Here we look at what the numbers tell us and where this goes from here.</a:t>
+            </a:r>
+          </a:p>
+          <a:p>
+            <a:pPr>
+              <a:spcAft>
+                <a:spcPts val="400"/>
+              </a:spcAft>
+            </a:pPr>
+          </a:p>
+          <a:p>
+            <a:pPr algn="l">
+              <a:spcAft>
+                <a:spcPts val="300"/>
+              </a:spcAft>
+            </a:pPr>
+            <a:r>
+              <a:rPr sz="1300" b="1">
+                <a:solidFill>
+                  <a:srgbClr val="193EB0"/>
+                </a:solidFill>
+              </a:rPr>
+              <a:t>What this section covers:</a:t>
+            </a:r>
+          </a:p>
+          <a:p>
+            <a:pPr algn="l">
+              <a:spcAft>
+                <a:spcPts val="300"/>
+              </a:spcAft>
+            </a:pPr>
+            <a:r>
+              <a:rPr sz="1300" b="0">
+                <a:solidFill>
+                  <a:srgbClr val="4A4A4A"/>
+                </a:solidFill>
+              </a:rPr>
+              <a:t>Model performance — which model won, the actual RMSE and R-squared numbers, and where predictions worked best.</a:t>
+            </a:r>
+          </a:p>
+          <a:p>
+            <a:pPr algn="l">
+              <a:spcAft>
+                <a:spcPts val="300"/>
+              </a:spcAft>
+            </a:pPr>
+            <a:r>
+              <a:rPr sz="1300" b="0">
+                <a:solidFill>
+                  <a:srgbClr val="4A4A4A"/>
+                </a:solidFill>
+              </a:rPr>
+              <a:t>Testing and validation — how we verified our results and what the known limitations are.</a:t>
+            </a:r>
+          </a:p>
+          <a:p>
+            <a:pPr algn="l">
+              <a:spcAft>
+                <a:spcPts val="300"/>
+              </a:spcAft>
+            </a:pPr>
+            <a:r>
+              <a:rPr sz="1300" b="0">
+                <a:solidFill>
+                  <a:srgbClr val="4A4A4A"/>
+                </a:solidFill>
+              </a:rPr>
+              <a:t>The team — who did what, our 4-day sprint timeline, and how we divided the work across five members.</a:t>
+            </a:r>
+          </a:p>
+          <a:p>
+            <a:pPr algn="l">
+              <a:spcAft>
+                <a:spcPts val="300"/>
+              </a:spcAft>
+            </a:pPr>
+            <a:r>
+              <a:rPr sz="1300" b="0">
+                <a:solidFill>
+                  <a:srgbClr val="4A4A4A"/>
+                </a:solidFill>
+              </a:rPr>
+              <a:t>Future work and conclusion — what we would do differently, what could come next, and the final takeaways.</a:t>
+            </a:r>
+          </a:p>
+        </p:txBody>
+      </p:sp>
+    </p:spTree>
+  </p:cSld>
+  <p:clrMapOvr>
+    <a:masterClrMapping/>
+  </p:clrMapOvr>
+</p:sld>
+</file>
+
+<file path=ppt/slides/slide13.xml><?xml version="1.0" encoding="utf-8"?>
+<p:sld xmlns:a="http://schemas.openxmlformats.org/drawingml/2006/main" xmlns:p="http://schemas.openxmlformats.org/presentationml/2006/main" xmlns:r="http://schemas.openxmlformats.org/officeDocument/2006/relationships">
+  <p:cSld>
+    <p:spTree>
+      <p:nvGrpSpPr>
+        <p:cNvPr id="1" name=""/>
+        <p:cNvGrpSpPr/>
+        <p:nvPr/>
+      </p:nvGrpSpPr>
+      <p:grpSpPr/>
+      <p:sp>
+        <p:nvSpPr>
+          <p:cNvPr id="2" name="Title 1"/>
+          <p:cNvSpPr>
+            <a:spLocks noGrp="1"/>
+          </p:cNvSpPr>
+          <p:nvPr>
+            <p:ph type="title"/>
+          </p:nvPr>
+        </p:nvSpPr>
+        <p:spPr/>
+        <p:txBody>
+          <a:bodyPr/>
+          <a:lstStyle/>
+          <a:p>
+            <a:r>
+              <a:t>Model Performance Comparison</a:t>
+            </a:r>
+          </a:p>
+        </p:txBody>
+      </p:sp>
+      <p:sp>
+        <p:nvSpPr>
+          <p:cNvPr id="4" name="Text Placeholder 3"/>
+          <p:cNvSpPr>
+            <a:spLocks noGrp="1"/>
+          </p:cNvSpPr>
+          <p:nvPr>
+            <p:ph type="body" idx="2"/>
+          </p:nvPr>
+        </p:nvSpPr>
+        <p:spPr/>
+        <p:txBody>
+          <a:bodyPr/>
+          <a:lstStyle/>
+          <a:p>
+            <a:r>
+              <a:t>3.2 Results &amp; Evaluation</a:t>
+            </a:r>
+          </a:p>
+        </p:txBody>
+      </p:sp>
+      <p:sp>
+        <p:nvSpPr>
+          <p:cNvPr id="7" name="Text Placeholder 6"/>
+          <p:cNvSpPr>
+            <a:spLocks noGrp="1"/>
+          </p:cNvSpPr>
+          <p:nvPr>
+            <p:ph type="body" idx="5"/>
+          </p:nvPr>
+        </p:nvSpPr>
+        <p:spPr/>
+        <p:txBody>
+          <a:bodyPr/>
+          <a:lstStyle/>
+          <a:p>
+            <a:pPr/>
+            <a:r>
+              <a:t>Linear Regression Won</a:t>
+            </a:r>
+          </a:p>
+          <a:p>
+            <a:pPr lvl="1"/>
+            <a:r>
+              <a:t>RMSE of 1,847.32, MAE of 892.15, and R-squared of 0.7234. This was the strongest performer across all metrics</a:t>
+            </a:r>
+          </a:p>
+          <a:p>
+            <a:pPr/>
+            <a:r>
+              <a:t>Random Forest Fell Short</a:t>
+            </a:r>
+          </a:p>
+          <a:p>
+            <a:pPr lvl="1"/>
+            <a:r>
+              <a:t>RMSE came in at 2,103.45 — about 14% worse than Linear Regression on the error scale</a:t>
+            </a:r>
+          </a:p>
+          <a:p>
+            <a:pPr/>
+            <a:r>
+              <a:t>Short-Term Predictions Worked Best</a:t>
+            </a:r>
+          </a:p>
+          <a:p>
+            <a:pPr lvl="1"/>
+            <a:r>
+              <a:t>Predictions for 1 to 7 days out were noticeably more accurate than medium-range forecasts, which makes sense given how fast pandemic dynamics can shift</a:t>
+            </a:r>
+          </a:p>
+          <a:p>
+            <a:pPr/>
+            <a:r>
+              <a:t>Where It Struggled</a:t>
+            </a:r>
+          </a:p>
+          <a:p>
+            <a:pPr lvl="1"/>
+            <a:r>
+              <a:t>The model held up well for high-volume countries but accuracy dropped when new variants caused sudden changes in the data</a:t>
+            </a:r>
+          </a:p>
+        </p:txBody>
+      </p:sp>
+    </p:spTree>
+  </p:cSld>
+  <p:clrMapOvr>
+    <a:masterClrMapping/>
+  </p:clrMapOvr>
+</p:sld>
+</file>
+
+<file path=ppt/slides/slide14.xml><?xml version="1.0" encoding="utf-8"?>
+<p:sld xmlns:a="http://schemas.openxmlformats.org/drawingml/2006/main" xmlns:p="http://schemas.openxmlformats.org/presentationml/2006/main" xmlns:r="http://schemas.openxmlformats.org/officeDocument/2006/relationships">
+  <p:cSld>
+    <p:spTree>
+      <p:nvGrpSpPr>
+        <p:cNvPr id="1" name=""/>
+        <p:cNvGrpSpPr/>
+        <p:nvPr/>
+      </p:nvGrpSpPr>
+      <p:grpSpPr/>
+      <p:sp>
+        <p:nvSpPr>
+          <p:cNvPr id="2" name="Title 1"/>
+          <p:cNvSpPr>
+            <a:spLocks noGrp="1"/>
+          </p:cNvSpPr>
+          <p:nvPr>
+            <p:ph type="title"/>
+          </p:nvPr>
+        </p:nvSpPr>
+        <p:spPr/>
+        <p:txBody>
+          <a:bodyPr/>
+          <a:lstStyle/>
+          <a:p>
+            <a:r>
+              <a:t>Quality Assurance &amp; Verification</a:t>
+            </a:r>
+          </a:p>
+        </p:txBody>
+      </p:sp>
+      <p:sp>
+        <p:nvSpPr>
+          <p:cNvPr id="4" name="Text Placeholder 3"/>
+          <p:cNvSpPr>
+            <a:spLocks noGrp="1"/>
+          </p:cNvSpPr>
+          <p:nvPr>
+            <p:ph type="body" idx="2"/>
+          </p:nvPr>
+        </p:nvSpPr>
+        <p:spPr/>
+        <p:txBody>
+          <a:bodyPr/>
+          <a:lstStyle/>
+          <a:p>
+            <a:r>
+              <a:t>3.3 Testing &amp; Validation</a:t>
+            </a:r>
+          </a:p>
+        </p:txBody>
+      </p:sp>
+      <p:sp>
+        <p:nvSpPr>
+          <p:cNvPr id="7" name="Text Placeholder 6"/>
+          <p:cNvSpPr>
+            <a:spLocks noGrp="1"/>
+          </p:cNvSpPr>
+          <p:nvPr>
+            <p:ph type="body" idx="5"/>
+          </p:nvPr>
+        </p:nvSpPr>
+        <p:spPr/>
+        <p:txBody>
+          <a:bodyPr/>
+          <a:lstStyle/>
+          <a:p>
+            <a:pPr/>
+            <a:r>
+              <a:t>Data Quality Checks</a:t>
+            </a:r>
+          </a:p>
+          <a:p>
+            <a:pPr lvl="1"/>
+            <a:r>
+              <a:t>We validated outputs at each transformation stage to make sure nothing broke along the way</a:t>
+            </a:r>
+          </a:p>
+          <a:p>
+            <a:pPr/>
+            <a:r>
+              <a:t>Prediction Verification</a:t>
+            </a:r>
+          </a:p>
+          <a:p>
+            <a:pPr lvl="1"/>
+            <a:r>
+              <a:t>Ran sanity checks on predictions across different regions and time windows. Results looked reasonable for the scope of this project</a:t>
+            </a:r>
+          </a:p>
+          <a:p>
+            <a:pPr/>
+            <a:r>
+              <a:t>Statistical Testing</a:t>
+            </a:r>
+          </a:p>
+          <a:p>
+            <a:pPr lvl="1"/>
+            <a:r>
+              <a:t>Ran significance tests that confirmed Linear Regression was the right pick. The metrics consistently favored it over Random Forest</a:t>
+            </a:r>
+          </a:p>
+          <a:p>
+            <a:pPr/>
+            <a:r>
+              <a:t>Known Limitations</a:t>
+            </a:r>
+          </a:p>
+          <a:p>
+            <a:pPr lvl="1"/>
+            <a:r>
+              <a:t>The model gets less reliable during sudden epidemiological shifts (like a new variant). It also depends on countries reporting their numbers accurately and on time</a:t>
+            </a:r>
+          </a:p>
+        </p:txBody>
+      </p:sp>
+    </p:spTree>
+  </p:cSld>
+  <p:clrMapOvr>
+    <a:masterClrMapping/>
+  </p:clrMapOvr>
+</p:sld>
+</file>
+
+<file path=ppt/slides/slide15.xml><?xml version="1.0" encoding="utf-8"?>
+<p:sld xmlns:a="http://schemas.openxmlformats.org/drawingml/2006/main" xmlns:p="http://schemas.openxmlformats.org/presentationml/2006/main" xmlns:r="http://schemas.openxmlformats.org/officeDocument/2006/relationships">
+  <p:cSld>
+    <p:spTree>
+      <p:nvGrpSpPr>
+        <p:cNvPr id="1" name=""/>
+        <p:cNvGrpSpPr/>
+        <p:nvPr/>
+      </p:nvGrpSpPr>
+      <p:grpSpPr/>
+      <p:sp>
+        <p:nvSpPr>
+          <p:cNvPr id="2" name="Title 1"/>
+          <p:cNvSpPr>
+            <a:spLocks noGrp="1"/>
+          </p:cNvSpPr>
+          <p:nvPr>
+            <p:ph type="title"/>
+          </p:nvPr>
+        </p:nvSpPr>
+        <p:spPr/>
+        <p:txBody>
+          <a:bodyPr/>
+          <a:lstStyle/>
+          <a:p>
+            <a:r>
+              <a:t>Roles &amp; Execution Timeline</a:t>
+            </a:r>
+          </a:p>
+        </p:txBody>
+      </p:sp>
+      <p:sp>
+        <p:nvSpPr>
+          <p:cNvPr id="4" name="Text Placeholder 3"/>
+          <p:cNvSpPr>
+            <a:spLocks noGrp="1"/>
+          </p:cNvSpPr>
+          <p:nvPr>
+            <p:ph type="body" idx="2"/>
+          </p:nvPr>
+        </p:nvSpPr>
+        <p:spPr/>
+        <p:txBody>
+          <a:bodyPr/>
+          <a:lstStyle/>
+          <a:p>
+            <a:r>
+              <a:t>4.1 Team &amp; Project Management</a:t>
+            </a:r>
+          </a:p>
+        </p:txBody>
+      </p:sp>
+      <p:sp>
+        <p:nvSpPr>
+          <p:cNvPr id="7" name="Text Placeholder 6"/>
+          <p:cNvSpPr>
+            <a:spLocks noGrp="1"/>
+          </p:cNvSpPr>
+          <p:nvPr>
+            <p:ph type="body" idx="5"/>
+          </p:nvPr>
+        </p:nvSpPr>
+        <p:spPr/>
+        <p:txBody>
+          <a:bodyPr/>
+          <a:lstStyle/>
+          <a:p>
+            <a:pPr/>
+            <a:r>
+              <a:t>Prince Bhatia — Team Leader</a:t>
+            </a:r>
+          </a:p>
+          <a:p>
+            <a:pPr lvl="1"/>
+            <a:r>
+              <a:t>Handled planning, tracked milestones, coordinated between team members, and ran the final quality check before submission</a:t>
+            </a:r>
+          </a:p>
+          <a:p>
+            <a:pPr/>
+            <a:r>
+              <a:t>Mohit Arora — Data Lead</a:t>
+            </a:r>
+          </a:p>
+          <a:p>
+            <a:pPr lvl="1"/>
+            <a:r>
+              <a:t>Owned the data pipeline from start to finish: collection, cleaning, transformation, and getting the dataset ready for analysis</a:t>
+            </a:r>
+          </a:p>
+          <a:p>
+            <a:pPr/>
+            <a:r>
+              <a:t>Nishita — Research and Testing</a:t>
+            </a:r>
+          </a:p>
+          <a:p>
+            <a:pPr lvl="1"/>
+            <a:r>
+              <a:t>Did the literature review, ran validation checks, and provided analysis support throughout the project</a:t>
+            </a:r>
+          </a:p>
+        </p:txBody>
+      </p:sp>
+    </p:spTree>
+  </p:cSld>
+  <p:clrMapOvr>
+    <a:masterClrMapping/>
+  </p:clrMapOvr>
+</p:sld>
+</file>
+
+<file path=ppt/slides/slide16.xml><?xml version="1.0" encoding="utf-8"?>
+<p:sld xmlns:a="http://schemas.openxmlformats.org/drawingml/2006/main" xmlns:p="http://schemas.openxmlformats.org/presentationml/2006/main" xmlns:r="http://schemas.openxmlformats.org/officeDocument/2006/relationships">
+  <p:cSld>
+    <p:spTree>
+      <p:nvGrpSpPr>
+        <p:cNvPr id="1" name=""/>
+        <p:cNvGrpSpPr/>
+        <p:nvPr/>
+      </p:nvGrpSpPr>
+      <p:grpSpPr/>
+      <p:sp>
+        <p:nvSpPr>
+          <p:cNvPr id="2" name="Title 1"/>
+          <p:cNvSpPr>
+            <a:spLocks noGrp="1"/>
+          </p:cNvSpPr>
+          <p:nvPr>
+            <p:ph type="title"/>
+          </p:nvPr>
+        </p:nvSpPr>
+        <p:spPr/>
+        <p:txBody>
+          <a:bodyPr/>
+          <a:lstStyle/>
+          <a:p>
+            <a:r>
+              <a:t>Roles &amp; Sprint Timeline</a:t>
+            </a:r>
+          </a:p>
+        </p:txBody>
+      </p:sp>
+      <p:sp>
+        <p:nvSpPr>
+          <p:cNvPr id="4" name="Text Placeholder 3"/>
+          <p:cNvSpPr>
+            <a:spLocks noGrp="1"/>
+          </p:cNvSpPr>
+          <p:nvPr>
+            <p:ph type="body" idx="2"/>
+          </p:nvPr>
+        </p:nvSpPr>
+        <p:spPr/>
+        <p:txBody>
+          <a:bodyPr/>
+          <a:lstStyle/>
+          <a:p>
+            <a:r>
+              <a:t>4.1 Team &amp; Project Management</a:t>
+            </a:r>
+          </a:p>
+        </p:txBody>
+      </p:sp>
+      <p:sp>
+        <p:nvSpPr>
+          <p:cNvPr id="7" name="Text Placeholder 6"/>
+          <p:cNvSpPr>
+            <a:spLocks noGrp="1"/>
+          </p:cNvSpPr>
+          <p:nvPr>
+            <p:ph type="body" idx="5"/>
+          </p:nvPr>
+        </p:nvSpPr>
+        <p:spPr/>
+        <p:txBody>
+          <a:bodyPr/>
+          <a:lstStyle/>
+          <a:p>
+            <a:pPr/>
+            <a:r>
+              <a:t>Sourabh Panchal — Model Builder</a:t>
+            </a:r>
+          </a:p>
+          <a:p>
+            <a:pPr lvl="1"/>
+            <a:r>
+              <a:t>Built the feature engineering workflow, trained and evaluated both models, and selected the best-performing approach</a:t>
+            </a:r>
+          </a:p>
+          <a:p>
+            <a:pPr/>
+            <a:r>
+              <a:t>Ayush Nagpal — Presentation and Demo</a:t>
+            </a:r>
+          </a:p>
+          <a:p>
+            <a:pPr lvl="1"/>
+            <a:r>
+              <a:t>Pulled together the documentation, prepared this presentation, kept the WBS updated, and packaged everything for submission</a:t>
+            </a:r>
+          </a:p>
+          <a:p>
+            <a:pPr/>
+            <a:r>
+              <a:t>4-Day Sprint Schedule</a:t>
+            </a:r>
+          </a:p>
+          <a:p>
+            <a:pPr lvl="1"/>
+            <a:r>
+              <a:t>Feb 21: data collection and initial analysis (40%) → Feb 22: modeling and EDA (60%) → Feb 23: results and testing (80%) → Feb 24: final review and submission (100%)</a:t>
+            </a:r>
+          </a:p>
+        </p:txBody>
+      </p:sp>
+    </p:spTree>
+  </p:cSld>
+  <p:clrMapOvr>
+    <a:masterClrMapping/>
+  </p:clrMapOvr>
+</p:sld>
+</file>
+
+<file path=ppt/slides/slide17.xml><?xml version="1.0" encoding="utf-8"?>
+<p:sld xmlns:a="http://schemas.openxmlformats.org/drawingml/2006/main" xmlns:p="http://schemas.openxmlformats.org/presentationml/2006/main" xmlns:r="http://schemas.openxmlformats.org/officeDocument/2006/relationships">
+  <p:cSld>
+    <p:spTree>
+      <p:nvGrpSpPr>
+        <p:cNvPr id="1" name=""/>
+        <p:cNvGrpSpPr/>
+        <p:nvPr/>
+      </p:nvGrpSpPr>
+      <p:grpSpPr/>
+      <p:sp>
+        <p:nvSpPr>
+          <p:cNvPr id="2" name="Title 1"/>
+          <p:cNvSpPr>
+            <a:spLocks noGrp="1"/>
+          </p:cNvSpPr>
+          <p:nvPr>
+            <p:ph type="title"/>
+          </p:nvPr>
+        </p:nvSpPr>
+        <p:spPr/>
+        <p:txBody>
+          <a:bodyPr/>
+          <a:lstStyle/>
+          <a:p>
+            <a:r>
+              <a:t>Improvements &amp; Next Steps</a:t>
+            </a:r>
+          </a:p>
+        </p:txBody>
+      </p:sp>
+      <p:sp>
+        <p:nvSpPr>
+          <p:cNvPr id="4" name="Text Placeholder 3"/>
+          <p:cNvSpPr>
+            <a:spLocks noGrp="1"/>
+          </p:cNvSpPr>
+          <p:nvPr>
+            <p:ph type="body" idx="2"/>
+          </p:nvPr>
+        </p:nvSpPr>
+        <p:spPr/>
+        <p:txBody>
+          <a:bodyPr/>
+          <a:lstStyle/>
+          <a:p>
+            <a:r>
+              <a:t>4.2 Conclusions &amp; Future Work</a:t>
+            </a:r>
+          </a:p>
+        </p:txBody>
+      </p:sp>
+      <p:sp>
+        <p:nvSpPr>
+          <p:cNvPr id="7" name="Text Placeholder 6"/>
+          <p:cNvSpPr>
+            <a:spLocks noGrp="1"/>
+          </p:cNvSpPr>
+          <p:nvPr>
+            <p:ph type="body" idx="5"/>
+          </p:nvPr>
+        </p:nvSpPr>
+        <p:spPr/>
+        <p:txBody>
+          <a:bodyPr/>
+          <a:lstStyle/>
+          <a:p>
+            <a:pPr/>
+            <a:r>
+              <a:t>More Features</a:t>
+            </a:r>
+          </a:p>
+          <a:p>
+            <a:pPr lvl="1"/>
+            <a:r>
+              <a:t>Bring in vaccination rates, mobility data, government policy indices, and variant timelines — the model needs this context to handle regime shifts</a:t>
+            </a:r>
+          </a:p>
+          <a:p>
+            <a:pPr/>
+            <a:r>
+              <a:t>Better Models</a:t>
+            </a:r>
+          </a:p>
+          <a:p>
+            <a:pPr lvl="1"/>
+            <a:r>
+              <a:t>Try Prophet, LSTM, or ensemble approaches with rolling retraining so the model can adapt as new data comes in</a:t>
+            </a:r>
+          </a:p>
+          <a:p>
+            <a:pPr/>
+            <a:r>
+              <a:t>Live Dashboard</a:t>
+            </a:r>
+          </a:p>
+          <a:p>
+            <a:pPr lvl="1"/>
+            <a:r>
+              <a:t>Build an automated pipeline that refreshes on a schedule, with a dashboard for real-time monitoring</a:t>
+            </a:r>
+          </a:p>
+          <a:p>
+            <a:pPr/>
+            <a:r>
+              <a:t>Confidence Intervals</a:t>
+            </a:r>
+          </a:p>
+          <a:p>
+            <a:pPr lvl="1"/>
+            <a:r>
+              <a:t>Add uncertainty estimates and scenario-based forecasting so the outputs are actually useful for decision-makers</a:t>
+            </a:r>
+          </a:p>
+        </p:txBody>
+      </p:sp>
+    </p:spTree>
+  </p:cSld>
+  <p:clrMapOvr>
+    <a:masterClrMapping/>
+  </p:clrMapOvr>
+</p:sld>
+</file>
+
+<file path=ppt/slides/slide18.xml><?xml version="1.0" encoding="utf-8"?>
+<p:sld xmlns:a="http://schemas.openxmlformats.org/drawingml/2006/main" xmlns:p="http://schemas.openxmlformats.org/presentationml/2006/main" xmlns:r="http://schemas.openxmlformats.org/officeDocument/2006/relationships">
+  <p:cSld>
+    <p:spTree>
+      <p:nvGrpSpPr>
+        <p:cNvPr id="1" name=""/>
+        <p:cNvGrpSpPr/>
+        <p:nvPr/>
+      </p:nvGrpSpPr>
+      <p:grpSpPr/>
+      <p:sp>
+        <p:nvSpPr>
+          <p:cNvPr id="2" name="Title 1"/>
+          <p:cNvSpPr>
+            <a:spLocks noGrp="1"/>
+          </p:cNvSpPr>
+          <p:nvPr>
+            <p:ph type="title"/>
+          </p:nvPr>
+        </p:nvSpPr>
+        <p:spPr/>
+        <p:txBody>
+          <a:bodyPr/>
+          <a:lstStyle/>
+          <a:p>
+            <a:r>
+              <a:t>Key Accomplishments</a:t>
+            </a:r>
+          </a:p>
+        </p:txBody>
+      </p:sp>
+      <p:sp>
+        <p:nvSpPr>
+          <p:cNvPr id="4" name="Text Placeholder 3"/>
+          <p:cNvSpPr>
+            <a:spLocks noGrp="1"/>
+          </p:cNvSpPr>
+          <p:nvPr>
+            <p:ph type="body" idx="2"/>
+          </p:nvPr>
+        </p:nvSpPr>
+        <p:spPr/>
+        <p:txBody>
+          <a:bodyPr/>
+          <a:lstStyle/>
+          <a:p>
+            <a:r>
+              <a:t>4.3 Project Summary</a:t>
+            </a:r>
+          </a:p>
+        </p:txBody>
+      </p:sp>
+      <p:sp>
+        <p:nvSpPr>
+          <p:cNvPr id="7" name="Text Placeholder 6"/>
+          <p:cNvSpPr>
+            <a:spLocks noGrp="1"/>
+          </p:cNvSpPr>
+          <p:nvPr>
+            <p:ph type="body" idx="5"/>
+          </p:nvPr>
+        </p:nvSpPr>
+        <p:spPr/>
+        <p:txBody>
+          <a:bodyPr/>
+          <a:lstStyle/>
+          <a:p>
+            <a:pPr/>
+            <a:r>
+              <a:t>What We Built</a:t>
+            </a:r>
+          </a:p>
+          <a:p>
+            <a:pPr lvl="1"/>
+            <a:r>
+              <a:t>A complete analytics pipeline: data ingestion, cleaning, exploration, prediction, and validation — all in Spark</a:t>
+            </a:r>
+          </a:p>
+          <a:p>
+            <a:pPr/>
+            <a:r>
+              <a:t>Best Result</a:t>
+            </a:r>
+          </a:p>
+          <a:p>
+            <a:pPr lvl="1"/>
+            <a:r>
+              <a:t>Linear Regression hit R-squared of 0.7234 and worked well for short-term windows of 1 to 7 days</a:t>
+            </a:r>
+          </a:p>
+          <a:p>
+            <a:pPr/>
+            <a:r>
+              <a:t>Team Execution</a:t>
+            </a:r>
+          </a:p>
+          <a:p>
+            <a:pPr lvl="1"/>
+            <a:r>
+              <a:t>We finished everything in a 4-day sprint. Clear ownership of tasks and timely handoffs kept us on schedule</a:t>
+            </a:r>
+          </a:p>
+          <a:p>
+            <a:pPr/>
+            <a:r>
+              <a:t>Deliverables</a:t>
+            </a:r>
+          </a:p>
+          <a:p>
+            <a:pPr lvl="1"/>
+            <a:r>
+              <a:t>Action Plan, Final Report, WBS, and this Presentation are all done and ready for instructor review</a:t>
+            </a:r>
+          </a:p>
+        </p:txBody>
+      </p:sp>
+    </p:spTree>
+  </p:cSld>
+  <p:clrMapOvr>
+    <a:masterClrMapping/>
+  </p:clrMapOvr>
+</p:sld>
+</file>
+
+<file path=ppt/slides/slide19.xml><?xml version="1.0" encoding="utf-8"?>
+<p:sld xmlns:a="http://schemas.openxmlformats.org/drawingml/2006/main" xmlns:r="http://schemas.openxmlformats.org/officeDocument/2006/relationships" xmlns:p="http://schemas.openxmlformats.org/presentationml/2006/main">
+  <p:cSld>
+    <p:spTree>
+      <p:nvGrpSpPr>
+        <p:cNvPr id="1" name="Shape 115"/>
+        <p:cNvGrpSpPr/>
+        <p:nvPr/>
+      </p:nvGrpSpPr>
+      <p:grpSpPr>
+        <a:xfrm>
+          <a:off x="0" y="0"/>
+          <a:ext cx="0" cy="0"/>
+          <a:chOff x="0" y="0"/>
+          <a:chExt cx="0" cy="0"/>
+        </a:xfrm>
+      </p:grpSpPr>
+      <p:sp>
+        <p:nvSpPr>
+          <p:cNvPr id="2" name="TextBox 1"/>
+          <p:cNvSpPr txBox="1"/>
+          <p:nvPr/>
+        </p:nvSpPr>
+        <p:spPr>
+          <a:xfrm>
+            <a:off x="914400" y="1371600"/>
+            <a:ext cx="8229600" cy="1371600"/>
+          </a:xfrm>
+          <a:prstGeom prst="rect">
+            <a:avLst/>
+          </a:prstGeom>
+          <a:noFill/>
+        </p:spPr>
+        <p:txBody>
+          <a:bodyPr wrap="none">
+            <a:spAutoFit/>
+          </a:bodyPr>
+          <a:lstStyle/>
+          <a:p>
+            <a:pPr algn="ctr">
+              <a:defRPr sz="4400" b="1">
+                <a:solidFill>
+                  <a:srgbClr val="0C0C0C"/>
+                </a:solidFill>
+              </a:defRPr>
+            </a:pPr>
+            <a:r>
+              <a:t>Thank You</a:t>
+            </a:r>
+          </a:p>
+          <a:p>
+            <a:pPr algn="ctr">
+              <a:defRPr sz="1800">
+                <a:solidFill>
+                  <a:srgbClr val="5D6D7E"/>
+                </a:solidFill>
+              </a:defRPr>
+            </a:pPr>
+            <a:r>
+              <a:t>SIC-25-26-Team 462</a:t>
+            </a:r>
+          </a:p>
+          <a:p>
+            <a:pPr algn="ctr">
+              <a:defRPr sz="1400" i="1">
+                <a:solidFill>
+                  <a:srgbClr val="5D6D7E"/>
+                </a:solidFill>
+              </a:defRPr>
+            </a:pPr>
+            <a:r>
+              <a:t>Questions &amp; Discussion</a:t>
+            </a:r>
           </a:p>
         </p:txBody>
       </p:sp>
@@ -9526,11 +10677,11 @@
 </file>
 
 <file path=ppt/slides/slide2.xml><?xml version="1.0" encoding="utf-8"?>
-<p:sld xmlns:a="http://schemas.openxmlformats.org/drawingml/2006/main" xmlns:r="http://schemas.openxmlformats.org/officeDocument/2006/relationships" xmlns:mc="http://schemas.openxmlformats.org/markup-compatibility/2006" xmlns:mv="urn:schemas-microsoft-com:mac:vml" xmlns:p="http://schemas.openxmlformats.org/presentationml/2006/main" xmlns:c="http://schemas.openxmlformats.org/drawingml/2006/chart" xmlns:dgm="http://schemas.openxmlformats.org/drawingml/2006/diagram" xmlns:o="urn:schemas-microsoft-com:office:office" xmlns:v="urn:schemas-microsoft-com:vml" xmlns:pvml="urn:schemas-microsoft-com:office:powerpoint" xmlns:com="http://schemas.openxmlformats.org/drawingml/2006/compatibility" xmlns:p14="http://schemas.microsoft.com/office/powerpoint/2010/main" xmlns:p15="http://schemas.microsoft.com/office/powerpoint/2012/main" xmlns:ahyp="http://schemas.microsoft.com/office/drawing/2018/hyperlinkcolor">
+<p:sld xmlns:a="http://schemas.openxmlformats.org/drawingml/2006/main" xmlns:r="http://schemas.openxmlformats.org/officeDocument/2006/relationships" xmlns:p="http://schemas.openxmlformats.org/presentationml/2006/main">
   <p:cSld>
     <p:spTree>
       <p:nvGrpSpPr>
-        <p:cNvPr id="87" name="Shape 87"/>
+        <p:cNvPr id="1" name="Shape 87"/>
         <p:cNvGrpSpPr/>
         <p:nvPr/>
       </p:nvGrpSpPr>
@@ -9576,12 +10727,12 @@
             </a:ln>
           </p:spPr>
           <p:txBody>
-            <a:bodyPr anchorCtr="0" anchor="ctr" bIns="0" lIns="0" spcFirstLastPara="1" rIns="0" wrap="square" tIns="0">
+            <a:bodyPr spcFirstLastPara="1" wrap="square" lIns="0" tIns="0" rIns="0" bIns="0" anchor="ctr" anchorCtr="0">
               <a:spAutoFit/>
             </a:bodyPr>
             <a:lstStyle/>
             <a:p>
-              <a:pPr indent="0" lvl="0" marL="0" marR="0" rtl="0" algn="l">
+              <a:pPr marL="0" marR="0" lvl="0" indent="0" algn="l" rtl="0">
                 <a:spcBef>
                   <a:spcPts val="0"/>
                 </a:spcBef>
@@ -9591,7 +10742,7 @@
                 <a:buNone/>
               </a:pPr>
               <a:r>
-                <a:rPr b="0" i="0" lang="en-US" sz="1800" u="none" cap="none" strike="noStrike">
+                <a:rPr lang="en-US" sz="1800" b="0" i="0" u="none" strike="noStrike" cap="none">
                   <a:solidFill>
                     <a:srgbClr val="3F3F3F"/>
                   </a:solidFill>
@@ -9600,7 +10751,7 @@
                   <a:cs typeface="Arial"/>
                   <a:sym typeface="Arial"/>
                 </a:rPr>
-                <a:t>Unit 1. Title</a:t>
+                <a:t>Problem Statement &amp; Data</a:t>
               </a:r>
               <a:endParaRPr/>
             </a:p>
@@ -9628,12 +10779,12 @@
             </a:ln>
           </p:spPr>
           <p:txBody>
-            <a:bodyPr anchorCtr="0" anchor="ctr" bIns="45700" lIns="91425" spcFirstLastPara="1" rIns="91425" wrap="square" tIns="45700">
+            <a:bodyPr spcFirstLastPara="1" wrap="square" lIns="91425" tIns="45700" rIns="91425" bIns="45700" anchor="ctr" anchorCtr="0">
               <a:noAutofit/>
             </a:bodyPr>
             <a:lstStyle/>
             <a:p>
-              <a:pPr indent="0" lvl="0" marL="0" marR="0" rtl="0" algn="ctr">
+              <a:pPr marL="0" marR="0" lvl="0" indent="0" algn="ctr" rtl="0">
                 <a:spcBef>
                   <a:spcPts val="0"/>
                 </a:spcBef>
@@ -9642,10 +10793,7 @@
                 </a:spcAft>
                 <a:buNone/>
               </a:pPr>
-              <a:r>
-                <a:t/>
-              </a:r>
-              <a:endParaRPr b="0" i="0" sz="2800" u="none" cap="none" strike="noStrike">
+              <a:endParaRPr sz="2800" b="0" i="0" u="none" strike="noStrike" cap="none">
                 <a:solidFill>
                   <a:schemeClr val="lt1"/>
                 </a:solidFill>
@@ -9677,12 +10825,12 @@
             </a:ln>
           </p:spPr>
           <p:txBody>
-            <a:bodyPr anchorCtr="0" anchor="t" bIns="0" lIns="0" spcFirstLastPara="1" rIns="0" wrap="square" tIns="0">
+            <a:bodyPr spcFirstLastPara="1" wrap="square" lIns="0" tIns="0" rIns="0" bIns="0" anchor="t" anchorCtr="0">
               <a:spAutoFit/>
             </a:bodyPr>
             <a:lstStyle/>
             <a:p>
-              <a:pPr indent="0" lvl="0" marL="0" marR="0" rtl="0" algn="l">
+              <a:pPr marL="0" marR="0" lvl="0" indent="0" algn="l" rtl="0">
                 <a:spcBef>
                   <a:spcPts val="0"/>
                 </a:spcBef>
@@ -9692,7 +10840,7 @@
                 <a:buNone/>
               </a:pPr>
               <a:r>
-                <a:rPr b="0" i="0" lang="en-US" sz="1400" u="none" cap="none" strike="noStrike">
+                <a:rPr lang="en-US" sz="1400" b="0" i="0" u="none" strike="noStrike" cap="none">
                   <a:solidFill>
                     <a:srgbClr val="193EB0"/>
                   </a:solidFill>
@@ -9701,12 +10849,12 @@
                   <a:cs typeface="Arial"/>
                   <a:sym typeface="Arial"/>
                 </a:rPr>
-                <a:t>1.1. Subtitle</a:t>
+                <a:t>1.1. Problem Statement &amp; Objectives</a:t>
               </a:r>
               <a:endParaRPr/>
             </a:p>
             <a:p>
-              <a:pPr indent="0" lvl="0" marL="0" marR="0" rtl="0" algn="l">
+              <a:pPr marL="0" marR="0" lvl="0" indent="0" algn="l" rtl="0">
                 <a:spcBef>
                   <a:spcPts val="600"/>
                 </a:spcBef>
@@ -9716,7 +10864,7 @@
                 <a:buNone/>
               </a:pPr>
               <a:r>
-                <a:rPr b="0" i="0" lang="en-US" sz="1400" u="none" cap="none" strike="noStrike">
+                <a:rPr lang="en-US" sz="1400" b="0" i="0" u="none" strike="noStrike" cap="none">
                   <a:solidFill>
                     <a:srgbClr val="A5A5A5"/>
                   </a:solidFill>
@@ -9725,12 +10873,12 @@
                   <a:cs typeface="Arial"/>
                   <a:sym typeface="Arial"/>
                 </a:rPr>
-                <a:t>1.2. Subtitle</a:t>
+                <a:t>1.2. Dataset Overview</a:t>
               </a:r>
               <a:endParaRPr/>
             </a:p>
             <a:p>
-              <a:pPr indent="0" lvl="0" marL="0" marR="0" rtl="0" algn="l">
+              <a:pPr marL="0" marR="0" lvl="0" indent="0" algn="l" rtl="0">
                 <a:spcBef>
                   <a:spcPts val="600"/>
                 </a:spcBef>
@@ -9740,7 +10888,7 @@
                 <a:buNone/>
               </a:pPr>
               <a:r>
-                <a:rPr b="0" i="0" lang="en-US" sz="1400" u="none" cap="none" strike="noStrike">
+                <a:rPr lang="en-US" sz="1400" b="0" i="0" u="none" strike="noStrike" cap="none">
                   <a:solidFill>
                     <a:srgbClr val="A5A5A5"/>
                   </a:solidFill>
@@ -9749,7 +10897,7 @@
                   <a:cs typeface="Arial"/>
                   <a:sym typeface="Arial"/>
                 </a:rPr>
-                <a:t>1.3. Subtitle</a:t>
+                <a:t>1.3. Methodology &amp; Architecture</a:t>
               </a:r>
               <a:endParaRPr/>
             </a:p>
@@ -9790,12 +10938,12 @@
             </a:ln>
           </p:spPr>
           <p:txBody>
-            <a:bodyPr anchorCtr="0" anchor="ctr" bIns="0" lIns="0" spcFirstLastPara="1" rIns="0" wrap="square" tIns="0">
+            <a:bodyPr spcFirstLastPara="1" wrap="square" lIns="0" tIns="0" rIns="0" bIns="0" anchor="ctr" anchorCtr="0">
               <a:spAutoFit/>
             </a:bodyPr>
             <a:lstStyle/>
             <a:p>
-              <a:pPr indent="0" lvl="0" marL="0" marR="0" rtl="0" algn="l">
+              <a:pPr marL="0" marR="0" lvl="0" indent="0" algn="l" rtl="0">
                 <a:spcBef>
                   <a:spcPts val="0"/>
                 </a:spcBef>
@@ -9805,7 +10953,7 @@
                 <a:buNone/>
               </a:pPr>
               <a:r>
-                <a:rPr b="0" i="0" lang="en-US" sz="1800" u="none" cap="none" strike="noStrike">
+                <a:rPr lang="en-US" sz="1800" b="0" i="0" u="none" strike="noStrike" cap="none">
                   <a:solidFill>
                     <a:srgbClr val="3F3F3F"/>
                   </a:solidFill>
@@ -9814,7 +10962,7 @@
                   <a:cs typeface="Arial"/>
                   <a:sym typeface="Arial"/>
                 </a:rPr>
-                <a:t>Unit 2. Title</a:t>
+                <a:t>Analysis &amp; Modeling</a:t>
               </a:r>
               <a:endParaRPr/>
             </a:p>
@@ -9842,12 +10990,12 @@
             </a:ln>
           </p:spPr>
           <p:txBody>
-            <a:bodyPr anchorCtr="0" anchor="ctr" bIns="45700" lIns="91425" spcFirstLastPara="1" rIns="91425" wrap="square" tIns="45700">
+            <a:bodyPr spcFirstLastPara="1" wrap="square" lIns="91425" tIns="45700" rIns="91425" bIns="45700" anchor="ctr" anchorCtr="0">
               <a:noAutofit/>
             </a:bodyPr>
             <a:lstStyle/>
             <a:p>
-              <a:pPr indent="0" lvl="0" marL="0" marR="0" rtl="0" algn="ctr">
+              <a:pPr marL="0" marR="0" lvl="0" indent="0" algn="ctr" rtl="0">
                 <a:spcBef>
                   <a:spcPts val="0"/>
                 </a:spcBef>
@@ -9856,10 +11004,7 @@
                 </a:spcAft>
                 <a:buNone/>
               </a:pPr>
-              <a:r>
-                <a:t/>
-              </a:r>
-              <a:endParaRPr b="0" i="0" sz="2800" u="none" cap="none" strike="noStrike">
+              <a:endParaRPr sz="2800" b="0" i="0" u="none" strike="noStrike" cap="none">
                 <a:solidFill>
                   <a:schemeClr val="lt1"/>
                 </a:solidFill>
@@ -9891,12 +11036,12 @@
             </a:ln>
           </p:spPr>
           <p:txBody>
-            <a:bodyPr anchorCtr="0" anchor="t" bIns="0" lIns="0" spcFirstLastPara="1" rIns="0" wrap="square" tIns="0">
+            <a:bodyPr spcFirstLastPara="1" wrap="square" lIns="0" tIns="0" rIns="0" bIns="0" anchor="t" anchorCtr="0">
               <a:spAutoFit/>
             </a:bodyPr>
             <a:lstStyle/>
             <a:p>
-              <a:pPr indent="0" lvl="0" marL="0" marR="0" rtl="0" algn="l">
+              <a:pPr marL="0" marR="0" lvl="0" indent="0" algn="l" rtl="0">
                 <a:spcBef>
                   <a:spcPts val="0"/>
                 </a:spcBef>
@@ -9906,7 +11051,7 @@
                 <a:buNone/>
               </a:pPr>
               <a:r>
-                <a:rPr b="0" i="0" lang="en-US" sz="1400" u="none" cap="none" strike="noStrike">
+                <a:rPr lang="en-US" sz="1400" b="0" i="0" u="none" strike="noStrike" cap="none">
                   <a:solidFill>
                     <a:srgbClr val="193EB0"/>
                   </a:solidFill>
@@ -9915,12 +11060,12 @@
                   <a:cs typeface="Arial"/>
                   <a:sym typeface="Arial"/>
                 </a:rPr>
-                <a:t>2.1. Subtitle</a:t>
+                <a:t>2.1. Data Preprocessing</a:t>
               </a:r>
               <a:endParaRPr/>
             </a:p>
             <a:p>
-              <a:pPr indent="0" lvl="0" marL="0" marR="0" rtl="0" algn="l">
+              <a:pPr marL="0" marR="0" lvl="0" indent="0" algn="l" rtl="0">
                 <a:spcBef>
                   <a:spcPts val="600"/>
                 </a:spcBef>
@@ -9930,7 +11075,7 @@
                 <a:buNone/>
               </a:pPr>
               <a:r>
-                <a:rPr b="0" i="0" lang="en-US" sz="1400" u="none" cap="none" strike="noStrike">
+                <a:rPr lang="en-US" sz="1400" b="0" i="0" u="none" strike="noStrike" cap="none">
                   <a:solidFill>
                     <a:srgbClr val="A5A5A5"/>
                   </a:solidFill>
@@ -9939,12 +11084,12 @@
                   <a:cs typeface="Arial"/>
                   <a:sym typeface="Arial"/>
                 </a:rPr>
-                <a:t>2.2. Subtitle</a:t>
+                <a:t>2.2. Exploratory Data Analysis</a:t>
               </a:r>
               <a:endParaRPr/>
             </a:p>
             <a:p>
-              <a:pPr indent="0" lvl="0" marL="0" marR="0" rtl="0" algn="l">
+              <a:pPr marL="0" marR="0" lvl="0" indent="0" algn="l" rtl="0">
                 <a:spcBef>
                   <a:spcPts val="600"/>
                 </a:spcBef>
@@ -9954,7 +11099,7 @@
                 <a:buNone/>
               </a:pPr>
               <a:r>
-                <a:rPr b="0" i="0" lang="en-US" sz="1400" u="none" cap="none" strike="noStrike">
+                <a:rPr lang="en-US" sz="1400" b="0" i="0" u="none" strike="noStrike" cap="none">
                   <a:solidFill>
                     <a:srgbClr val="A5A5A5"/>
                   </a:solidFill>
@@ -9963,7 +11108,7 @@
                   <a:cs typeface="Arial"/>
                   <a:sym typeface="Arial"/>
                 </a:rPr>
-                <a:t>2.3. Subtitle</a:t>
+                <a:t>2.3. Feature Engineering &amp; Modeling</a:t>
               </a:r>
               <a:endParaRPr/>
             </a:p>
@@ -10004,12 +11149,12 @@
             </a:ln>
           </p:spPr>
           <p:txBody>
-            <a:bodyPr anchorCtr="0" anchor="ctr" bIns="0" lIns="0" spcFirstLastPara="1" rIns="0" wrap="square" tIns="0">
+            <a:bodyPr spcFirstLastPara="1" wrap="square" lIns="0" tIns="0" rIns="0" bIns="0" anchor="ctr" anchorCtr="0">
               <a:spAutoFit/>
             </a:bodyPr>
             <a:lstStyle/>
             <a:p>
-              <a:pPr indent="0" lvl="0" marL="0" marR="0" rtl="0" algn="l">
+              <a:pPr marL="0" marR="0" lvl="0" indent="0" algn="l" rtl="0">
                 <a:spcBef>
                   <a:spcPts val="0"/>
                 </a:spcBef>
@@ -10019,7 +11164,7 @@
                 <a:buNone/>
               </a:pPr>
               <a:r>
-                <a:rPr b="0" i="0" lang="en-US" sz="1800" u="none" cap="none" strike="noStrike">
+                <a:rPr lang="en-US" sz="1800" b="0" i="0" u="none" strike="noStrike" cap="none">
                   <a:solidFill>
                     <a:srgbClr val="3F3F3F"/>
                   </a:solidFill>
@@ -10028,7 +11173,7 @@
                   <a:cs typeface="Arial"/>
                   <a:sym typeface="Arial"/>
                 </a:rPr>
-                <a:t>Unit 3. Title</a:t>
+                <a:t>Results &amp; Conclusion</a:t>
               </a:r>
               <a:endParaRPr/>
             </a:p>
@@ -10056,12 +11201,12 @@
             </a:ln>
           </p:spPr>
           <p:txBody>
-            <a:bodyPr anchorCtr="0" anchor="ctr" bIns="45700" lIns="91425" spcFirstLastPara="1" rIns="91425" wrap="square" tIns="45700">
+            <a:bodyPr spcFirstLastPara="1" wrap="square" lIns="91425" tIns="45700" rIns="91425" bIns="45700" anchor="ctr" anchorCtr="0">
               <a:noAutofit/>
             </a:bodyPr>
             <a:lstStyle/>
             <a:p>
-              <a:pPr indent="0" lvl="0" marL="0" marR="0" rtl="0" algn="ctr">
+              <a:pPr marL="0" marR="0" lvl="0" indent="0" algn="ctr" rtl="0">
                 <a:spcBef>
                   <a:spcPts val="0"/>
                 </a:spcBef>
@@ -10070,10 +11215,7 @@
                 </a:spcAft>
                 <a:buNone/>
               </a:pPr>
-              <a:r>
-                <a:t/>
-              </a:r>
-              <a:endParaRPr b="0" i="0" sz="2800" u="none" cap="none" strike="noStrike">
+              <a:endParaRPr sz="2800" b="0" i="0" u="none" strike="noStrike" cap="none">
                 <a:solidFill>
                   <a:schemeClr val="lt1"/>
                 </a:solidFill>
@@ -10105,12 +11247,12 @@
             </a:ln>
           </p:spPr>
           <p:txBody>
-            <a:bodyPr anchorCtr="0" anchor="t" bIns="0" lIns="0" spcFirstLastPara="1" rIns="0" wrap="square" tIns="0">
+            <a:bodyPr spcFirstLastPara="1" wrap="square" lIns="0" tIns="0" rIns="0" bIns="0" anchor="t" anchorCtr="0">
               <a:spAutoFit/>
             </a:bodyPr>
             <a:lstStyle/>
             <a:p>
-              <a:pPr indent="0" lvl="0" marL="0" marR="0" rtl="0" algn="l">
+              <a:pPr marL="0" marR="0" lvl="0" indent="0" algn="l" rtl="0">
                 <a:spcBef>
                   <a:spcPts val="0"/>
                 </a:spcBef>
@@ -10120,7 +11262,7 @@
                 <a:buNone/>
               </a:pPr>
               <a:r>
-                <a:rPr b="0" i="0" lang="en-US" sz="1400" u="none" cap="none" strike="noStrike">
+                <a:rPr lang="en-US" sz="1400" b="0" i="0" u="none" strike="noStrike" cap="none">
                   <a:solidFill>
                     <a:srgbClr val="193EB0"/>
                   </a:solidFill>
@@ -10129,12 +11271,12 @@
                   <a:cs typeface="Arial"/>
                   <a:sym typeface="Arial"/>
                 </a:rPr>
-                <a:t>3.1. Subtitle</a:t>
+                <a:t>3.1. Results &amp; Evaluation</a:t>
               </a:r>
               <a:endParaRPr/>
             </a:p>
             <a:p>
-              <a:pPr indent="0" lvl="0" marL="0" marR="0" rtl="0" algn="l">
+              <a:pPr marL="0" marR="0" lvl="0" indent="0" algn="l" rtl="0">
                 <a:spcBef>
                   <a:spcPts val="600"/>
                 </a:spcBef>
@@ -10144,7 +11286,7 @@
                 <a:buNone/>
               </a:pPr>
               <a:r>
-                <a:rPr b="0" i="0" lang="en-US" sz="1400" u="none" cap="none" strike="noStrike">
+                <a:rPr lang="en-US" sz="1400" b="0" i="0" u="none" strike="noStrike" cap="none">
                   <a:solidFill>
                     <a:srgbClr val="A5A5A5"/>
                   </a:solidFill>
@@ -10153,12 +11295,12 @@
                   <a:cs typeface="Arial"/>
                   <a:sym typeface="Arial"/>
                 </a:rPr>
-                <a:t>3.2. Subtitle</a:t>
+                <a:t>3.2. Team &amp; Project Management</a:t>
               </a:r>
               <a:endParaRPr/>
             </a:p>
             <a:p>
-              <a:pPr indent="0" lvl="0" marL="0" marR="0" rtl="0" algn="l">
+              <a:pPr marL="0" marR="0" lvl="0" indent="0" algn="l" rtl="0">
                 <a:spcBef>
                   <a:spcPts val="600"/>
                 </a:spcBef>
@@ -10168,7 +11310,7 @@
                 <a:buNone/>
               </a:pPr>
               <a:r>
-                <a:rPr b="0" i="0" lang="en-US" sz="1400" u="none" cap="none" strike="noStrike">
+                <a:rPr lang="en-US" sz="1400" b="0" i="0" u="none" strike="noStrike" cap="none">
                   <a:solidFill>
                     <a:srgbClr val="A5A5A5"/>
                   </a:solidFill>
@@ -10177,7 +11319,7 @@
                   <a:cs typeface="Arial"/>
                   <a:sym typeface="Arial"/>
                 </a:rPr>
-                <a:t>3.3. Subtitle</a:t>
+                <a:t>3.3. Conclusions &amp; Future Work</a:t>
               </a:r>
               <a:endParaRPr/>
             </a:p>
@@ -10204,12 +11346,12 @@
           </a:ln>
         </p:spPr>
         <p:txBody>
-          <a:bodyPr anchorCtr="0" anchor="t" bIns="0" lIns="0" spcFirstLastPara="1" rIns="0" wrap="square" tIns="0">
+          <a:bodyPr spcFirstLastPara="1" wrap="square" lIns="0" tIns="0" rIns="0" bIns="0" anchor="t" anchorCtr="0">
             <a:spAutoFit/>
           </a:bodyPr>
           <a:lstStyle/>
           <a:p>
-            <a:pPr indent="0" lvl="0" marL="0" marR="0" rtl="0" algn="l">
+            <a:pPr marL="0" marR="0" lvl="0" indent="0" algn="l" rtl="0">
               <a:spcBef>
                 <a:spcPts val="0"/>
               </a:spcBef>
@@ -10219,7 +11361,7 @@
               <a:buNone/>
             </a:pPr>
             <a:r>
-              <a:rPr b="0" i="0" lang="en-US" sz="2400" u="none" cap="none" strike="noStrike">
+              <a:rPr lang="en-US" sz="2400" b="0" i="0" u="none" strike="noStrike" cap="none">
                 <a:solidFill>
                   <a:schemeClr val="lt1"/>
                 </a:solidFill>
@@ -10228,7 +11370,7 @@
                 <a:cs typeface="Arial"/>
                 <a:sym typeface="Arial"/>
               </a:rPr>
-              <a:t>Project Name</a:t>
+              <a:t>COVID-19 Data Analysis using Apache Spark &amp; ML</a:t>
             </a:r>
             <a:endParaRPr sz="2400">
               <a:solidFill>
@@ -10251,11 +11393,173 @@
 </file>
 
 <file path=ppt/slides/slide3.xml><?xml version="1.0" encoding="utf-8"?>
-<p:sld xmlns:a="http://schemas.openxmlformats.org/drawingml/2006/main" xmlns:r="http://schemas.openxmlformats.org/officeDocument/2006/relationships" xmlns:mc="http://schemas.openxmlformats.org/markup-compatibility/2006" xmlns:mv="urn:schemas-microsoft-com:mac:vml" xmlns:p="http://schemas.openxmlformats.org/presentationml/2006/main" xmlns:c="http://schemas.openxmlformats.org/drawingml/2006/chart" xmlns:dgm="http://schemas.openxmlformats.org/drawingml/2006/diagram" xmlns:o="urn:schemas-microsoft-com:office:office" xmlns:v="urn:schemas-microsoft-com:vml" xmlns:pvml="urn:schemas-microsoft-com:office:powerpoint" xmlns:com="http://schemas.openxmlformats.org/drawingml/2006/compatibility" xmlns:p14="http://schemas.microsoft.com/office/powerpoint/2010/main" xmlns:p15="http://schemas.microsoft.com/office/powerpoint/2012/main" xmlns:ahyp="http://schemas.microsoft.com/office/drawing/2018/hyperlinkcolor">
+<p:sld xmlns:a="http://schemas.openxmlformats.org/drawingml/2006/main" xmlns:p="http://schemas.openxmlformats.org/presentationml/2006/main" xmlns:r="http://schemas.openxmlformats.org/officeDocument/2006/relationships">
   <p:cSld>
     <p:spTree>
       <p:nvGrpSpPr>
-        <p:cNvPr id="104" name="Shape 104"/>
+        <p:cNvPr id="1" name=""/>
+        <p:cNvGrpSpPr/>
+        <p:nvPr/>
+      </p:nvGrpSpPr>
+      <p:grpSpPr/>
+      <p:sp>
+        <p:nvSpPr>
+          <p:cNvPr id="2" name="Title 1"/>
+          <p:cNvSpPr>
+            <a:spLocks noGrp="1"/>
+          </p:cNvSpPr>
+          <p:nvPr>
+            <p:ph type="title"/>
+          </p:nvPr>
+        </p:nvSpPr>
+        <p:spPr/>
+        <p:txBody>
+          <a:bodyPr/>
+          <a:lstStyle/>
+          <a:p>
+            <a:r>
+              <a:t>Problem Statement</a:t>
+            </a:r>
+          </a:p>
+          <a:p>
+            <a:r>
+              <a:t>&amp; Data</a:t>
+            </a:r>
+          </a:p>
+        </p:txBody>
+      </p:sp>
+      <p:sp>
+        <p:nvSpPr>
+          <p:cNvPr id="3" name="Text Placeholder 2"/>
+          <p:cNvSpPr>
+            <a:spLocks noGrp="1"/>
+          </p:cNvSpPr>
+          <p:nvPr>
+            <p:ph type="body" idx="1"/>
+          </p:nvPr>
+        </p:nvSpPr>
+        <p:spPr>
+          <a:xfrm>
+            <a:off x="990000" y="3550000"/>
+            <a:ext cx="7800000" cy="2800000"/>
+          </a:xfrm>
+        </p:spPr>
+        <p:txBody>
+          <a:bodyPr wrap="square"/>
+          <a:lstStyle/>
+          <a:p>
+            <a:pPr algn="l">
+              <a:spcAft>
+                <a:spcPts val="300"/>
+              </a:spcAft>
+            </a:pPr>
+            <a:r>
+              <a:rPr sz="1400" b="1">
+                <a:solidFill>
+                  <a:srgbClr val="1A1A2E"/>
+                </a:solidFill>
+              </a:rPr>
+              <a:t>We start with why this project exists and what we set out to do.</a:t>
+            </a:r>
+          </a:p>
+          <a:p>
+            <a:pPr>
+              <a:spcAft>
+                <a:spcPts val="400"/>
+              </a:spcAft>
+            </a:pPr>
+          </a:p>
+          <a:p>
+            <a:pPr algn="l">
+              <a:spcAft>
+                <a:spcPts val="300"/>
+              </a:spcAft>
+            </a:pPr>
+            <a:r>
+              <a:rPr sz="1300" b="1">
+                <a:solidFill>
+                  <a:srgbClr val="193EB0"/>
+                </a:solidFill>
+              </a:rPr>
+              <a:t>What this section covers:</a:t>
+            </a:r>
+          </a:p>
+          <a:p>
+            <a:pPr algn="l">
+              <a:spcAft>
+                <a:spcPts val="300"/>
+              </a:spcAft>
+            </a:pPr>
+            <a:r>
+              <a:rPr sz="1300" b="0">
+                <a:solidFill>
+                  <a:srgbClr val="4A4A4A"/>
+                </a:solidFill>
+              </a:rPr>
+              <a:t>The core problem — COVID-19 produced massive data that needed scalable analysis tools to be useful for public health planning.</a:t>
+            </a:r>
+          </a:p>
+          <a:p>
+            <a:pPr algn="l">
+              <a:spcAft>
+                <a:spcPts val="300"/>
+              </a:spcAft>
+            </a:pPr>
+            <a:r>
+              <a:rPr sz="1300" b="0">
+                <a:solidFill>
+                  <a:srgbClr val="4A4A4A"/>
+                </a:solidFill>
+              </a:rPr>
+              <a:t>Our objectives — identify pandemic wave patterns, build a short-term prediction model, and deliver a complete set of capstone outputs.</a:t>
+            </a:r>
+          </a:p>
+          <a:p>
+            <a:pPr algn="l">
+              <a:spcAft>
+                <a:spcPts val="300"/>
+              </a:spcAft>
+            </a:pPr>
+            <a:r>
+              <a:rPr sz="1300" b="0">
+                <a:solidFill>
+                  <a:srgbClr val="4A4A4A"/>
+                </a:solidFill>
+              </a:rPr>
+              <a:t>The dataset — 290+ countries, 1,032 days of data from Johns Hopkins University, and the specific fields we worked with.</a:t>
+            </a:r>
+          </a:p>
+          <a:p>
+            <a:pPr algn="l">
+              <a:spcAft>
+                <a:spcPts val="300"/>
+              </a:spcAft>
+            </a:pPr>
+            <a:r>
+              <a:rPr sz="1300" b="0">
+                <a:solidFill>
+                  <a:srgbClr val="4A4A4A"/>
+                </a:solidFill>
+              </a:rPr>
+              <a:t>The pipeline design — how we structured the work from raw data collection through to final model evaluation.</a:t>
+            </a:r>
+          </a:p>
+        </p:txBody>
+      </p:sp>
+    </p:spTree>
+  </p:cSld>
+  <p:clrMapOvr>
+    <a:masterClrMapping/>
+  </p:clrMapOvr>
+</p:sld>
+</file>
+
+<file path=ppt/slides/slide4.xml><?xml version="1.0" encoding="utf-8"?>
+<p:sld xmlns:a="http://schemas.openxmlformats.org/drawingml/2006/main" xmlns:r="http://schemas.openxmlformats.org/officeDocument/2006/relationships" xmlns:p="http://schemas.openxmlformats.org/presentationml/2006/main">
+  <p:cSld>
+    <p:spTree>
+      <p:nvGrpSpPr>
+        <p:cNvPr id="1" name="Shape 104"/>
         <p:cNvGrpSpPr/>
         <p:nvPr/>
       </p:nvGrpSpPr>
@@ -10270,7 +11574,9 @@
       <p:sp>
         <p:nvSpPr>
           <p:cNvPr id="105" name="Google Shape;105;p3"/>
-          <p:cNvSpPr txBox="1"/>
+          <p:cNvSpPr txBox="1">
+            <a:spLocks noGrp="1"/>
+          </p:cNvSpPr>
           <p:nvPr>
             <p:ph type="title"/>
           </p:nvPr>
@@ -10289,93 +11595,25 @@
           </a:ln>
         </p:spPr>
         <p:txBody>
-          <a:bodyPr anchorCtr="0" anchor="t" bIns="0" lIns="0" spcFirstLastPara="1" rIns="0" wrap="square" tIns="0">
+          <a:bodyPr spcFirstLastPara="1" wrap="square" lIns="0" tIns="0" rIns="0" bIns="0" anchor="t" anchorCtr="0">
             <a:spAutoFit/>
           </a:bodyPr>
           <a:lstStyle/>
           <a:p>
-            <a:pPr indent="0" lvl="0" marL="0" rtl="0" algn="l">
-              <a:lnSpc>
-                <a:spcPct val="100000"/>
-              </a:lnSpc>
-              <a:spcBef>
-                <a:spcPts val="0"/>
-              </a:spcBef>
-              <a:spcAft>
-                <a:spcPts val="0"/>
-              </a:spcAft>
-              <a:buClr>
-                <a:srgbClr val="0C0C0C"/>
-              </a:buClr>
-              <a:buSzPts val="3200"/>
-              <a:buFont typeface="Arial"/>
-              <a:buNone/>
-            </a:pPr>
-            <a:r>
-              <a:rPr lang="en-US"/>
-              <a:t>Slide Title</a:t>
-            </a:r>
-            <a:endParaRPr/>
-          </a:p>
-        </p:txBody>
-      </p:sp>
-      <p:sp>
-        <p:nvSpPr>
-          <p:cNvPr id="106" name="Google Shape;106;p3"/>
-          <p:cNvSpPr txBox="1"/>
-          <p:nvPr>
-            <p:ph idx="1" type="body"/>
-          </p:nvPr>
-        </p:nvSpPr>
-        <p:spPr>
-          <a:xfrm>
-            <a:off x="449468" y="450000"/>
-            <a:ext cx="323896" cy="277200"/>
-          </a:xfrm>
-          <a:prstGeom prst="rect">
-            <a:avLst/>
-          </a:prstGeom>
-          <a:noFill/>
-          <a:ln>
-            <a:noFill/>
-          </a:ln>
-        </p:spPr>
-        <p:txBody>
-          <a:bodyPr anchorCtr="0" anchor="t" bIns="0" lIns="0" spcFirstLastPara="1" rIns="0" wrap="square" tIns="0">
-            <a:spAutoFit/>
-          </a:bodyPr>
-          <a:lstStyle/>
-          <a:p>
-            <a:pPr indent="0" lvl="0" marL="0" rtl="0" algn="l">
-              <a:lnSpc>
-                <a:spcPct val="100000"/>
-              </a:lnSpc>
-              <a:spcBef>
-                <a:spcPts val="0"/>
-              </a:spcBef>
-              <a:spcAft>
-                <a:spcPts val="0"/>
-              </a:spcAft>
-              <a:buClr>
-                <a:schemeClr val="lt1"/>
-              </a:buClr>
-              <a:buSzPts val="1700"/>
-              <a:buNone/>
-            </a:pPr>
-            <a:r>
-              <a:rPr lang="en-US"/>
-              <a:t>1.1</a:t>
-            </a:r>
-            <a:endParaRPr/>
+            <a:r>
+              <a:t>Objectives &amp; Scope</a:t>
+            </a:r>
           </a:p>
         </p:txBody>
       </p:sp>
       <p:sp>
         <p:nvSpPr>
           <p:cNvPr id="107" name="Google Shape;107;p3"/>
-          <p:cNvSpPr txBox="1"/>
+          <p:cNvSpPr txBox="1">
+            <a:spLocks noGrp="1"/>
+          </p:cNvSpPr>
           <p:nvPr>
-            <p:ph idx="2" type="body"/>
+            <p:ph type="body" idx="2"/>
           </p:nvPr>
         </p:nvSpPr>
         <p:spPr>
@@ -10392,143 +11630,25 @@
           </a:ln>
         </p:spPr>
         <p:txBody>
-          <a:bodyPr anchorCtr="0" anchor="t" bIns="0" lIns="0" spcFirstLastPara="1" rIns="0" wrap="square" tIns="0">
+          <a:bodyPr spcFirstLastPara="1" wrap="square" lIns="0" tIns="0" rIns="0" bIns="0" anchor="t" anchorCtr="0">
             <a:spAutoFit/>
           </a:bodyPr>
           <a:lstStyle/>
           <a:p>
-            <a:pPr indent="0" lvl="0" marL="0" rtl="0" algn="l">
-              <a:lnSpc>
-                <a:spcPct val="100000"/>
-              </a:lnSpc>
-              <a:spcBef>
-                <a:spcPts val="0"/>
-              </a:spcBef>
-              <a:spcAft>
-                <a:spcPts val="0"/>
-              </a:spcAft>
-              <a:buClr>
-                <a:schemeClr val="lt1"/>
-              </a:buClr>
-              <a:buSzPts val="1700"/>
-              <a:buNone/>
-            </a:pPr>
-            <a:r>
-              <a:rPr lang="en-US"/>
-              <a:t>Subtitle</a:t>
-            </a:r>
-            <a:endParaRPr/>
-          </a:p>
-        </p:txBody>
-      </p:sp>
-      <p:sp>
-        <p:nvSpPr>
-          <p:cNvPr id="108" name="Google Shape;108;p3"/>
-          <p:cNvSpPr txBox="1"/>
-          <p:nvPr>
-            <p:ph idx="3" type="body"/>
-          </p:nvPr>
-        </p:nvSpPr>
-        <p:spPr>
-          <a:xfrm>
-            <a:off x="9112825" y="480779"/>
-            <a:ext cx="340625" cy="246221"/>
-          </a:xfrm>
-          <a:prstGeom prst="rect">
-            <a:avLst/>
-          </a:prstGeom>
-          <a:noFill/>
-          <a:ln>
-            <a:noFill/>
-          </a:ln>
-        </p:spPr>
-        <p:txBody>
-          <a:bodyPr anchorCtr="0" anchor="t" bIns="0" lIns="0" spcFirstLastPara="1" rIns="0" wrap="square" tIns="0">
-            <a:spAutoFit/>
-          </a:bodyPr>
-          <a:lstStyle/>
-          <a:p>
-            <a:pPr indent="0" lvl="0" marL="0" rtl="0" algn="r">
-              <a:lnSpc>
-                <a:spcPct val="100000"/>
-              </a:lnSpc>
-              <a:spcBef>
-                <a:spcPts val="0"/>
-              </a:spcBef>
-              <a:spcAft>
-                <a:spcPts val="0"/>
-              </a:spcAft>
-              <a:buClr>
-                <a:srgbClr val="D8D8D8"/>
-              </a:buClr>
-              <a:buSzPts val="1600"/>
-              <a:buNone/>
-            </a:pPr>
-            <a:r>
-              <a:rPr lang="en-US"/>
-              <a:t>01</a:t>
-            </a:r>
-            <a:endParaRPr/>
-          </a:p>
-        </p:txBody>
-      </p:sp>
-      <p:sp>
-        <p:nvSpPr>
-          <p:cNvPr id="109" name="Google Shape;109;p3"/>
-          <p:cNvSpPr txBox="1"/>
-          <p:nvPr>
-            <p:ph idx="4" type="body"/>
-          </p:nvPr>
-        </p:nvSpPr>
-        <p:spPr>
-          <a:xfrm>
-            <a:off x="8740667" y="480779"/>
-            <a:ext cx="467850" cy="246221"/>
-          </a:xfrm>
-          <a:prstGeom prst="rect">
-            <a:avLst/>
-          </a:prstGeom>
-          <a:noFill/>
-          <a:ln>
-            <a:noFill/>
-          </a:ln>
-        </p:spPr>
-        <p:txBody>
-          <a:bodyPr anchorCtr="0" anchor="t" bIns="0" lIns="0" spcFirstLastPara="1" rIns="0" wrap="square" tIns="0">
-            <a:spAutoFit/>
-          </a:bodyPr>
-          <a:lstStyle/>
-          <a:p>
-            <a:pPr indent="0" lvl="0" marL="0" rtl="0" algn="l">
-              <a:lnSpc>
-                <a:spcPct val="100000"/>
-              </a:lnSpc>
-              <a:spcBef>
-                <a:spcPts val="0"/>
-              </a:spcBef>
-              <a:spcAft>
-                <a:spcPts val="0"/>
-              </a:spcAft>
-              <a:buClr>
-                <a:srgbClr val="D8D8D8"/>
-              </a:buClr>
-              <a:buSzPts val="1600"/>
-              <a:buNone/>
-            </a:pPr>
-            <a:r>
-              <a:rPr lang="en-US"/>
-              <a:t>UNIT</a:t>
-            </a:r>
-            <a:endParaRPr/>
+            <a:r>
+              <a:t>1.1 Problem Statement &amp; Objectives</a:t>
+            </a:r>
           </a:p>
         </p:txBody>
       </p:sp>
       <p:sp>
         <p:nvSpPr>
           <p:cNvPr id="110" name="Google Shape;110;p3"/>
-          <p:cNvSpPr txBox="1"/>
+          <p:cNvSpPr txBox="1">
+            <a:spLocks noGrp="1"/>
+          </p:cNvSpPr>
           <p:nvPr>
-            <p:ph idx="5" type="body"/>
+            <p:ph type="body" idx="5"/>
           </p:nvPr>
         </p:nvSpPr>
         <p:spPr>
@@ -10545,12 +11665,12 @@
           </a:ln>
         </p:spPr>
         <p:txBody>
-          <a:bodyPr anchorCtr="0" anchor="t" bIns="0" lIns="0" spcFirstLastPara="1" rIns="0" wrap="square" tIns="0">
+          <a:bodyPr spcFirstLastPara="1" wrap="square" lIns="0" tIns="0" rIns="0" bIns="0" anchor="t" anchorCtr="0">
             <a:noAutofit/>
           </a:bodyPr>
           <a:lstStyle/>
           <a:p>
-            <a:pPr indent="-177747" lvl="0" marL="177747" rtl="0" algn="l">
+            <a:pPr marL="177747" indent="-177747" algn="l" rtl="0">
               <a:lnSpc>
                 <a:spcPct val="128571"/>
               </a:lnSpc>
@@ -10568,102 +11688,39 @@
               <a:buChar char="•"/>
             </a:pPr>
             <a:r>
-              <a:rPr lang="en-US"/>
-              <a:t>Level-1</a:t>
+              <a:t>The Challenge</a:t>
             </a:r>
             <a:endParaRPr/>
           </a:p>
           <a:p>
-            <a:pPr indent="-182507" lvl="1" marL="360255" rtl="0" algn="l">
-              <a:lnSpc>
-                <a:spcPct val="138461"/>
-              </a:lnSpc>
-              <a:spcBef>
-                <a:spcPts val="500"/>
-              </a:spcBef>
-              <a:spcAft>
-                <a:spcPts val="0"/>
-              </a:spcAft>
-              <a:buClr>
-                <a:srgbClr val="262626"/>
-              </a:buClr>
-              <a:buSzPts val="1040"/>
-              <a:buChar char="•"/>
-            </a:pPr>
-            <a:r>
-              <a:rPr lang="en-US"/>
-              <a:t>Level-2</a:t>
-            </a:r>
-            <a:endParaRPr/>
-          </a:p>
-        </p:txBody>
-      </p:sp>
-      <p:sp>
-        <p:nvSpPr>
-          <p:cNvPr id="111" name="Google Shape;111;p3"/>
-          <p:cNvSpPr/>
-          <p:nvPr/>
-        </p:nvSpPr>
-        <p:spPr>
-          <a:xfrm>
-            <a:off x="5793967" y="5268499"/>
-            <a:ext cx="2881575" cy="954970"/>
-          </a:xfrm>
-          <a:prstGeom prst="wedgeRectCallout">
-            <a:avLst>
-              <a:gd fmla="val 49389" name="adj1"/>
-              <a:gd fmla="val 71166" name="adj2"/>
-            </a:avLst>
-          </a:prstGeom>
-          <a:solidFill>
-            <a:srgbClr val="FFFF00"/>
-          </a:solidFill>
-          <a:ln cap="flat" cmpd="sng" w="12700">
-            <a:solidFill>
-              <a:srgbClr val="42719B"/>
-            </a:solidFill>
-            <a:prstDash val="solid"/>
-            <a:miter lim="800000"/>
-            <a:headEnd len="sm" w="sm" type="none"/>
-            <a:tailEnd len="sm" w="sm" type="none"/>
-          </a:ln>
-        </p:spPr>
-        <p:txBody>
-          <a:bodyPr anchorCtr="0" anchor="ctr" bIns="45700" lIns="91425" spcFirstLastPara="1" rIns="91425" wrap="square" tIns="45700">
-            <a:noAutofit/>
-          </a:bodyPr>
-          <a:lstStyle/>
-          <a:p>
-            <a:pPr indent="0" lvl="0" marL="0" marR="0" rtl="0" algn="ctr">
-              <a:spcBef>
-                <a:spcPts val="0"/>
-              </a:spcBef>
-              <a:spcAft>
-                <a:spcPts val="0"/>
-              </a:spcAft>
-              <a:buNone/>
-            </a:pPr>
-            <a:r>
-              <a:rPr lang="en-US" sz="1400">
-                <a:solidFill>
-                  <a:srgbClr val="000000"/>
-                </a:solidFill>
-                <a:latin typeface="Arial"/>
-                <a:ea typeface="Arial"/>
-                <a:cs typeface="Arial"/>
-                <a:sym typeface="Arial"/>
-              </a:rPr>
-              <a:t>Please edit project name and page number in slide master.</a:t>
-            </a:r>
-            <a:endParaRPr sz="1400">
-              <a:solidFill>
-                <a:srgbClr val="000000"/>
-              </a:solidFill>
-              <a:latin typeface="Arial"/>
-              <a:ea typeface="Arial"/>
-              <a:cs typeface="Arial"/>
-              <a:sym typeface="Arial"/>
-            </a:endParaRPr>
+            <a:pPr lvl="1"/>
+            <a:r>
+              <a:t>COVID-19 produced enormous time-series data from over 290 countries across more than 1,000 days. Health authorities needed better tools to turn raw cumulative counts into usable daily trends</a:t>
+            </a:r>
+          </a:p>
+          <a:p>
+            <a:pPr/>
+            <a:r>
+              <a:t>Primary Goal</a:t>
+            </a:r>
+          </a:p>
+          <a:p>
+            <a:pPr lvl="1"/>
+            <a:r>
+              <a:t>Analyze global COVID-19 data at scale, spot patterns in how the virus spread across time and geography, and build a model that can predict near-term case counts</a:t>
+            </a:r>
+          </a:p>
+          <a:p>
+            <a:pPr/>
+            <a:r>
+              <a:t>Expected Outcomes</a:t>
+            </a:r>
+          </a:p>
+          <a:p>
+            <a:pPr lvl="1"/>
+            <a:r>
+              <a:t>Clear trend analysis, mapped pandemic waves, a working prediction model for short-term forecasting, and a complete set of capstone deliverables</a:t>
+            </a:r>
           </a:p>
         </p:txBody>
       </p:sp>
@@ -10675,23 +11732,644 @@
 </p:sld>
 </file>
 
-<file path=ppt/slides/slide4.xml><?xml version="1.0" encoding="utf-8"?>
-<p:sld xmlns:a="http://schemas.openxmlformats.org/drawingml/2006/main" xmlns:r="http://schemas.openxmlformats.org/officeDocument/2006/relationships" xmlns:mc="http://schemas.openxmlformats.org/markup-compatibility/2006" xmlns:mv="urn:schemas-microsoft-com:mac:vml" xmlns:p="http://schemas.openxmlformats.org/presentationml/2006/main" xmlns:c="http://schemas.openxmlformats.org/drawingml/2006/chart" xmlns:dgm="http://schemas.openxmlformats.org/drawingml/2006/diagram" xmlns:o="urn:schemas-microsoft-com:office:office" xmlns:v="urn:schemas-microsoft-com:vml" xmlns:pvml="urn:schemas-microsoft-com:office:powerpoint" xmlns:com="http://schemas.openxmlformats.org/drawingml/2006/compatibility" xmlns:p14="http://schemas.microsoft.com/office/powerpoint/2010/main" xmlns:p15="http://schemas.microsoft.com/office/powerpoint/2012/main" xmlns:ahyp="http://schemas.microsoft.com/office/drawing/2018/hyperlinkcolor">
+<file path=ppt/slides/slide5.xml><?xml version="1.0" encoding="utf-8"?>
+<p:sld xmlns:a="http://schemas.openxmlformats.org/drawingml/2006/main" xmlns:p="http://schemas.openxmlformats.org/presentationml/2006/main" xmlns:r="http://schemas.openxmlformats.org/officeDocument/2006/relationships">
   <p:cSld>
     <p:spTree>
       <p:nvGrpSpPr>
-        <p:cNvPr id="115" name="Shape 115"/>
+        <p:cNvPr id="1" name=""/>
         <p:cNvGrpSpPr/>
         <p:nvPr/>
       </p:nvGrpSpPr>
-      <p:grpSpPr>
-        <a:xfrm>
-          <a:off x="0" y="0"/>
-          <a:ext cx="0" cy="0"/>
-          <a:chOff x="0" y="0"/>
-          <a:chExt cx="0" cy="0"/>
-        </a:xfrm>
-      </p:grpSpPr>
+      <p:grpSpPr/>
+      <p:sp>
+        <p:nvSpPr>
+          <p:cNvPr id="2" name="Title 1"/>
+          <p:cNvSpPr>
+            <a:spLocks noGrp="1"/>
+          </p:cNvSpPr>
+          <p:nvPr>
+            <p:ph type="title"/>
+          </p:nvPr>
+        </p:nvSpPr>
+        <p:spPr/>
+        <p:txBody>
+          <a:bodyPr/>
+          <a:lstStyle/>
+          <a:p>
+            <a:r>
+              <a:t>Data Source &amp; Scope</a:t>
+            </a:r>
+          </a:p>
+        </p:txBody>
+      </p:sp>
+      <p:sp>
+        <p:nvSpPr>
+          <p:cNvPr id="4" name="Text Placeholder 3"/>
+          <p:cNvSpPr>
+            <a:spLocks noGrp="1"/>
+          </p:cNvSpPr>
+          <p:nvPr>
+            <p:ph type="body" idx="2"/>
+          </p:nvPr>
+        </p:nvSpPr>
+        <p:spPr/>
+        <p:txBody>
+          <a:bodyPr/>
+          <a:lstStyle/>
+          <a:p>
+            <a:r>
+              <a:t>1.2 Dataset Overview</a:t>
+            </a:r>
+          </a:p>
+        </p:txBody>
+      </p:sp>
+      <p:sp>
+        <p:nvSpPr>
+          <p:cNvPr id="7" name="Text Placeholder 6"/>
+          <p:cNvSpPr>
+            <a:spLocks noGrp="1"/>
+          </p:cNvSpPr>
+          <p:nvPr>
+            <p:ph type="body" idx="5"/>
+          </p:nvPr>
+        </p:nvSpPr>
+        <p:spPr/>
+        <p:txBody>
+          <a:bodyPr/>
+          <a:lstStyle/>
+          <a:p>
+            <a:pPr/>
+            <a:r>
+              <a:t>Johns Hopkins University CSSE Dataset</a:t>
+            </a:r>
+          </a:p>
+          <a:p>
+            <a:pPr lvl="1"/>
+            <a:r>
+              <a:t>We used the publicly available JHU global dataset from a GitHub/Kaggle mirror. The specific file was 2023-11-18.csv</a:t>
+            </a:r>
+          </a:p>
+          <a:p>
+            <a:pPr/>
+            <a:r>
+              <a:t>Data Scope</a:t>
+            </a:r>
+          </a:p>
+          <a:p>
+            <a:pPr lvl="1"/>
+            <a:r>
+              <a:t>The dataset covers 290+ countries and regions with over 300 columns, spanning from January 22, 2020 to November 18, 2023 — about 1,032 days total</a:t>
+            </a:r>
+          </a:p>
+          <a:p>
+            <a:pPr/>
+            <a:r>
+              <a:t>Core Fields</a:t>
+            </a:r>
+          </a:p>
+          <a:p>
+            <a:pPr lvl="1"/>
+            <a:r>
+              <a:t>Each row contains Province/State, Country/Region, latitude/longitude coordinates, and date-indexed cumulative confirmed case counts</a:t>
+            </a:r>
+          </a:p>
+        </p:txBody>
+      </p:sp>
+    </p:spTree>
+  </p:cSld>
+  <p:clrMapOvr>
+    <a:masterClrMapping/>
+  </p:clrMapOvr>
+</p:sld>
+</file>
+
+<file path=ppt/slides/slide6.xml><?xml version="1.0" encoding="utf-8"?>
+<p:sld xmlns:a="http://schemas.openxmlformats.org/drawingml/2006/main" xmlns:p="http://schemas.openxmlformats.org/presentationml/2006/main" xmlns:r="http://schemas.openxmlformats.org/officeDocument/2006/relationships">
+  <p:cSld>
+    <p:spTree>
+      <p:nvGrpSpPr>
+        <p:cNvPr id="1" name=""/>
+        <p:cNvGrpSpPr/>
+        <p:nvPr/>
+      </p:nvGrpSpPr>
+      <p:grpSpPr/>
+      <p:sp>
+        <p:nvSpPr>
+          <p:cNvPr id="2" name="Title 1"/>
+          <p:cNvSpPr>
+            <a:spLocks noGrp="1"/>
+          </p:cNvSpPr>
+          <p:nvPr>
+            <p:ph type="title"/>
+          </p:nvPr>
+        </p:nvSpPr>
+        <p:spPr/>
+        <p:txBody>
+          <a:bodyPr/>
+          <a:lstStyle/>
+          <a:p>
+            <a:r>
+              <a:t>End-to-End Analytics Pipeline</a:t>
+            </a:r>
+          </a:p>
+        </p:txBody>
+      </p:sp>
+      <p:sp>
+        <p:nvSpPr>
+          <p:cNvPr id="4" name="Text Placeholder 3"/>
+          <p:cNvSpPr>
+            <a:spLocks noGrp="1"/>
+          </p:cNvSpPr>
+          <p:nvPr>
+            <p:ph type="body" idx="2"/>
+          </p:nvPr>
+        </p:nvSpPr>
+        <p:spPr/>
+        <p:txBody>
+          <a:bodyPr/>
+          <a:lstStyle/>
+          <a:p>
+            <a:r>
+              <a:t>1.3 Methodology &amp; Architecture</a:t>
+            </a:r>
+          </a:p>
+        </p:txBody>
+      </p:sp>
+      <p:sp>
+        <p:nvSpPr>
+          <p:cNvPr id="7" name="Text Placeholder 6"/>
+          <p:cNvSpPr>
+            <a:spLocks noGrp="1"/>
+          </p:cNvSpPr>
+          <p:nvPr>
+            <p:ph type="body" idx="5"/>
+          </p:nvPr>
+        </p:nvSpPr>
+        <p:spPr/>
+        <p:txBody>
+          <a:bodyPr/>
+          <a:lstStyle/>
+          <a:p>
+            <a:pPr/>
+            <a:r>
+              <a:t>Data Acquisition and Validation</a:t>
+            </a:r>
+          </a:p>
+          <a:p>
+            <a:pPr lvl="1"/>
+            <a:r>
+              <a:t>We collected the JHU CSSE dataset and checked schema consistency — making sure all fields and formats were correct before going further</a:t>
+            </a:r>
+          </a:p>
+          <a:p>
+            <a:pPr/>
+            <a:r>
+              <a:t>Data Preparation</a:t>
+            </a:r>
+          </a:p>
+          <a:p>
+            <a:pPr lvl="1"/>
+            <a:r>
+              <a:t>Handled missing values, standardized date formats, and converted the wide table (one column per date) into a long format where each row is one country on one date</a:t>
+            </a:r>
+          </a:p>
+          <a:p>
+            <a:pPr/>
+            <a:r>
+              <a:t>Feature Engineering and EDA</a:t>
+            </a:r>
+          </a:p>
+          <a:p>
+            <a:pPr lvl="1"/>
+            <a:r>
+              <a:t>Derived DailyNewCases from cumulative totals and added time-based features. Then ran country-level, wave, and monthly trend analyses</a:t>
+            </a:r>
+          </a:p>
+          <a:p>
+            <a:pPr/>
+            <a:r>
+              <a:t>Modeling and Evaluation</a:t>
+            </a:r>
+          </a:p>
+          <a:p>
+            <a:pPr lvl="1"/>
+            <a:r>
+              <a:t>Trained two models in PySpark MLlib — Linear Regression and Random Forest — using an 80/20 train-test split. Compared them with RMSE, MAE, and R-squared</a:t>
+            </a:r>
+          </a:p>
+        </p:txBody>
+      </p:sp>
+    </p:spTree>
+  </p:cSld>
+  <p:clrMapOvr>
+    <a:masterClrMapping/>
+  </p:clrMapOvr>
+</p:sld>
+</file>
+
+<file path=ppt/slides/slide7.xml><?xml version="1.0" encoding="utf-8"?>
+<p:sld xmlns:a="http://schemas.openxmlformats.org/drawingml/2006/main" xmlns:p="http://schemas.openxmlformats.org/presentationml/2006/main" xmlns:r="http://schemas.openxmlformats.org/officeDocument/2006/relationships">
+  <p:cSld>
+    <p:spTree>
+      <p:nvGrpSpPr>
+        <p:cNvPr id="1" name=""/>
+        <p:cNvGrpSpPr/>
+        <p:nvPr/>
+      </p:nvGrpSpPr>
+      <p:grpSpPr/>
+      <p:sp>
+        <p:nvSpPr>
+          <p:cNvPr id="2" name="Title 1"/>
+          <p:cNvSpPr>
+            <a:spLocks noGrp="1"/>
+          </p:cNvSpPr>
+          <p:nvPr>
+            <p:ph type="title"/>
+          </p:nvPr>
+        </p:nvSpPr>
+        <p:spPr/>
+        <p:txBody>
+          <a:bodyPr/>
+          <a:lstStyle/>
+          <a:p>
+            <a:r>
+              <a:t>Analysis</a:t>
+            </a:r>
+          </a:p>
+          <a:p>
+            <a:r>
+              <a:t>&amp; Modeling</a:t>
+            </a:r>
+          </a:p>
+        </p:txBody>
+      </p:sp>
+      <p:sp>
+        <p:nvSpPr>
+          <p:cNvPr id="3" name="Text Placeholder 2"/>
+          <p:cNvSpPr>
+            <a:spLocks noGrp="1"/>
+          </p:cNvSpPr>
+          <p:nvPr>
+            <p:ph type="body" idx="1"/>
+          </p:nvPr>
+        </p:nvSpPr>
+        <p:spPr>
+          <a:xfrm>
+            <a:off x="990000" y="3550000"/>
+            <a:ext cx="7800000" cy="2800000"/>
+          </a:xfrm>
+        </p:spPr>
+        <p:txBody>
+          <a:bodyPr wrap="square"/>
+          <a:lstStyle/>
+          <a:p>
+            <a:pPr algn="l">
+              <a:spcAft>
+                <a:spcPts val="300"/>
+              </a:spcAft>
+            </a:pPr>
+            <a:r>
+              <a:rPr sz="1400" b="1">
+                <a:solidFill>
+                  <a:srgbClr val="1A1A2E"/>
+                </a:solidFill>
+              </a:rPr>
+              <a:t>This is where the real work happens.</a:t>
+            </a:r>
+          </a:p>
+          <a:p>
+            <a:pPr>
+              <a:spcAft>
+                <a:spcPts val="400"/>
+              </a:spcAft>
+            </a:pPr>
+          </a:p>
+          <a:p>
+            <a:pPr algn="l">
+              <a:spcAft>
+                <a:spcPts val="300"/>
+              </a:spcAft>
+            </a:pPr>
+            <a:r>
+              <a:rPr sz="1300" b="1">
+                <a:solidFill>
+                  <a:srgbClr val="193EB0"/>
+                </a:solidFill>
+              </a:rPr>
+              <a:t>What this section covers:</a:t>
+            </a:r>
+          </a:p>
+          <a:p>
+            <a:pPr algn="l">
+              <a:spcAft>
+                <a:spcPts val="300"/>
+              </a:spcAft>
+            </a:pPr>
+            <a:r>
+              <a:rPr sz="1300" b="0">
+                <a:solidFill>
+                  <a:srgbClr val="4A4A4A"/>
+                </a:solidFill>
+              </a:rPr>
+              <a:t>Data preprocessing — cleaning nulls, fixing formats, reshaping 300 date columns into a usable long format, and deriving daily case counts.</a:t>
+            </a:r>
+          </a:p>
+          <a:p>
+            <a:pPr algn="l">
+              <a:spcAft>
+                <a:spcPts val="300"/>
+              </a:spcAft>
+            </a:pPr>
+            <a:r>
+              <a:rPr sz="1300" b="0">
+                <a:solidFill>
+                  <a:srgbClr val="4A4A4A"/>
+                </a:solidFill>
+              </a:rPr>
+              <a:t>System architecture — our Spark + PySpark setup, how we used MLlib, and the visualization stack we relied on.</a:t>
+            </a:r>
+          </a:p>
+          <a:p>
+            <a:pPr algn="l">
+              <a:spcAft>
+                <a:spcPts val="300"/>
+              </a:spcAft>
+            </a:pPr>
+            <a:r>
+              <a:rPr sz="1300" b="0">
+                <a:solidFill>
+                  <a:srgbClr val="4A4A4A"/>
+                </a:solidFill>
+              </a:rPr>
+              <a:t>Exploratory analysis — the three major pandemic waves we identified and the patterns in how cases spread across countries.</a:t>
+            </a:r>
+          </a:p>
+          <a:p>
+            <a:pPr algn="l">
+              <a:spcAft>
+                <a:spcPts val="300"/>
+              </a:spcAft>
+            </a:pPr>
+            <a:r>
+              <a:rPr sz="1300" b="0">
+                <a:solidFill>
+                  <a:srgbClr val="4A4A4A"/>
+                </a:solidFill>
+              </a:rPr>
+              <a:t>Model training — how we built Linear Regression and Random Forest models, the features we used, and the train-test split.</a:t>
+            </a:r>
+          </a:p>
+        </p:txBody>
+      </p:sp>
+    </p:spTree>
+  </p:cSld>
+  <p:clrMapOvr>
+    <a:masterClrMapping/>
+  </p:clrMapOvr>
+</p:sld>
+</file>
+
+<file path=ppt/slides/slide8.xml><?xml version="1.0" encoding="utf-8"?>
+<p:sld xmlns:a="http://schemas.openxmlformats.org/drawingml/2006/main" xmlns:p="http://schemas.openxmlformats.org/presentationml/2006/main" xmlns:r="http://schemas.openxmlformats.org/officeDocument/2006/relationships">
+  <p:cSld>
+    <p:spTree>
+      <p:nvGrpSpPr>
+        <p:cNvPr id="1" name=""/>
+        <p:cNvGrpSpPr/>
+        <p:nvPr/>
+      </p:nvGrpSpPr>
+      <p:grpSpPr/>
+      <p:sp>
+        <p:nvSpPr>
+          <p:cNvPr id="2" name="Title 1"/>
+          <p:cNvSpPr>
+            <a:spLocks noGrp="1"/>
+          </p:cNvSpPr>
+          <p:nvPr>
+            <p:ph type="title"/>
+          </p:nvPr>
+        </p:nvSpPr>
+        <p:spPr/>
+        <p:txBody>
+          <a:bodyPr/>
+          <a:lstStyle/>
+          <a:p>
+            <a:r>
+              <a:t>Cleaning &amp; Transformation Pipeline</a:t>
+            </a:r>
+          </a:p>
+        </p:txBody>
+      </p:sp>
+      <p:sp>
+        <p:nvSpPr>
+          <p:cNvPr id="4" name="Text Placeholder 3"/>
+          <p:cNvSpPr>
+            <a:spLocks noGrp="1"/>
+          </p:cNvSpPr>
+          <p:nvPr>
+            <p:ph type="body" idx="2"/>
+          </p:nvPr>
+        </p:nvSpPr>
+        <p:spPr/>
+        <p:txBody>
+          <a:bodyPr/>
+          <a:lstStyle/>
+          <a:p>
+            <a:r>
+              <a:t>2.1 Data Preprocessing</a:t>
+            </a:r>
+          </a:p>
+        </p:txBody>
+      </p:sp>
+      <p:sp>
+        <p:nvSpPr>
+          <p:cNvPr id="7" name="Text Placeholder 6"/>
+          <p:cNvSpPr>
+            <a:spLocks noGrp="1"/>
+          </p:cNvSpPr>
+          <p:nvPr>
+            <p:ph type="body" idx="5"/>
+          </p:nvPr>
+        </p:nvSpPr>
+        <p:spPr/>
+        <p:txBody>
+          <a:bodyPr/>
+          <a:lstStyle/>
+          <a:p>
+            <a:pPr/>
+            <a:r>
+              <a:t>Missing Value Handling</a:t>
+            </a:r>
+          </a:p>
+          <a:p>
+            <a:pPr lvl="1"/>
+            <a:r>
+              <a:t>Found and dealt with null and NaN entries across all columns. Used imputation where appropriate and ran validation checks to confirm the fixes</a:t>
+            </a:r>
+          </a:p>
+          <a:p>
+            <a:pPr/>
+            <a:r>
+              <a:t>Datatype Normalization</a:t>
+            </a:r>
+          </a:p>
+          <a:p>
+            <a:pPr lvl="1"/>
+            <a:r>
+              <a:t>Cleaned up inconsistent date formats and numeric types. With 300+ columns, this step took real effort to get right</a:t>
+            </a:r>
+          </a:p>
+          <a:p>
+            <a:pPr/>
+            <a:r>
+              <a:t>Wide-to-Long Reshaping</a:t>
+            </a:r>
+          </a:p>
+          <a:p>
+            <a:pPr lvl="1"/>
+            <a:r>
+              <a:t>The original data had roughly 300 date columns. We reshaped it so each row represents one country on one date — much easier to work with</a:t>
+            </a:r>
+          </a:p>
+          <a:p>
+            <a:pPr/>
+            <a:r>
+              <a:t>DailyNewCases Derivation</a:t>
+            </a:r>
+          </a:p>
+          <a:p>
+            <a:pPr lvl="1"/>
+            <a:r>
+              <a:t>Calculated daily new cases by taking the difference between consecutive cumulative values. Added safeguards to handle occasional negative values from reporting corrections</a:t>
+            </a:r>
+          </a:p>
+        </p:txBody>
+      </p:sp>
+    </p:spTree>
+  </p:cSld>
+  <p:clrMapOvr>
+    <a:masterClrMapping/>
+  </p:clrMapOvr>
+</p:sld>
+</file>
+
+<file path=ppt/slides/slide9.xml><?xml version="1.0" encoding="utf-8"?>
+<p:sld xmlns:a="http://schemas.openxmlformats.org/drawingml/2006/main" xmlns:p="http://schemas.openxmlformats.org/presentationml/2006/main" xmlns:r="http://schemas.openxmlformats.org/officeDocument/2006/relationships">
+  <p:cSld>
+    <p:spTree>
+      <p:nvGrpSpPr>
+        <p:cNvPr id="1" name=""/>
+        <p:cNvGrpSpPr/>
+        <p:nvPr/>
+      </p:nvGrpSpPr>
+      <p:grpSpPr/>
+      <p:sp>
+        <p:nvSpPr>
+          <p:cNvPr id="2" name="Title 1"/>
+          <p:cNvSpPr>
+            <a:spLocks noGrp="1"/>
+          </p:cNvSpPr>
+          <p:nvPr>
+            <p:ph type="title"/>
+          </p:nvPr>
+        </p:nvSpPr>
+        <p:spPr/>
+        <p:txBody>
+          <a:bodyPr/>
+          <a:lstStyle/>
+          <a:p>
+            <a:r>
+              <a:t>Technical Architecture &amp; Tools</a:t>
+            </a:r>
+          </a:p>
+        </p:txBody>
+      </p:sp>
+      <p:sp>
+        <p:nvSpPr>
+          <p:cNvPr id="4" name="Text Placeholder 3"/>
+          <p:cNvSpPr>
+            <a:spLocks noGrp="1"/>
+          </p:cNvSpPr>
+          <p:nvPr>
+            <p:ph type="body" idx="2"/>
+          </p:nvPr>
+        </p:nvSpPr>
+        <p:spPr/>
+        <p:txBody>
+          <a:bodyPr/>
+          <a:lstStyle/>
+          <a:p>
+            <a:r>
+              <a:t>2.2 System Design</a:t>
+            </a:r>
+          </a:p>
+        </p:txBody>
+      </p:sp>
+      <p:sp>
+        <p:nvSpPr>
+          <p:cNvPr id="7" name="Text Placeholder 6"/>
+          <p:cNvSpPr>
+            <a:spLocks noGrp="1"/>
+          </p:cNvSpPr>
+          <p:nvPr>
+            <p:ph type="body" idx="5"/>
+          </p:nvPr>
+        </p:nvSpPr>
+        <p:spPr/>
+        <p:txBody>
+          <a:bodyPr/>
+          <a:lstStyle/>
+          <a:p>
+            <a:pPr/>
+            <a:r>
+              <a:t>Processing Framework</a:t>
+            </a:r>
+          </a:p>
+          <a:p>
+            <a:pPr lvl="1"/>
+            <a:r>
+              <a:t>We used Apache Spark 3.x with PySpark 3.5.0, running everything in Jupyter notebooks for quick iteration</a:t>
+            </a:r>
+          </a:p>
+          <a:p>
+            <a:pPr/>
+            <a:r>
+              <a:t>Data Handling</a:t>
+            </a:r>
+          </a:p>
+          <a:p>
+            <a:pPr lvl="1"/>
+            <a:r>
+              <a:t>Spark DataFrames handled the heavy lifting for distributed data transformations. MLlib ran the model training and evaluation</a:t>
+            </a:r>
+          </a:p>
+          <a:p>
+            <a:pPr/>
+            <a:r>
+              <a:t>Visualization</a:t>
+            </a:r>
+          </a:p>
+          <a:p>
+            <a:pPr lvl="1"/>
+            <a:r>
+              <a:t>For charts and graphs, we used matplotlib, seaborn, and plotly — each one suited to different types of visual output</a:t>
+            </a:r>
+          </a:p>
+          <a:p>
+            <a:pPr/>
+            <a:r>
+              <a:t>Version Control and Outputs</a:t>
+            </a:r>
+          </a:p>
+          <a:p>
+            <a:pPr lvl="1"/>
+            <a:r>
+              <a:t>All code lived in a Git/GitHub repo. Final outputs were saved as CSV and Parquet files, then pulled into Word, PowerPoint, and Excel deliverables</a:t>
+            </a:r>
+          </a:p>
+        </p:txBody>
+      </p:sp>
     </p:spTree>
   </p:cSld>
   <p:clrMapOvr>
@@ -10701,7 +12379,7 @@
 </file>
 
 <file path=ppt/theme/theme1.xml><?xml version="1.0" encoding="utf-8"?>
-<a:theme xmlns:a="http://schemas.openxmlformats.org/drawingml/2006/main" xmlns:r="http://schemas.openxmlformats.org/officeDocument/2006/relationships" name="Office Theme">
+<a:theme xmlns:a="http://schemas.openxmlformats.org/drawingml/2006/main" name="Office Theme">
   <a:themeElements>
     <a:clrScheme name="Office 테마">
       <a:dk1>
@@ -10976,11 +12654,13 @@
       </a:bgFillStyleLst>
     </a:fmtScheme>
   </a:themeElements>
+  <a:objectDefaults/>
+  <a:extraClrSchemeLst/>
 </a:theme>
 </file>
 
 <file path=ppt/theme/theme2.xml><?xml version="1.0" encoding="utf-8"?>
-<a:theme xmlns:a="http://schemas.openxmlformats.org/drawingml/2006/main" xmlns:r="http://schemas.openxmlformats.org/officeDocument/2006/relationships" name="Office 테마">
+<a:theme xmlns:a="http://schemas.openxmlformats.org/drawingml/2006/main" name="Office 테마">
   <a:themeElements>
     <a:clrScheme name="Office">
       <a:dk1>
@@ -11255,5 +12935,7 @@
       </a:bgFillStyleLst>
     </a:fmtScheme>
   </a:themeElements>
+  <a:objectDefaults/>
+  <a:extraClrSchemeLst/>
 </a:theme>
 </file>